--- a/Images/Event/Lang/- Check Marbles.pptx
+++ b/Images/Event/Lang/- Check Marbles.pptx
@@ -20,6 +20,9 @@
     <p:sldId id="270" r:id="rId14"/>
     <p:sldId id="273" r:id="rId15"/>
     <p:sldId id="272" r:id="rId16"/>
+    <p:sldId id="274" r:id="rId17"/>
+    <p:sldId id="275" r:id="rId18"/>
+    <p:sldId id="276" r:id="rId19"/>
   </p:sldIdLst>
   <p:sldSz cx="12526963" cy="10607675"/>
   <p:notesSz cx="6858000" cy="9144000"/>
@@ -168,7 +171,7 @@
           </a:lstStyle>
           <a:p>
             <a:r>
-              <a:rPr lang="en-US" smtClean="0"/>
+              <a:rPr lang="en-US"/>
               <a:t>Click to edit Master title style</a:t>
             </a:r>
             <a:endParaRPr lang="en-US" dirty="0"/>
@@ -233,7 +236,7 @@
           </a:lstStyle>
           <a:p>
             <a:r>
-              <a:rPr lang="en-US" smtClean="0"/>
+              <a:rPr lang="en-US"/>
               <a:t>Click to edit Master subtitle style</a:t>
             </a:r>
             <a:endParaRPr lang="en-US" dirty="0"/>
@@ -257,7 +260,7 @@
           <a:p>
             <a:fld id="{05D01D5D-DC78-4E2E-9424-7F260C4864BB}" type="datetimeFigureOut">
               <a:rPr lang="en-US" smtClean="0"/>
-              <a:t>15-Jun-16</a:t>
+              <a:t>27-Jul-16</a:t>
             </a:fld>
             <a:endParaRPr lang="en-US"/>
           </a:p>
@@ -351,7 +354,7 @@
           <a:lstStyle/>
           <a:p>
             <a:r>
-              <a:rPr lang="en-US" smtClean="0"/>
+              <a:rPr lang="en-US"/>
               <a:t>Click to edit Master title style</a:t>
             </a:r>
             <a:endParaRPr lang="en-US" dirty="0"/>
@@ -375,35 +378,35 @@
           <a:p>
             <a:pPr lvl="0"/>
             <a:r>
-              <a:rPr lang="en-US" smtClean="0"/>
+              <a:rPr lang="en-US"/>
               <a:t>Click to edit Master text styles</a:t>
             </a:r>
           </a:p>
           <a:p>
             <a:pPr lvl="1"/>
             <a:r>
-              <a:rPr lang="en-US" smtClean="0"/>
+              <a:rPr lang="en-US"/>
               <a:t>Second level</a:t>
             </a:r>
           </a:p>
           <a:p>
             <a:pPr lvl="2"/>
             <a:r>
-              <a:rPr lang="en-US" smtClean="0"/>
+              <a:rPr lang="en-US"/>
               <a:t>Third level</a:t>
             </a:r>
           </a:p>
           <a:p>
             <a:pPr lvl="3"/>
             <a:r>
-              <a:rPr lang="en-US" smtClean="0"/>
+              <a:rPr lang="en-US"/>
               <a:t>Fourth level</a:t>
             </a:r>
           </a:p>
           <a:p>
             <a:pPr lvl="4"/>
             <a:r>
-              <a:rPr lang="en-US" smtClean="0"/>
+              <a:rPr lang="en-US"/>
               <a:t>Fifth level</a:t>
             </a:r>
             <a:endParaRPr lang="en-US" dirty="0"/>
@@ -427,7 +430,7 @@
           <a:p>
             <a:fld id="{05D01D5D-DC78-4E2E-9424-7F260C4864BB}" type="datetimeFigureOut">
               <a:rPr lang="en-US" smtClean="0"/>
-              <a:t>15-Jun-16</a:t>
+              <a:t>27-Jul-16</a:t>
             </a:fld>
             <a:endParaRPr lang="en-US"/>
           </a:p>
@@ -526,7 +529,7 @@
           <a:lstStyle/>
           <a:p>
             <a:r>
-              <a:rPr lang="en-US" smtClean="0"/>
+              <a:rPr lang="en-US"/>
               <a:t>Click to edit Master title style</a:t>
             </a:r>
             <a:endParaRPr lang="en-US" dirty="0"/>
@@ -555,35 +558,35 @@
           <a:p>
             <a:pPr lvl="0"/>
             <a:r>
-              <a:rPr lang="en-US" smtClean="0"/>
+              <a:rPr lang="en-US"/>
               <a:t>Click to edit Master text styles</a:t>
             </a:r>
           </a:p>
           <a:p>
             <a:pPr lvl="1"/>
             <a:r>
-              <a:rPr lang="en-US" smtClean="0"/>
+              <a:rPr lang="en-US"/>
               <a:t>Second level</a:t>
             </a:r>
           </a:p>
           <a:p>
             <a:pPr lvl="2"/>
             <a:r>
-              <a:rPr lang="en-US" smtClean="0"/>
+              <a:rPr lang="en-US"/>
               <a:t>Third level</a:t>
             </a:r>
           </a:p>
           <a:p>
             <a:pPr lvl="3"/>
             <a:r>
-              <a:rPr lang="en-US" smtClean="0"/>
+              <a:rPr lang="en-US"/>
               <a:t>Fourth level</a:t>
             </a:r>
           </a:p>
           <a:p>
             <a:pPr lvl="4"/>
             <a:r>
-              <a:rPr lang="en-US" smtClean="0"/>
+              <a:rPr lang="en-US"/>
               <a:t>Fifth level</a:t>
             </a:r>
             <a:endParaRPr lang="en-US" dirty="0"/>
@@ -607,7 +610,7 @@
           <a:p>
             <a:fld id="{05D01D5D-DC78-4E2E-9424-7F260C4864BB}" type="datetimeFigureOut">
               <a:rPr lang="en-US" smtClean="0"/>
-              <a:t>15-Jun-16</a:t>
+              <a:t>27-Jul-16</a:t>
             </a:fld>
             <a:endParaRPr lang="en-US"/>
           </a:p>
@@ -701,7 +704,7 @@
           <a:lstStyle/>
           <a:p>
             <a:r>
-              <a:rPr lang="en-US" smtClean="0"/>
+              <a:rPr lang="en-US"/>
               <a:t>Click to edit Master title style</a:t>
             </a:r>
             <a:endParaRPr lang="en-US" dirty="0"/>
@@ -725,35 +728,35 @@
           <a:p>
             <a:pPr lvl="0"/>
             <a:r>
-              <a:rPr lang="en-US" smtClean="0"/>
+              <a:rPr lang="en-US"/>
               <a:t>Click to edit Master text styles</a:t>
             </a:r>
           </a:p>
           <a:p>
             <a:pPr lvl="1"/>
             <a:r>
-              <a:rPr lang="en-US" smtClean="0"/>
+              <a:rPr lang="en-US"/>
               <a:t>Second level</a:t>
             </a:r>
           </a:p>
           <a:p>
             <a:pPr lvl="2"/>
             <a:r>
-              <a:rPr lang="en-US" smtClean="0"/>
+              <a:rPr lang="en-US"/>
               <a:t>Third level</a:t>
             </a:r>
           </a:p>
           <a:p>
             <a:pPr lvl="3"/>
             <a:r>
-              <a:rPr lang="en-US" smtClean="0"/>
+              <a:rPr lang="en-US"/>
               <a:t>Fourth level</a:t>
             </a:r>
           </a:p>
           <a:p>
             <a:pPr lvl="4"/>
             <a:r>
-              <a:rPr lang="en-US" smtClean="0"/>
+              <a:rPr lang="en-US"/>
               <a:t>Fifth level</a:t>
             </a:r>
             <a:endParaRPr lang="en-US" dirty="0"/>
@@ -777,7 +780,7 @@
           <a:p>
             <a:fld id="{05D01D5D-DC78-4E2E-9424-7F260C4864BB}" type="datetimeFigureOut">
               <a:rPr lang="en-US" smtClean="0"/>
-              <a:t>15-Jun-16</a:t>
+              <a:t>27-Jul-16</a:t>
             </a:fld>
             <a:endParaRPr lang="en-US"/>
           </a:p>
@@ -880,7 +883,7 @@
           </a:lstStyle>
           <a:p>
             <a:r>
-              <a:rPr lang="en-US" smtClean="0"/>
+              <a:rPr lang="en-US"/>
               <a:t>Click to edit Master title style</a:t>
             </a:r>
             <a:endParaRPr lang="en-US" dirty="0"/>
@@ -998,7 +1001,7 @@
           <a:p>
             <a:pPr lvl="0"/>
             <a:r>
-              <a:rPr lang="en-US" smtClean="0"/>
+              <a:rPr lang="en-US"/>
               <a:t>Click to edit Master text styles</a:t>
             </a:r>
           </a:p>
@@ -1021,7 +1024,7 @@
           <a:p>
             <a:fld id="{05D01D5D-DC78-4E2E-9424-7F260C4864BB}" type="datetimeFigureOut">
               <a:rPr lang="en-US" smtClean="0"/>
-              <a:t>15-Jun-16</a:t>
+              <a:t>27-Jul-16</a:t>
             </a:fld>
             <a:endParaRPr lang="en-US"/>
           </a:p>
@@ -1115,7 +1118,7 @@
           <a:lstStyle/>
           <a:p>
             <a:r>
-              <a:rPr lang="en-US" smtClean="0"/>
+              <a:rPr lang="en-US"/>
               <a:t>Click to edit Master title style</a:t>
             </a:r>
             <a:endParaRPr lang="en-US" dirty="0"/>
@@ -1144,35 +1147,35 @@
           <a:p>
             <a:pPr lvl="0"/>
             <a:r>
-              <a:rPr lang="en-US" smtClean="0"/>
+              <a:rPr lang="en-US"/>
               <a:t>Click to edit Master text styles</a:t>
             </a:r>
           </a:p>
           <a:p>
             <a:pPr lvl="1"/>
             <a:r>
-              <a:rPr lang="en-US" smtClean="0"/>
+              <a:rPr lang="en-US"/>
               <a:t>Second level</a:t>
             </a:r>
           </a:p>
           <a:p>
             <a:pPr lvl="2"/>
             <a:r>
-              <a:rPr lang="en-US" smtClean="0"/>
+              <a:rPr lang="en-US"/>
               <a:t>Third level</a:t>
             </a:r>
           </a:p>
           <a:p>
             <a:pPr lvl="3"/>
             <a:r>
-              <a:rPr lang="en-US" smtClean="0"/>
+              <a:rPr lang="en-US"/>
               <a:t>Fourth level</a:t>
             </a:r>
           </a:p>
           <a:p>
             <a:pPr lvl="4"/>
             <a:r>
-              <a:rPr lang="en-US" smtClean="0"/>
+              <a:rPr lang="en-US"/>
               <a:t>Fifth level</a:t>
             </a:r>
             <a:endParaRPr lang="en-US" dirty="0"/>
@@ -1201,35 +1204,35 @@
           <a:p>
             <a:pPr lvl="0"/>
             <a:r>
-              <a:rPr lang="en-US" smtClean="0"/>
+              <a:rPr lang="en-US"/>
               <a:t>Click to edit Master text styles</a:t>
             </a:r>
           </a:p>
           <a:p>
             <a:pPr lvl="1"/>
             <a:r>
-              <a:rPr lang="en-US" smtClean="0"/>
+              <a:rPr lang="en-US"/>
               <a:t>Second level</a:t>
             </a:r>
           </a:p>
           <a:p>
             <a:pPr lvl="2"/>
             <a:r>
-              <a:rPr lang="en-US" smtClean="0"/>
+              <a:rPr lang="en-US"/>
               <a:t>Third level</a:t>
             </a:r>
           </a:p>
           <a:p>
             <a:pPr lvl="3"/>
             <a:r>
-              <a:rPr lang="en-US" smtClean="0"/>
+              <a:rPr lang="en-US"/>
               <a:t>Fourth level</a:t>
             </a:r>
           </a:p>
           <a:p>
             <a:pPr lvl="4"/>
             <a:r>
-              <a:rPr lang="en-US" smtClean="0"/>
+              <a:rPr lang="en-US"/>
               <a:t>Fifth level</a:t>
             </a:r>
             <a:endParaRPr lang="en-US" dirty="0"/>
@@ -1253,7 +1256,7 @@
           <a:p>
             <a:fld id="{05D01D5D-DC78-4E2E-9424-7F260C4864BB}" type="datetimeFigureOut">
               <a:rPr lang="en-US" smtClean="0"/>
-              <a:t>15-Jun-16</a:t>
+              <a:t>27-Jul-16</a:t>
             </a:fld>
             <a:endParaRPr lang="en-US"/>
           </a:p>
@@ -1352,7 +1355,7 @@
           <a:lstStyle/>
           <a:p>
             <a:r>
-              <a:rPr lang="en-US" smtClean="0"/>
+              <a:rPr lang="en-US"/>
               <a:t>Click to edit Master title style</a:t>
             </a:r>
             <a:endParaRPr lang="en-US" dirty="0"/>
@@ -1418,7 +1421,7 @@
           <a:p>
             <a:pPr lvl="0"/>
             <a:r>
-              <a:rPr lang="en-US" smtClean="0"/>
+              <a:rPr lang="en-US"/>
               <a:t>Click to edit Master text styles</a:t>
             </a:r>
           </a:p>
@@ -1446,35 +1449,35 @@
           <a:p>
             <a:pPr lvl="0"/>
             <a:r>
-              <a:rPr lang="en-US" smtClean="0"/>
+              <a:rPr lang="en-US"/>
               <a:t>Click to edit Master text styles</a:t>
             </a:r>
           </a:p>
           <a:p>
             <a:pPr lvl="1"/>
             <a:r>
-              <a:rPr lang="en-US" smtClean="0"/>
+              <a:rPr lang="en-US"/>
               <a:t>Second level</a:t>
             </a:r>
           </a:p>
           <a:p>
             <a:pPr lvl="2"/>
             <a:r>
-              <a:rPr lang="en-US" smtClean="0"/>
+              <a:rPr lang="en-US"/>
               <a:t>Third level</a:t>
             </a:r>
           </a:p>
           <a:p>
             <a:pPr lvl="3"/>
             <a:r>
-              <a:rPr lang="en-US" smtClean="0"/>
+              <a:rPr lang="en-US"/>
               <a:t>Fourth level</a:t>
             </a:r>
           </a:p>
           <a:p>
             <a:pPr lvl="4"/>
             <a:r>
-              <a:rPr lang="en-US" smtClean="0"/>
+              <a:rPr lang="en-US"/>
               <a:t>Fifth level</a:t>
             </a:r>
             <a:endParaRPr lang="en-US" dirty="0"/>
@@ -1540,7 +1543,7 @@
           <a:p>
             <a:pPr lvl="0"/>
             <a:r>
-              <a:rPr lang="en-US" smtClean="0"/>
+              <a:rPr lang="en-US"/>
               <a:t>Click to edit Master text styles</a:t>
             </a:r>
           </a:p>
@@ -1568,35 +1571,35 @@
           <a:p>
             <a:pPr lvl="0"/>
             <a:r>
-              <a:rPr lang="en-US" smtClean="0"/>
+              <a:rPr lang="en-US"/>
               <a:t>Click to edit Master text styles</a:t>
             </a:r>
           </a:p>
           <a:p>
             <a:pPr lvl="1"/>
             <a:r>
-              <a:rPr lang="en-US" smtClean="0"/>
+              <a:rPr lang="en-US"/>
               <a:t>Second level</a:t>
             </a:r>
           </a:p>
           <a:p>
             <a:pPr lvl="2"/>
             <a:r>
-              <a:rPr lang="en-US" smtClean="0"/>
+              <a:rPr lang="en-US"/>
               <a:t>Third level</a:t>
             </a:r>
           </a:p>
           <a:p>
             <a:pPr lvl="3"/>
             <a:r>
-              <a:rPr lang="en-US" smtClean="0"/>
+              <a:rPr lang="en-US"/>
               <a:t>Fourth level</a:t>
             </a:r>
           </a:p>
           <a:p>
             <a:pPr lvl="4"/>
             <a:r>
-              <a:rPr lang="en-US" smtClean="0"/>
+              <a:rPr lang="en-US"/>
               <a:t>Fifth level</a:t>
             </a:r>
             <a:endParaRPr lang="en-US" dirty="0"/>
@@ -1620,7 +1623,7 @@
           <a:p>
             <a:fld id="{05D01D5D-DC78-4E2E-9424-7F260C4864BB}" type="datetimeFigureOut">
               <a:rPr lang="en-US" smtClean="0"/>
-              <a:t>15-Jun-16</a:t>
+              <a:t>27-Jul-16</a:t>
             </a:fld>
             <a:endParaRPr lang="en-US"/>
           </a:p>
@@ -1714,7 +1717,7 @@
           <a:lstStyle/>
           <a:p>
             <a:r>
-              <a:rPr lang="en-US" smtClean="0"/>
+              <a:rPr lang="en-US"/>
               <a:t>Click to edit Master title style</a:t>
             </a:r>
             <a:endParaRPr lang="en-US" dirty="0"/>
@@ -1738,7 +1741,7 @@
           <a:p>
             <a:fld id="{05D01D5D-DC78-4E2E-9424-7F260C4864BB}" type="datetimeFigureOut">
               <a:rPr lang="en-US" smtClean="0"/>
-              <a:t>15-Jun-16</a:t>
+              <a:t>27-Jul-16</a:t>
             </a:fld>
             <a:endParaRPr lang="en-US"/>
           </a:p>
@@ -1833,7 +1836,7 @@
           <a:p>
             <a:fld id="{05D01D5D-DC78-4E2E-9424-7F260C4864BB}" type="datetimeFigureOut">
               <a:rPr lang="en-US" smtClean="0"/>
-              <a:t>15-Jun-16</a:t>
+              <a:t>27-Jul-16</a:t>
             </a:fld>
             <a:endParaRPr lang="en-US"/>
           </a:p>
@@ -1936,7 +1939,7 @@
           </a:lstStyle>
           <a:p>
             <a:r>
-              <a:rPr lang="en-US" smtClean="0"/>
+              <a:rPr lang="en-US"/>
               <a:t>Click to edit Master title style</a:t>
             </a:r>
             <a:endParaRPr lang="en-US" dirty="0"/>
@@ -1993,35 +1996,35 @@
           <a:p>
             <a:pPr lvl="0"/>
             <a:r>
-              <a:rPr lang="en-US" smtClean="0"/>
+              <a:rPr lang="en-US"/>
               <a:t>Click to edit Master text styles</a:t>
             </a:r>
           </a:p>
           <a:p>
             <a:pPr lvl="1"/>
             <a:r>
-              <a:rPr lang="en-US" smtClean="0"/>
+              <a:rPr lang="en-US"/>
               <a:t>Second level</a:t>
             </a:r>
           </a:p>
           <a:p>
             <a:pPr lvl="2"/>
             <a:r>
-              <a:rPr lang="en-US" smtClean="0"/>
+              <a:rPr lang="en-US"/>
               <a:t>Third level</a:t>
             </a:r>
           </a:p>
           <a:p>
             <a:pPr lvl="3"/>
             <a:r>
-              <a:rPr lang="en-US" smtClean="0"/>
+              <a:rPr lang="en-US"/>
               <a:t>Fourth level</a:t>
             </a:r>
           </a:p>
           <a:p>
             <a:pPr lvl="4"/>
             <a:r>
-              <a:rPr lang="en-US" smtClean="0"/>
+              <a:rPr lang="en-US"/>
               <a:t>Fifth level</a:t>
             </a:r>
             <a:endParaRPr lang="en-US" dirty="0"/>
@@ -2087,7 +2090,7 @@
           <a:p>
             <a:pPr lvl="0"/>
             <a:r>
-              <a:rPr lang="en-US" smtClean="0"/>
+              <a:rPr lang="en-US"/>
               <a:t>Click to edit Master text styles</a:t>
             </a:r>
           </a:p>
@@ -2110,7 +2113,7 @@
           <a:p>
             <a:fld id="{05D01D5D-DC78-4E2E-9424-7F260C4864BB}" type="datetimeFigureOut">
               <a:rPr lang="en-US" smtClean="0"/>
-              <a:t>15-Jun-16</a:t>
+              <a:t>27-Jul-16</a:t>
             </a:fld>
             <a:endParaRPr lang="en-US"/>
           </a:p>
@@ -2213,7 +2216,7 @@
           </a:lstStyle>
           <a:p>
             <a:r>
-              <a:rPr lang="en-US" smtClean="0"/>
+              <a:rPr lang="en-US"/>
               <a:t>Click to edit Master title style</a:t>
             </a:r>
             <a:endParaRPr lang="en-US" dirty="0"/>
@@ -2278,7 +2281,7 @@
           </a:lstStyle>
           <a:p>
             <a:r>
-              <a:rPr lang="en-US" smtClean="0"/>
+              <a:rPr lang="en-US"/>
               <a:t>Click icon to add picture</a:t>
             </a:r>
             <a:endParaRPr lang="en-US" dirty="0"/>
@@ -2344,7 +2347,7 @@
           <a:p>
             <a:pPr lvl="0"/>
             <a:r>
-              <a:rPr lang="en-US" smtClean="0"/>
+              <a:rPr lang="en-US"/>
               <a:t>Click to edit Master text styles</a:t>
             </a:r>
           </a:p>
@@ -2367,7 +2370,7 @@
           <a:p>
             <a:fld id="{05D01D5D-DC78-4E2E-9424-7F260C4864BB}" type="datetimeFigureOut">
               <a:rPr lang="en-US" smtClean="0"/>
-              <a:t>15-Jun-16</a:t>
+              <a:t>27-Jul-16</a:t>
             </a:fld>
             <a:endParaRPr lang="en-US"/>
           </a:p>
@@ -2476,7 +2479,7 @@
           <a:lstStyle/>
           <a:p>
             <a:r>
-              <a:rPr lang="en-US" smtClean="0"/>
+              <a:rPr lang="en-US"/>
               <a:t>Click to edit Master title style</a:t>
             </a:r>
             <a:endParaRPr lang="en-US" dirty="0"/>
@@ -2510,35 +2513,35 @@
           <a:p>
             <a:pPr lvl="0"/>
             <a:r>
-              <a:rPr lang="en-US" smtClean="0"/>
+              <a:rPr lang="en-US"/>
               <a:t>Click to edit Master text styles</a:t>
             </a:r>
           </a:p>
           <a:p>
             <a:pPr lvl="1"/>
             <a:r>
-              <a:rPr lang="en-US" smtClean="0"/>
+              <a:rPr lang="en-US"/>
               <a:t>Second level</a:t>
             </a:r>
           </a:p>
           <a:p>
             <a:pPr lvl="2"/>
             <a:r>
-              <a:rPr lang="en-US" smtClean="0"/>
+              <a:rPr lang="en-US"/>
               <a:t>Third level</a:t>
             </a:r>
           </a:p>
           <a:p>
             <a:pPr lvl="3"/>
             <a:r>
-              <a:rPr lang="en-US" smtClean="0"/>
+              <a:rPr lang="en-US"/>
               <a:t>Fourth level</a:t>
             </a:r>
           </a:p>
           <a:p>
             <a:pPr lvl="4"/>
             <a:r>
-              <a:rPr lang="en-US" smtClean="0"/>
+              <a:rPr lang="en-US"/>
               <a:t>Fifth level</a:t>
             </a:r>
             <a:endParaRPr lang="en-US" dirty="0"/>
@@ -2580,7 +2583,7 @@
           <a:p>
             <a:fld id="{05D01D5D-DC78-4E2E-9424-7F260C4864BB}" type="datetimeFigureOut">
               <a:rPr lang="en-US" smtClean="0"/>
-              <a:t>15-Jun-16</a:t>
+              <a:t>27-Jul-16</a:t>
             </a:fld>
             <a:endParaRPr lang="en-US"/>
           </a:p>
@@ -4875,13 +4878,6 @@
   <p:clrMapOvr>
     <a:masterClrMapping/>
   </p:clrMapOvr>
-  <p:timing>
-    <p:tnLst>
-      <p:par>
-        <p:cTn id="1" dur="indefinite" restart="never" nodeType="tmRoot"/>
-      </p:par>
-    </p:tnLst>
-  </p:timing>
 </p:sld>
 </file>
 
@@ -4947,7 +4943,7 @@
           <a:p>
             <a:pPr algn="ctr"/>
             <a:r>
-              <a:rPr lang="en-US" sz="3200" dirty="0" smtClean="0">
+              <a:rPr lang="en-US" sz="3200" dirty="0">
                 <a:solidFill>
                   <a:schemeClr val="tx1"/>
                 </a:solidFill>
@@ -4956,7 +4952,7 @@
               <a:t>exist(exactly(3)).</a:t>
             </a:r>
             <a:r>
-              <a:rPr lang="en-US" sz="3200" dirty="0" err="1" smtClean="0">
+              <a:rPr lang="en-US" sz="3200" dirty="0" err="1">
                 <a:solidFill>
                   <a:schemeClr val="tx1"/>
                 </a:solidFill>
@@ -4965,7 +4961,7 @@
               <a:t>eventsWhereEach</a:t>
             </a:r>
             <a:r>
-              <a:rPr lang="en-US" sz="3200" dirty="0" smtClean="0">
+              <a:rPr lang="en-US" sz="3200" dirty="0">
                 <a:solidFill>
                   <a:schemeClr val="tx1"/>
                 </a:solidFill>
@@ -4973,12 +4969,6 @@
               </a:rPr>
               <a:t>(       )</a:t>
             </a:r>
-            <a:endParaRPr lang="en-US" sz="3200" dirty="0">
-              <a:solidFill>
-                <a:schemeClr val="tx1"/>
-              </a:solidFill>
-              <a:latin typeface="+mj-lt"/>
-            </a:endParaRPr>
           </a:p>
         </p:txBody>
       </p:sp>
@@ -7010,13 +7000,6 @@
   <p:clrMapOvr>
     <a:masterClrMapping/>
   </p:clrMapOvr>
-  <p:timing>
-    <p:tnLst>
-      <p:par>
-        <p:cTn id="1" dur="indefinite" restart="never" nodeType="tmRoot"/>
-      </p:par>
-    </p:tnLst>
-  </p:timing>
 </p:sld>
 </file>
 
@@ -7082,18 +7065,13 @@
           <a:p>
             <a:pPr algn="ctr"/>
             <a:r>
-              <a:rPr lang="en-US" dirty="0" smtClean="0">
+              <a:rPr lang="en-US" dirty="0">
                 <a:solidFill>
                   <a:schemeClr val="tx1"/>
                 </a:solidFill>
               </a:rPr>
               <a:t>Failure</a:t>
             </a:r>
-            <a:endParaRPr lang="en-US" dirty="0">
-              <a:solidFill>
-                <a:schemeClr val="tx1"/>
-              </a:solidFill>
-            </a:endParaRPr>
           </a:p>
         </p:txBody>
       </p:sp>
@@ -7197,18 +7175,13 @@
           <a:p>
             <a:pPr algn="ctr"/>
             <a:r>
-              <a:rPr lang="en-US" dirty="0" smtClean="0">
+              <a:rPr lang="en-US" dirty="0">
                 <a:solidFill>
                   <a:schemeClr val="tx1"/>
                 </a:solidFill>
               </a:rPr>
               <a:t>Failure</a:t>
             </a:r>
-            <a:endParaRPr lang="en-US" dirty="0">
-              <a:solidFill>
-                <a:schemeClr val="tx1"/>
-              </a:solidFill>
-            </a:endParaRPr>
           </a:p>
         </p:txBody>
       </p:sp>
@@ -7465,18 +7438,13 @@
           <a:p>
             <a:pPr algn="ctr"/>
             <a:r>
-              <a:rPr lang="en-US" dirty="0" smtClean="0">
+              <a:rPr lang="en-US" dirty="0">
                 <a:solidFill>
                   <a:schemeClr val="tx1"/>
                 </a:solidFill>
               </a:rPr>
               <a:t>Failure</a:t>
             </a:r>
-            <a:endParaRPr lang="en-US" dirty="0">
-              <a:solidFill>
-                <a:schemeClr val="tx1"/>
-              </a:solidFill>
-            </a:endParaRPr>
           </a:p>
         </p:txBody>
       </p:sp>
@@ -7882,13 +7850,6 @@
   <p:clrMapOvr>
     <a:masterClrMapping/>
   </p:clrMapOvr>
-  <p:timing>
-    <p:tnLst>
-      <p:par>
-        <p:cTn id="1" dur="indefinite" restart="never" nodeType="tmRoot"/>
-      </p:par>
-    </p:tnLst>
-  </p:timing>
 </p:sld>
 </file>
 
@@ -8503,18 +8464,13 @@
           <a:p>
             <a:pPr algn="ctr"/>
             <a:r>
-              <a:rPr lang="en-US" dirty="0" smtClean="0">
+              <a:rPr lang="en-US" dirty="0">
                 <a:solidFill>
                   <a:schemeClr val="tx1"/>
                 </a:solidFill>
               </a:rPr>
               <a:t>Success</a:t>
             </a:r>
-            <a:endParaRPr lang="en-US" dirty="0">
-              <a:solidFill>
-                <a:schemeClr val="tx1"/>
-              </a:solidFill>
-            </a:endParaRPr>
           </a:p>
         </p:txBody>
       </p:sp>
@@ -8542,10 +8498,9 @@
           <a:p>
             <a:pPr algn="ctr"/>
             <a:r>
-              <a:rPr lang="en-US" dirty="0" smtClean="0"/>
+              <a:rPr lang="en-US" dirty="0"/>
               <a:t>⇒</a:t>
             </a:r>
-            <a:endParaRPr lang="en-US" dirty="0"/>
           </a:p>
         </p:txBody>
       </p:sp>
@@ -8781,10 +8736,9 @@
           <a:p>
             <a:pPr algn="ctr"/>
             <a:r>
-              <a:rPr lang="en-US" dirty="0" smtClean="0"/>
+              <a:rPr lang="en-US" dirty="0"/>
               <a:t>⇒</a:t>
             </a:r>
-            <a:endParaRPr lang="en-US" dirty="0"/>
           </a:p>
         </p:txBody>
       </p:sp>
@@ -8986,18 +8940,13 @@
           <a:p>
             <a:pPr algn="ctr"/>
             <a:r>
-              <a:rPr lang="en-US" dirty="0" smtClean="0">
+              <a:rPr lang="en-US" dirty="0">
                 <a:solidFill>
                   <a:schemeClr val="tx1"/>
                 </a:solidFill>
               </a:rPr>
               <a:t>Success</a:t>
             </a:r>
-            <a:endParaRPr lang="en-US" dirty="0">
-              <a:solidFill>
-                <a:schemeClr val="tx1"/>
-              </a:solidFill>
-            </a:endParaRPr>
           </a:p>
         </p:txBody>
       </p:sp>
@@ -9025,10 +8974,9 @@
           <a:p>
             <a:pPr algn="ctr"/>
             <a:r>
-              <a:rPr lang="en-US" dirty="0" smtClean="0"/>
+              <a:rPr lang="en-US" dirty="0"/>
               <a:t>⇒</a:t>
             </a:r>
-            <a:endParaRPr lang="en-US" dirty="0"/>
           </a:p>
         </p:txBody>
       </p:sp>
@@ -9230,18 +9178,13 @@
           <a:p>
             <a:pPr algn="ctr"/>
             <a:r>
-              <a:rPr lang="en-US" dirty="0" smtClean="0">
+              <a:rPr lang="en-US" dirty="0">
                 <a:solidFill>
                   <a:schemeClr val="tx1"/>
                 </a:solidFill>
               </a:rPr>
               <a:t>Success</a:t>
             </a:r>
-            <a:endParaRPr lang="en-US" dirty="0">
-              <a:solidFill>
-                <a:schemeClr val="tx1"/>
-              </a:solidFill>
-            </a:endParaRPr>
           </a:p>
         </p:txBody>
       </p:sp>
@@ -9269,10 +9212,9 @@
           <a:p>
             <a:pPr algn="ctr"/>
             <a:r>
-              <a:rPr lang="en-US" dirty="0" smtClean="0"/>
+              <a:rPr lang="en-US" dirty="0"/>
               <a:t>⇒</a:t>
             </a:r>
-            <a:endParaRPr lang="en-US" dirty="0"/>
           </a:p>
         </p:txBody>
       </p:sp>
@@ -9504,18 +9446,13 @@
           <a:p>
             <a:pPr algn="ctr"/>
             <a:r>
-              <a:rPr lang="en-US" dirty="0" smtClean="0">
+              <a:rPr lang="en-US" dirty="0">
                 <a:solidFill>
                   <a:schemeClr val="tx1"/>
                 </a:solidFill>
               </a:rPr>
               <a:t>Success</a:t>
             </a:r>
-            <a:endParaRPr lang="en-US" dirty="0">
-              <a:solidFill>
-                <a:schemeClr val="tx1"/>
-              </a:solidFill>
-            </a:endParaRPr>
           </a:p>
         </p:txBody>
       </p:sp>
@@ -10223,18 +10160,13 @@
           <a:p>
             <a:pPr algn="ctr"/>
             <a:r>
-              <a:rPr lang="en-US" dirty="0" smtClean="0">
+              <a:rPr lang="en-US" dirty="0">
                 <a:solidFill>
                   <a:schemeClr val="tx1"/>
                 </a:solidFill>
               </a:rPr>
               <a:t>Success</a:t>
             </a:r>
-            <a:endParaRPr lang="en-US" dirty="0">
-              <a:solidFill>
-                <a:schemeClr val="tx1"/>
-              </a:solidFill>
-            </a:endParaRPr>
           </a:p>
         </p:txBody>
       </p:sp>
@@ -10278,13 +10210,5160 @@
   <p:clrMapOvr>
     <a:masterClrMapping/>
   </p:clrMapOvr>
-  <p:timing>
-    <p:tnLst>
-      <p:par>
-        <p:cTn id="1" dur="indefinite" restart="never" nodeType="tmRoot"/>
-      </p:par>
-    </p:tnLst>
-  </p:timing>
+</p:sld>
+</file>
+
+<file path=ppt/slides/slide16.xml><?xml version="1.0" encoding="utf-8"?>
+<p:sld xmlns:a="http://schemas.openxmlformats.org/drawingml/2006/main" xmlns:r="http://schemas.openxmlformats.org/officeDocument/2006/relationships" xmlns:p="http://schemas.openxmlformats.org/presentationml/2006/main">
+  <p:cSld>
+    <p:spTree>
+      <p:nvGrpSpPr>
+        <p:cNvPr id="1" name=""/>
+        <p:cNvGrpSpPr/>
+        <p:nvPr/>
+      </p:nvGrpSpPr>
+      <p:grpSpPr>
+        <a:xfrm>
+          <a:off x="0" y="0"/>
+          <a:ext cx="0" cy="0"/>
+          <a:chOff x="0" y="0"/>
+          <a:chExt cx="0" cy="0"/>
+        </a:xfrm>
+      </p:grpSpPr>
+      <p:sp>
+        <p:nvSpPr>
+          <p:cNvPr id="11" name="Rectangle 10"/>
+          <p:cNvSpPr/>
+          <p:nvPr/>
+        </p:nvSpPr>
+        <p:spPr>
+          <a:xfrm>
+            <a:off x="428593" y="258064"/>
+            <a:ext cx="11697208" cy="1127825"/>
+          </a:xfrm>
+          <a:prstGeom prst="rect">
+            <a:avLst/>
+          </a:prstGeom>
+          <a:solidFill>
+            <a:schemeClr val="bg1"/>
+          </a:solidFill>
+          <a:ln w="19050">
+            <a:solidFill>
+              <a:schemeClr val="bg1"/>
+            </a:solidFill>
+          </a:ln>
+        </p:spPr>
+        <p:style>
+          <a:lnRef idx="2">
+            <a:schemeClr val="accent1">
+              <a:shade val="50000"/>
+            </a:schemeClr>
+          </a:lnRef>
+          <a:fillRef idx="1">
+            <a:schemeClr val="accent1"/>
+          </a:fillRef>
+          <a:effectRef idx="0">
+            <a:schemeClr val="accent1"/>
+          </a:effectRef>
+          <a:fontRef idx="minor">
+            <a:schemeClr val="lt1"/>
+          </a:fontRef>
+        </p:style>
+        <p:txBody>
+          <a:bodyPr rtlCol="0" anchor="ctr"/>
+          <a:lstStyle/>
+          <a:p>
+            <a:pPr algn="ctr"/>
+            <a:r>
+              <a:rPr lang="en-US" sz="3200" dirty="0">
+                <a:solidFill>
+                  <a:schemeClr val="tx1"/>
+                </a:solidFill>
+                <a:latin typeface="+mj-lt"/>
+              </a:rPr>
+              <a:t>exist(after(</a:t>
+            </a:r>
+            <a:r>
+              <a:rPr lang="en-US" sz="3200" dirty="0" err="1">
+                <a:solidFill>
+                  <a:schemeClr val="tx1"/>
+                </a:solidFill>
+                <a:latin typeface="+mj-lt"/>
+              </a:rPr>
+              <a:t>anEventThat</a:t>
+            </a:r>
+            <a:r>
+              <a:rPr lang="en-US" sz="3200" dirty="0">
+                <a:solidFill>
+                  <a:schemeClr val="tx1"/>
+                </a:solidFill>
+                <a:latin typeface="+mj-lt"/>
+              </a:rPr>
+              <a:t>(       )), exactly(2)).</a:t>
+            </a:r>
+            <a:r>
+              <a:rPr lang="en-US" sz="3200" dirty="0" err="1">
+                <a:solidFill>
+                  <a:schemeClr val="tx1"/>
+                </a:solidFill>
+                <a:latin typeface="+mj-lt"/>
+              </a:rPr>
+              <a:t>eventsWhereEach</a:t>
+            </a:r>
+            <a:r>
+              <a:rPr lang="en-US" sz="3200" dirty="0">
+                <a:solidFill>
+                  <a:schemeClr val="tx1"/>
+                </a:solidFill>
+                <a:latin typeface="+mj-lt"/>
+              </a:rPr>
+              <a:t>(       )</a:t>
+            </a:r>
+          </a:p>
+        </p:txBody>
+      </p:sp>
+      <p:sp>
+        <p:nvSpPr>
+          <p:cNvPr id="18" name="Oval 17"/>
+          <p:cNvSpPr/>
+          <p:nvPr/>
+        </p:nvSpPr>
+        <p:spPr>
+          <a:xfrm>
+            <a:off x="10933138" y="593376"/>
+            <a:ext cx="457200" cy="457200"/>
+          </a:xfrm>
+          <a:prstGeom prst="ellipse">
+            <a:avLst/>
+          </a:prstGeom>
+          <a:solidFill>
+            <a:srgbClr val="00B0F0"/>
+          </a:solidFill>
+          <a:ln w="28575">
+            <a:solidFill>
+              <a:schemeClr val="tx1"/>
+            </a:solidFill>
+          </a:ln>
+        </p:spPr>
+        <p:style>
+          <a:lnRef idx="2">
+            <a:schemeClr val="accent1">
+              <a:shade val="50000"/>
+            </a:schemeClr>
+          </a:lnRef>
+          <a:fillRef idx="1">
+            <a:schemeClr val="accent1"/>
+          </a:fillRef>
+          <a:effectRef idx="0">
+            <a:schemeClr val="accent1"/>
+          </a:effectRef>
+          <a:fontRef idx="minor">
+            <a:schemeClr val="lt1"/>
+          </a:fontRef>
+        </p:style>
+        <p:txBody>
+          <a:bodyPr rtlCol="0" anchor="ctr"/>
+          <a:lstStyle/>
+          <a:p>
+            <a:pPr algn="ctr"/>
+            <a:endParaRPr lang="en-US"/>
+          </a:p>
+        </p:txBody>
+      </p:sp>
+      <p:cxnSp>
+        <p:nvCxnSpPr>
+          <p:cNvPr id="21" name="Straight Arrow Connector 20"/>
+          <p:cNvCxnSpPr/>
+          <p:nvPr/>
+        </p:nvCxnSpPr>
+        <p:spPr>
+          <a:xfrm>
+            <a:off x="428593" y="2454971"/>
+            <a:ext cx="11697208" cy="0"/>
+          </a:xfrm>
+          <a:prstGeom prst="straightConnector1">
+            <a:avLst/>
+          </a:prstGeom>
+          <a:solidFill>
+            <a:srgbClr val="FFFF00"/>
+          </a:solidFill>
+          <a:ln w="28575">
+            <a:solidFill>
+              <a:schemeClr val="tx1"/>
+            </a:solidFill>
+          </a:ln>
+        </p:spPr>
+        <p:style>
+          <a:lnRef idx="2">
+            <a:schemeClr val="accent1">
+              <a:shade val="50000"/>
+            </a:schemeClr>
+          </a:lnRef>
+          <a:fillRef idx="1">
+            <a:schemeClr val="accent1"/>
+          </a:fillRef>
+          <a:effectRef idx="0">
+            <a:schemeClr val="accent1"/>
+          </a:effectRef>
+          <a:fontRef idx="minor">
+            <a:schemeClr val="lt1"/>
+          </a:fontRef>
+        </p:style>
+      </p:cxnSp>
+      <p:sp>
+        <p:nvSpPr>
+          <p:cNvPr id="22" name="Oval 21"/>
+          <p:cNvSpPr/>
+          <p:nvPr/>
+        </p:nvSpPr>
+        <p:spPr>
+          <a:xfrm>
+            <a:off x="752697" y="2226372"/>
+            <a:ext cx="457200" cy="457200"/>
+          </a:xfrm>
+          <a:prstGeom prst="ellipse">
+            <a:avLst/>
+          </a:prstGeom>
+          <a:solidFill>
+            <a:schemeClr val="accent2"/>
+          </a:solidFill>
+          <a:ln w="28575">
+            <a:solidFill>
+              <a:schemeClr val="tx1"/>
+            </a:solidFill>
+          </a:ln>
+        </p:spPr>
+        <p:style>
+          <a:lnRef idx="2">
+            <a:schemeClr val="accent1">
+              <a:shade val="50000"/>
+            </a:schemeClr>
+          </a:lnRef>
+          <a:fillRef idx="1">
+            <a:schemeClr val="accent1"/>
+          </a:fillRef>
+          <a:effectRef idx="0">
+            <a:schemeClr val="accent1"/>
+          </a:effectRef>
+          <a:fontRef idx="minor">
+            <a:schemeClr val="lt1"/>
+          </a:fontRef>
+        </p:style>
+        <p:txBody>
+          <a:bodyPr rtlCol="0" anchor="ctr"/>
+          <a:lstStyle/>
+          <a:p>
+            <a:pPr algn="ctr"/>
+            <a:endParaRPr lang="en-US"/>
+          </a:p>
+        </p:txBody>
+      </p:sp>
+      <p:sp>
+        <p:nvSpPr>
+          <p:cNvPr id="23" name="Oval 22"/>
+          <p:cNvSpPr/>
+          <p:nvPr/>
+        </p:nvSpPr>
+        <p:spPr>
+          <a:xfrm>
+            <a:off x="2043525" y="2237544"/>
+            <a:ext cx="457200" cy="457200"/>
+          </a:xfrm>
+          <a:prstGeom prst="ellipse">
+            <a:avLst/>
+          </a:prstGeom>
+          <a:solidFill>
+            <a:srgbClr val="00B0F0"/>
+          </a:solidFill>
+          <a:ln w="28575">
+            <a:solidFill>
+              <a:schemeClr val="tx1"/>
+            </a:solidFill>
+          </a:ln>
+        </p:spPr>
+        <p:style>
+          <a:lnRef idx="2">
+            <a:schemeClr val="accent1">
+              <a:shade val="50000"/>
+            </a:schemeClr>
+          </a:lnRef>
+          <a:fillRef idx="1">
+            <a:schemeClr val="accent1"/>
+          </a:fillRef>
+          <a:effectRef idx="0">
+            <a:schemeClr val="accent1"/>
+          </a:effectRef>
+          <a:fontRef idx="minor">
+            <a:schemeClr val="lt1"/>
+          </a:fontRef>
+        </p:style>
+        <p:txBody>
+          <a:bodyPr rtlCol="0" anchor="ctr"/>
+          <a:lstStyle/>
+          <a:p>
+            <a:pPr algn="ctr"/>
+            <a:endParaRPr lang="en-US"/>
+          </a:p>
+        </p:txBody>
+      </p:sp>
+      <p:sp>
+        <p:nvSpPr>
+          <p:cNvPr id="24" name="Oval 23"/>
+          <p:cNvSpPr/>
+          <p:nvPr/>
+        </p:nvSpPr>
+        <p:spPr>
+          <a:xfrm>
+            <a:off x="3334353" y="2237544"/>
+            <a:ext cx="457200" cy="457200"/>
+          </a:xfrm>
+          <a:prstGeom prst="ellipse">
+            <a:avLst/>
+          </a:prstGeom>
+          <a:solidFill>
+            <a:srgbClr val="FFFF00"/>
+          </a:solidFill>
+          <a:ln w="28575">
+            <a:solidFill>
+              <a:schemeClr val="tx1"/>
+            </a:solidFill>
+          </a:ln>
+        </p:spPr>
+        <p:style>
+          <a:lnRef idx="2">
+            <a:schemeClr val="accent1">
+              <a:shade val="50000"/>
+            </a:schemeClr>
+          </a:lnRef>
+          <a:fillRef idx="1">
+            <a:schemeClr val="accent1"/>
+          </a:fillRef>
+          <a:effectRef idx="0">
+            <a:schemeClr val="accent1"/>
+          </a:effectRef>
+          <a:fontRef idx="minor">
+            <a:schemeClr val="lt1"/>
+          </a:fontRef>
+        </p:style>
+        <p:txBody>
+          <a:bodyPr rtlCol="0" anchor="ctr"/>
+          <a:lstStyle/>
+          <a:p>
+            <a:pPr algn="ctr"/>
+            <a:endParaRPr lang="en-US"/>
+          </a:p>
+        </p:txBody>
+      </p:sp>
+      <p:sp>
+        <p:nvSpPr>
+          <p:cNvPr id="25" name="Oval 24"/>
+          <p:cNvSpPr/>
+          <p:nvPr/>
+        </p:nvSpPr>
+        <p:spPr>
+          <a:xfrm>
+            <a:off x="4625181" y="2237544"/>
+            <a:ext cx="457200" cy="457200"/>
+          </a:xfrm>
+          <a:prstGeom prst="ellipse">
+            <a:avLst/>
+          </a:prstGeom>
+          <a:solidFill>
+            <a:schemeClr val="accent2"/>
+          </a:solidFill>
+          <a:ln w="28575">
+            <a:solidFill>
+              <a:schemeClr val="tx1"/>
+            </a:solidFill>
+          </a:ln>
+        </p:spPr>
+        <p:style>
+          <a:lnRef idx="2">
+            <a:schemeClr val="accent1">
+              <a:shade val="50000"/>
+            </a:schemeClr>
+          </a:lnRef>
+          <a:fillRef idx="1">
+            <a:schemeClr val="accent1"/>
+          </a:fillRef>
+          <a:effectRef idx="0">
+            <a:schemeClr val="accent1"/>
+          </a:effectRef>
+          <a:fontRef idx="minor">
+            <a:schemeClr val="lt1"/>
+          </a:fontRef>
+        </p:style>
+        <p:txBody>
+          <a:bodyPr rtlCol="0" anchor="ctr"/>
+          <a:lstStyle/>
+          <a:p>
+            <a:pPr algn="ctr"/>
+            <a:endParaRPr lang="en-US"/>
+          </a:p>
+        </p:txBody>
+      </p:sp>
+      <p:sp>
+        <p:nvSpPr>
+          <p:cNvPr id="26" name="Oval 25"/>
+          <p:cNvSpPr/>
+          <p:nvPr/>
+        </p:nvSpPr>
+        <p:spPr>
+          <a:xfrm>
+            <a:off x="5916009" y="2237544"/>
+            <a:ext cx="457200" cy="457200"/>
+          </a:xfrm>
+          <a:prstGeom prst="ellipse">
+            <a:avLst/>
+          </a:prstGeom>
+          <a:solidFill>
+            <a:srgbClr val="00B0F0"/>
+          </a:solidFill>
+          <a:ln w="28575">
+            <a:solidFill>
+              <a:schemeClr val="tx1"/>
+            </a:solidFill>
+          </a:ln>
+        </p:spPr>
+        <p:style>
+          <a:lnRef idx="2">
+            <a:schemeClr val="accent1">
+              <a:shade val="50000"/>
+            </a:schemeClr>
+          </a:lnRef>
+          <a:fillRef idx="1">
+            <a:schemeClr val="accent1"/>
+          </a:fillRef>
+          <a:effectRef idx="0">
+            <a:schemeClr val="accent1"/>
+          </a:effectRef>
+          <a:fontRef idx="minor">
+            <a:schemeClr val="lt1"/>
+          </a:fontRef>
+        </p:style>
+        <p:txBody>
+          <a:bodyPr rtlCol="0" anchor="ctr"/>
+          <a:lstStyle/>
+          <a:p>
+            <a:pPr algn="ctr"/>
+            <a:endParaRPr lang="en-US"/>
+          </a:p>
+        </p:txBody>
+      </p:sp>
+      <p:sp>
+        <p:nvSpPr>
+          <p:cNvPr id="27" name="Oval 26"/>
+          <p:cNvSpPr/>
+          <p:nvPr/>
+        </p:nvSpPr>
+        <p:spPr>
+          <a:xfrm>
+            <a:off x="7206837" y="2237544"/>
+            <a:ext cx="457200" cy="457200"/>
+          </a:xfrm>
+          <a:prstGeom prst="ellipse">
+            <a:avLst/>
+          </a:prstGeom>
+          <a:solidFill>
+            <a:srgbClr val="FFFF00"/>
+          </a:solidFill>
+          <a:ln w="28575">
+            <a:solidFill>
+              <a:schemeClr val="tx1"/>
+            </a:solidFill>
+          </a:ln>
+        </p:spPr>
+        <p:style>
+          <a:lnRef idx="2">
+            <a:schemeClr val="accent1">
+              <a:shade val="50000"/>
+            </a:schemeClr>
+          </a:lnRef>
+          <a:fillRef idx="1">
+            <a:schemeClr val="accent1"/>
+          </a:fillRef>
+          <a:effectRef idx="0">
+            <a:schemeClr val="accent1"/>
+          </a:effectRef>
+          <a:fontRef idx="minor">
+            <a:schemeClr val="lt1"/>
+          </a:fontRef>
+        </p:style>
+        <p:txBody>
+          <a:bodyPr rtlCol="0" anchor="ctr"/>
+          <a:lstStyle/>
+          <a:p>
+            <a:pPr algn="ctr"/>
+            <a:endParaRPr lang="en-US"/>
+          </a:p>
+        </p:txBody>
+      </p:sp>
+      <p:sp>
+        <p:nvSpPr>
+          <p:cNvPr id="28" name="Oval 27"/>
+          <p:cNvSpPr/>
+          <p:nvPr/>
+        </p:nvSpPr>
+        <p:spPr>
+          <a:xfrm>
+            <a:off x="8497665" y="2237544"/>
+            <a:ext cx="457200" cy="457200"/>
+          </a:xfrm>
+          <a:prstGeom prst="ellipse">
+            <a:avLst/>
+          </a:prstGeom>
+          <a:solidFill>
+            <a:srgbClr val="FFFF00"/>
+          </a:solidFill>
+          <a:ln w="28575">
+            <a:solidFill>
+              <a:schemeClr val="tx1"/>
+            </a:solidFill>
+          </a:ln>
+        </p:spPr>
+        <p:style>
+          <a:lnRef idx="2">
+            <a:schemeClr val="accent1">
+              <a:shade val="50000"/>
+            </a:schemeClr>
+          </a:lnRef>
+          <a:fillRef idx="1">
+            <a:schemeClr val="accent1"/>
+          </a:fillRef>
+          <a:effectRef idx="0">
+            <a:schemeClr val="accent1"/>
+          </a:effectRef>
+          <a:fontRef idx="minor">
+            <a:schemeClr val="lt1"/>
+          </a:fontRef>
+        </p:style>
+        <p:txBody>
+          <a:bodyPr rtlCol="0" anchor="ctr"/>
+          <a:lstStyle/>
+          <a:p>
+            <a:pPr algn="ctr"/>
+            <a:endParaRPr lang="en-US"/>
+          </a:p>
+        </p:txBody>
+      </p:sp>
+      <p:sp>
+        <p:nvSpPr>
+          <p:cNvPr id="29" name="Oval 28"/>
+          <p:cNvSpPr/>
+          <p:nvPr/>
+        </p:nvSpPr>
+        <p:spPr>
+          <a:xfrm>
+            <a:off x="9788493" y="2237544"/>
+            <a:ext cx="457200" cy="457200"/>
+          </a:xfrm>
+          <a:prstGeom prst="ellipse">
+            <a:avLst/>
+          </a:prstGeom>
+          <a:solidFill>
+            <a:srgbClr val="00B0F0"/>
+          </a:solidFill>
+          <a:ln w="28575">
+            <a:solidFill>
+              <a:schemeClr val="tx1"/>
+            </a:solidFill>
+          </a:ln>
+        </p:spPr>
+        <p:style>
+          <a:lnRef idx="2">
+            <a:schemeClr val="accent1">
+              <a:shade val="50000"/>
+            </a:schemeClr>
+          </a:lnRef>
+          <a:fillRef idx="1">
+            <a:schemeClr val="accent1"/>
+          </a:fillRef>
+          <a:effectRef idx="0">
+            <a:schemeClr val="accent1"/>
+          </a:effectRef>
+          <a:fontRef idx="minor">
+            <a:schemeClr val="lt1"/>
+          </a:fontRef>
+        </p:style>
+        <p:txBody>
+          <a:bodyPr rtlCol="0" anchor="ctr"/>
+          <a:lstStyle/>
+          <a:p>
+            <a:pPr algn="ctr"/>
+            <a:endParaRPr lang="en-US"/>
+          </a:p>
+        </p:txBody>
+      </p:sp>
+      <p:sp>
+        <p:nvSpPr>
+          <p:cNvPr id="30" name="Oval 29"/>
+          <p:cNvSpPr/>
+          <p:nvPr/>
+        </p:nvSpPr>
+        <p:spPr>
+          <a:xfrm>
+            <a:off x="11079321" y="2237544"/>
+            <a:ext cx="457200" cy="457200"/>
+          </a:xfrm>
+          <a:prstGeom prst="ellipse">
+            <a:avLst/>
+          </a:prstGeom>
+          <a:solidFill>
+            <a:srgbClr val="FFFF00"/>
+          </a:solidFill>
+          <a:ln w="28575">
+            <a:solidFill>
+              <a:schemeClr val="tx1"/>
+            </a:solidFill>
+          </a:ln>
+        </p:spPr>
+        <p:style>
+          <a:lnRef idx="2">
+            <a:schemeClr val="accent1">
+              <a:shade val="50000"/>
+            </a:schemeClr>
+          </a:lnRef>
+          <a:fillRef idx="1">
+            <a:schemeClr val="accent1"/>
+          </a:fillRef>
+          <a:effectRef idx="0">
+            <a:schemeClr val="accent1"/>
+          </a:effectRef>
+          <a:fontRef idx="minor">
+            <a:schemeClr val="lt1"/>
+          </a:fontRef>
+        </p:style>
+        <p:txBody>
+          <a:bodyPr rtlCol="0" anchor="ctr"/>
+          <a:lstStyle/>
+          <a:p>
+            <a:pPr algn="ctr"/>
+            <a:endParaRPr lang="en-US"/>
+          </a:p>
+        </p:txBody>
+      </p:sp>
+      <p:cxnSp>
+        <p:nvCxnSpPr>
+          <p:cNvPr id="31" name="Straight Arrow Connector 30"/>
+          <p:cNvCxnSpPr/>
+          <p:nvPr/>
+        </p:nvCxnSpPr>
+        <p:spPr>
+          <a:xfrm>
+            <a:off x="428593" y="5148808"/>
+            <a:ext cx="11697208" cy="0"/>
+          </a:xfrm>
+          <a:prstGeom prst="straightConnector1">
+            <a:avLst/>
+          </a:prstGeom>
+          <a:ln w="28575">
+            <a:solidFill>
+              <a:schemeClr val="tx1"/>
+            </a:solidFill>
+            <a:tailEnd type="triangle"/>
+          </a:ln>
+        </p:spPr>
+        <p:style>
+          <a:lnRef idx="1">
+            <a:schemeClr val="accent1"/>
+          </a:lnRef>
+          <a:fillRef idx="0">
+            <a:schemeClr val="accent1"/>
+          </a:fillRef>
+          <a:effectRef idx="0">
+            <a:schemeClr val="accent1"/>
+          </a:effectRef>
+          <a:fontRef idx="minor">
+            <a:schemeClr val="tx1"/>
+          </a:fontRef>
+        </p:style>
+      </p:cxnSp>
+      <p:sp>
+        <p:nvSpPr>
+          <p:cNvPr id="36" name="Oval 35"/>
+          <p:cNvSpPr/>
+          <p:nvPr/>
+        </p:nvSpPr>
+        <p:spPr>
+          <a:xfrm>
+            <a:off x="752697" y="4913098"/>
+            <a:ext cx="457200" cy="457200"/>
+          </a:xfrm>
+          <a:prstGeom prst="ellipse">
+            <a:avLst/>
+          </a:prstGeom>
+          <a:solidFill>
+            <a:schemeClr val="accent2"/>
+          </a:solidFill>
+          <a:ln w="28575">
+            <a:solidFill>
+              <a:schemeClr val="tx1"/>
+            </a:solidFill>
+          </a:ln>
+        </p:spPr>
+        <p:style>
+          <a:lnRef idx="2">
+            <a:schemeClr val="accent1">
+              <a:shade val="50000"/>
+            </a:schemeClr>
+          </a:lnRef>
+          <a:fillRef idx="1">
+            <a:schemeClr val="accent1"/>
+          </a:fillRef>
+          <a:effectRef idx="0">
+            <a:schemeClr val="accent1"/>
+          </a:effectRef>
+          <a:fontRef idx="minor">
+            <a:schemeClr val="lt1"/>
+          </a:fontRef>
+        </p:style>
+        <p:txBody>
+          <a:bodyPr rtlCol="0" anchor="ctr"/>
+          <a:lstStyle/>
+          <a:p>
+            <a:pPr algn="ctr"/>
+            <a:endParaRPr lang="en-US"/>
+          </a:p>
+        </p:txBody>
+      </p:sp>
+      <p:sp>
+        <p:nvSpPr>
+          <p:cNvPr id="37" name="Oval 36"/>
+          <p:cNvSpPr/>
+          <p:nvPr/>
+        </p:nvSpPr>
+        <p:spPr>
+          <a:xfrm>
+            <a:off x="2043525" y="4924270"/>
+            <a:ext cx="457200" cy="457200"/>
+          </a:xfrm>
+          <a:prstGeom prst="ellipse">
+            <a:avLst/>
+          </a:prstGeom>
+          <a:solidFill>
+            <a:srgbClr val="FFFF00"/>
+          </a:solidFill>
+          <a:ln w="28575">
+            <a:solidFill>
+              <a:schemeClr val="tx1"/>
+            </a:solidFill>
+          </a:ln>
+        </p:spPr>
+        <p:style>
+          <a:lnRef idx="2">
+            <a:schemeClr val="accent1">
+              <a:shade val="50000"/>
+            </a:schemeClr>
+          </a:lnRef>
+          <a:fillRef idx="1">
+            <a:schemeClr val="accent1"/>
+          </a:fillRef>
+          <a:effectRef idx="0">
+            <a:schemeClr val="accent1"/>
+          </a:effectRef>
+          <a:fontRef idx="minor">
+            <a:schemeClr val="lt1"/>
+          </a:fontRef>
+        </p:style>
+        <p:txBody>
+          <a:bodyPr rtlCol="0" anchor="ctr"/>
+          <a:lstStyle/>
+          <a:p>
+            <a:pPr algn="ctr"/>
+            <a:endParaRPr lang="en-US"/>
+          </a:p>
+        </p:txBody>
+      </p:sp>
+      <p:sp>
+        <p:nvSpPr>
+          <p:cNvPr id="38" name="Oval 37"/>
+          <p:cNvSpPr/>
+          <p:nvPr/>
+        </p:nvSpPr>
+        <p:spPr>
+          <a:xfrm>
+            <a:off x="3334353" y="4924270"/>
+            <a:ext cx="457200" cy="457200"/>
+          </a:xfrm>
+          <a:prstGeom prst="ellipse">
+            <a:avLst/>
+          </a:prstGeom>
+          <a:solidFill>
+            <a:srgbClr val="00B0F0"/>
+          </a:solidFill>
+          <a:ln w="28575">
+            <a:solidFill>
+              <a:schemeClr val="tx1"/>
+            </a:solidFill>
+          </a:ln>
+        </p:spPr>
+        <p:style>
+          <a:lnRef idx="2">
+            <a:schemeClr val="accent1">
+              <a:shade val="50000"/>
+            </a:schemeClr>
+          </a:lnRef>
+          <a:fillRef idx="1">
+            <a:schemeClr val="accent1"/>
+          </a:fillRef>
+          <a:effectRef idx="0">
+            <a:schemeClr val="accent1"/>
+          </a:effectRef>
+          <a:fontRef idx="minor">
+            <a:schemeClr val="lt1"/>
+          </a:fontRef>
+        </p:style>
+        <p:txBody>
+          <a:bodyPr rtlCol="0" anchor="ctr"/>
+          <a:lstStyle/>
+          <a:p>
+            <a:pPr algn="ctr"/>
+            <a:endParaRPr lang="en-US"/>
+          </a:p>
+        </p:txBody>
+      </p:sp>
+      <p:sp>
+        <p:nvSpPr>
+          <p:cNvPr id="39" name="Oval 38"/>
+          <p:cNvSpPr/>
+          <p:nvPr/>
+        </p:nvSpPr>
+        <p:spPr>
+          <a:xfrm>
+            <a:off x="4625181" y="4924270"/>
+            <a:ext cx="457200" cy="457200"/>
+          </a:xfrm>
+          <a:prstGeom prst="ellipse">
+            <a:avLst/>
+          </a:prstGeom>
+          <a:solidFill>
+            <a:srgbClr val="FFFF00"/>
+          </a:solidFill>
+          <a:ln w="28575">
+            <a:solidFill>
+              <a:schemeClr val="tx1"/>
+            </a:solidFill>
+          </a:ln>
+        </p:spPr>
+        <p:style>
+          <a:lnRef idx="2">
+            <a:schemeClr val="accent1">
+              <a:shade val="50000"/>
+            </a:schemeClr>
+          </a:lnRef>
+          <a:fillRef idx="1">
+            <a:schemeClr val="accent1"/>
+          </a:fillRef>
+          <a:effectRef idx="0">
+            <a:schemeClr val="accent1"/>
+          </a:effectRef>
+          <a:fontRef idx="minor">
+            <a:schemeClr val="lt1"/>
+          </a:fontRef>
+        </p:style>
+        <p:txBody>
+          <a:bodyPr rtlCol="0" anchor="ctr"/>
+          <a:lstStyle/>
+          <a:p>
+            <a:pPr algn="ctr"/>
+            <a:endParaRPr lang="en-US"/>
+          </a:p>
+        </p:txBody>
+      </p:sp>
+      <p:sp>
+        <p:nvSpPr>
+          <p:cNvPr id="40" name="Oval 39"/>
+          <p:cNvSpPr/>
+          <p:nvPr/>
+        </p:nvSpPr>
+        <p:spPr>
+          <a:xfrm>
+            <a:off x="5916009" y="4924270"/>
+            <a:ext cx="457200" cy="457200"/>
+          </a:xfrm>
+          <a:prstGeom prst="ellipse">
+            <a:avLst/>
+          </a:prstGeom>
+          <a:solidFill>
+            <a:schemeClr val="accent2"/>
+          </a:solidFill>
+          <a:ln w="28575">
+            <a:solidFill>
+              <a:schemeClr val="tx1"/>
+            </a:solidFill>
+          </a:ln>
+        </p:spPr>
+        <p:style>
+          <a:lnRef idx="2">
+            <a:schemeClr val="accent1">
+              <a:shade val="50000"/>
+            </a:schemeClr>
+          </a:lnRef>
+          <a:fillRef idx="1">
+            <a:schemeClr val="accent1"/>
+          </a:fillRef>
+          <a:effectRef idx="0">
+            <a:schemeClr val="accent1"/>
+          </a:effectRef>
+          <a:fontRef idx="minor">
+            <a:schemeClr val="lt1"/>
+          </a:fontRef>
+        </p:style>
+        <p:txBody>
+          <a:bodyPr rtlCol="0" anchor="ctr"/>
+          <a:lstStyle/>
+          <a:p>
+            <a:pPr algn="ctr"/>
+            <a:endParaRPr lang="en-US"/>
+          </a:p>
+        </p:txBody>
+      </p:sp>
+      <p:sp>
+        <p:nvSpPr>
+          <p:cNvPr id="41" name="Oval 40"/>
+          <p:cNvSpPr/>
+          <p:nvPr/>
+        </p:nvSpPr>
+        <p:spPr>
+          <a:xfrm>
+            <a:off x="7206837" y="4924270"/>
+            <a:ext cx="457200" cy="457200"/>
+          </a:xfrm>
+          <a:prstGeom prst="ellipse">
+            <a:avLst/>
+          </a:prstGeom>
+          <a:solidFill>
+            <a:srgbClr val="FFFF00"/>
+          </a:solidFill>
+          <a:ln w="28575">
+            <a:solidFill>
+              <a:schemeClr val="tx1"/>
+            </a:solidFill>
+          </a:ln>
+        </p:spPr>
+        <p:style>
+          <a:lnRef idx="2">
+            <a:schemeClr val="accent1">
+              <a:shade val="50000"/>
+            </a:schemeClr>
+          </a:lnRef>
+          <a:fillRef idx="1">
+            <a:schemeClr val="accent1"/>
+          </a:fillRef>
+          <a:effectRef idx="0">
+            <a:schemeClr val="accent1"/>
+          </a:effectRef>
+          <a:fontRef idx="minor">
+            <a:schemeClr val="lt1"/>
+          </a:fontRef>
+        </p:style>
+        <p:txBody>
+          <a:bodyPr rtlCol="0" anchor="ctr"/>
+          <a:lstStyle/>
+          <a:p>
+            <a:pPr algn="ctr"/>
+            <a:endParaRPr lang="en-US"/>
+          </a:p>
+        </p:txBody>
+      </p:sp>
+      <p:sp>
+        <p:nvSpPr>
+          <p:cNvPr id="42" name="Oval 41"/>
+          <p:cNvSpPr/>
+          <p:nvPr/>
+        </p:nvSpPr>
+        <p:spPr>
+          <a:xfrm>
+            <a:off x="8497665" y="4924270"/>
+            <a:ext cx="457200" cy="457200"/>
+          </a:xfrm>
+          <a:prstGeom prst="ellipse">
+            <a:avLst/>
+          </a:prstGeom>
+          <a:solidFill>
+            <a:srgbClr val="00B0F0"/>
+          </a:solidFill>
+          <a:ln w="28575">
+            <a:solidFill>
+              <a:schemeClr val="tx1"/>
+            </a:solidFill>
+          </a:ln>
+        </p:spPr>
+        <p:style>
+          <a:lnRef idx="2">
+            <a:schemeClr val="accent1">
+              <a:shade val="50000"/>
+            </a:schemeClr>
+          </a:lnRef>
+          <a:fillRef idx="1">
+            <a:schemeClr val="accent1"/>
+          </a:fillRef>
+          <a:effectRef idx="0">
+            <a:schemeClr val="accent1"/>
+          </a:effectRef>
+          <a:fontRef idx="minor">
+            <a:schemeClr val="lt1"/>
+          </a:fontRef>
+        </p:style>
+        <p:txBody>
+          <a:bodyPr rtlCol="0" anchor="ctr"/>
+          <a:lstStyle/>
+          <a:p>
+            <a:pPr algn="ctr"/>
+            <a:endParaRPr lang="en-US"/>
+          </a:p>
+        </p:txBody>
+      </p:sp>
+      <p:sp>
+        <p:nvSpPr>
+          <p:cNvPr id="43" name="Oval 42"/>
+          <p:cNvSpPr/>
+          <p:nvPr/>
+        </p:nvSpPr>
+        <p:spPr>
+          <a:xfrm>
+            <a:off x="9788493" y="4924270"/>
+            <a:ext cx="457200" cy="457200"/>
+          </a:xfrm>
+          <a:prstGeom prst="ellipse">
+            <a:avLst/>
+          </a:prstGeom>
+          <a:solidFill>
+            <a:srgbClr val="FFFF00"/>
+          </a:solidFill>
+          <a:ln w="28575">
+            <a:solidFill>
+              <a:schemeClr val="tx1"/>
+            </a:solidFill>
+          </a:ln>
+        </p:spPr>
+        <p:style>
+          <a:lnRef idx="2">
+            <a:schemeClr val="accent1">
+              <a:shade val="50000"/>
+            </a:schemeClr>
+          </a:lnRef>
+          <a:fillRef idx="1">
+            <a:schemeClr val="accent1"/>
+          </a:fillRef>
+          <a:effectRef idx="0">
+            <a:schemeClr val="accent1"/>
+          </a:effectRef>
+          <a:fontRef idx="minor">
+            <a:schemeClr val="lt1"/>
+          </a:fontRef>
+        </p:style>
+        <p:txBody>
+          <a:bodyPr rtlCol="0" anchor="ctr"/>
+          <a:lstStyle/>
+          <a:p>
+            <a:pPr algn="ctr"/>
+            <a:endParaRPr lang="en-US"/>
+          </a:p>
+        </p:txBody>
+      </p:sp>
+      <p:sp>
+        <p:nvSpPr>
+          <p:cNvPr id="50" name="Oval 49"/>
+          <p:cNvSpPr/>
+          <p:nvPr/>
+        </p:nvSpPr>
+        <p:spPr>
+          <a:xfrm>
+            <a:off x="11079321" y="4924270"/>
+            <a:ext cx="457200" cy="457200"/>
+          </a:xfrm>
+          <a:prstGeom prst="ellipse">
+            <a:avLst/>
+          </a:prstGeom>
+          <a:solidFill>
+            <a:srgbClr val="FFFF00"/>
+          </a:solidFill>
+          <a:ln w="28575">
+            <a:solidFill>
+              <a:schemeClr val="tx1"/>
+            </a:solidFill>
+          </a:ln>
+        </p:spPr>
+        <p:style>
+          <a:lnRef idx="2">
+            <a:schemeClr val="accent1">
+              <a:shade val="50000"/>
+            </a:schemeClr>
+          </a:lnRef>
+          <a:fillRef idx="1">
+            <a:schemeClr val="accent1"/>
+          </a:fillRef>
+          <a:effectRef idx="0">
+            <a:schemeClr val="accent1"/>
+          </a:effectRef>
+          <a:fontRef idx="minor">
+            <a:schemeClr val="lt1"/>
+          </a:fontRef>
+        </p:style>
+        <p:txBody>
+          <a:bodyPr rtlCol="0" anchor="ctr"/>
+          <a:lstStyle/>
+          <a:p>
+            <a:pPr algn="ctr"/>
+            <a:endParaRPr lang="en-US"/>
+          </a:p>
+        </p:txBody>
+      </p:sp>
+      <p:sp>
+        <p:nvSpPr>
+          <p:cNvPr id="32" name="Rectangle 31"/>
+          <p:cNvSpPr/>
+          <p:nvPr/>
+        </p:nvSpPr>
+        <p:spPr>
+          <a:xfrm>
+            <a:off x="10837862" y="3262943"/>
+            <a:ext cx="1229360" cy="457200"/>
+          </a:xfrm>
+          <a:prstGeom prst="rect">
+            <a:avLst/>
+          </a:prstGeom>
+          <a:solidFill>
+            <a:srgbClr val="00B050"/>
+          </a:solidFill>
+          <a:ln w="28575">
+            <a:solidFill>
+              <a:schemeClr val="tx1"/>
+            </a:solidFill>
+          </a:ln>
+        </p:spPr>
+        <p:style>
+          <a:lnRef idx="2">
+            <a:schemeClr val="accent1">
+              <a:shade val="50000"/>
+            </a:schemeClr>
+          </a:lnRef>
+          <a:fillRef idx="1">
+            <a:schemeClr val="accent1"/>
+          </a:fillRef>
+          <a:effectRef idx="0">
+            <a:schemeClr val="accent1"/>
+          </a:effectRef>
+          <a:fontRef idx="minor">
+            <a:schemeClr val="lt1"/>
+          </a:fontRef>
+        </p:style>
+        <p:txBody>
+          <a:bodyPr rtlCol="0" anchor="ctr"/>
+          <a:lstStyle/>
+          <a:p>
+            <a:pPr algn="ctr"/>
+            <a:r>
+              <a:rPr lang="en-US" dirty="0">
+                <a:solidFill>
+                  <a:schemeClr val="tx1"/>
+                </a:solidFill>
+              </a:rPr>
+              <a:t>Success</a:t>
+            </a:r>
+          </a:p>
+        </p:txBody>
+      </p:sp>
+      <p:cxnSp>
+        <p:nvCxnSpPr>
+          <p:cNvPr id="33" name="Straight Arrow Connector 32"/>
+          <p:cNvCxnSpPr/>
+          <p:nvPr/>
+        </p:nvCxnSpPr>
+        <p:spPr>
+          <a:xfrm>
+            <a:off x="11909742" y="2454971"/>
+            <a:ext cx="0" cy="807972"/>
+          </a:xfrm>
+          <a:prstGeom prst="straightConnector1">
+            <a:avLst/>
+          </a:prstGeom>
+          <a:ln>
+            <a:solidFill>
+              <a:schemeClr val="tx1"/>
+            </a:solidFill>
+            <a:tailEnd type="triangle"/>
+          </a:ln>
+        </p:spPr>
+        <p:style>
+          <a:lnRef idx="1">
+            <a:schemeClr val="accent1"/>
+          </a:lnRef>
+          <a:fillRef idx="0">
+            <a:schemeClr val="accent1"/>
+          </a:fillRef>
+          <a:effectRef idx="0">
+            <a:schemeClr val="accent1"/>
+          </a:effectRef>
+          <a:fontRef idx="minor">
+            <a:schemeClr val="tx1"/>
+          </a:fontRef>
+        </p:style>
+      </p:cxnSp>
+      <p:sp>
+        <p:nvSpPr>
+          <p:cNvPr id="44" name="Oval 43"/>
+          <p:cNvSpPr/>
+          <p:nvPr/>
+        </p:nvSpPr>
+        <p:spPr>
+          <a:xfrm>
+            <a:off x="4993767" y="593376"/>
+            <a:ext cx="457200" cy="457200"/>
+          </a:xfrm>
+          <a:prstGeom prst="ellipse">
+            <a:avLst/>
+          </a:prstGeom>
+          <a:solidFill>
+            <a:schemeClr val="accent2"/>
+          </a:solidFill>
+          <a:ln w="28575">
+            <a:solidFill>
+              <a:schemeClr val="tx1"/>
+            </a:solidFill>
+          </a:ln>
+        </p:spPr>
+        <p:style>
+          <a:lnRef idx="2">
+            <a:schemeClr val="accent1">
+              <a:shade val="50000"/>
+            </a:schemeClr>
+          </a:lnRef>
+          <a:fillRef idx="1">
+            <a:schemeClr val="accent1"/>
+          </a:fillRef>
+          <a:effectRef idx="0">
+            <a:schemeClr val="accent1"/>
+          </a:effectRef>
+          <a:fontRef idx="minor">
+            <a:schemeClr val="lt1"/>
+          </a:fontRef>
+        </p:style>
+        <p:txBody>
+          <a:bodyPr rtlCol="0" anchor="ctr"/>
+          <a:lstStyle/>
+          <a:p>
+            <a:pPr algn="ctr"/>
+            <a:endParaRPr lang="en-US" dirty="0"/>
+          </a:p>
+        </p:txBody>
+      </p:sp>
+      <p:sp>
+        <p:nvSpPr>
+          <p:cNvPr id="2" name="Left Brace 1"/>
+          <p:cNvSpPr/>
+          <p:nvPr/>
+        </p:nvSpPr>
+        <p:spPr>
+          <a:xfrm rot="5400000">
+            <a:off x="2809403" y="912792"/>
+            <a:ext cx="241708" cy="2206526"/>
+          </a:xfrm>
+          <a:prstGeom prst="leftBrace">
+            <a:avLst>
+              <a:gd name="adj1" fmla="val 306501"/>
+              <a:gd name="adj2" fmla="val 50000"/>
+            </a:avLst>
+          </a:prstGeom>
+          <a:ln w="28575">
+            <a:solidFill>
+              <a:schemeClr val="bg2">
+                <a:lumMod val="75000"/>
+              </a:schemeClr>
+            </a:solidFill>
+            <a:tailEnd type="triangle"/>
+          </a:ln>
+        </p:spPr>
+        <p:style>
+          <a:lnRef idx="1">
+            <a:schemeClr val="accent1"/>
+          </a:lnRef>
+          <a:fillRef idx="0">
+            <a:schemeClr val="accent1"/>
+          </a:fillRef>
+          <a:effectRef idx="0">
+            <a:schemeClr val="accent1"/>
+          </a:effectRef>
+          <a:fontRef idx="minor">
+            <a:schemeClr val="tx1"/>
+          </a:fontRef>
+        </p:style>
+        <p:txBody>
+          <a:bodyPr rtlCol="0" anchor="ctr"/>
+          <a:lstStyle/>
+          <a:p>
+            <a:pPr algn="ctr"/>
+            <a:endParaRPr lang="en-US">
+              <a:solidFill>
+                <a:schemeClr val="bg2"/>
+              </a:solidFill>
+            </a:endParaRPr>
+          </a:p>
+        </p:txBody>
+      </p:sp>
+      <p:sp>
+        <p:nvSpPr>
+          <p:cNvPr id="3" name="TextBox 2"/>
+          <p:cNvSpPr txBox="1"/>
+          <p:nvPr/>
+        </p:nvSpPr>
+        <p:spPr>
+          <a:xfrm>
+            <a:off x="2109102" y="1534348"/>
+            <a:ext cx="1642309" cy="369332"/>
+          </a:xfrm>
+          <a:prstGeom prst="rect">
+            <a:avLst/>
+          </a:prstGeom>
+          <a:noFill/>
+        </p:spPr>
+        <p:txBody>
+          <a:bodyPr wrap="none" rtlCol="0">
+            <a:spAutoFit/>
+          </a:bodyPr>
+          <a:lstStyle/>
+          <a:p>
+            <a:r>
+              <a:rPr lang="en-US" dirty="0">
+                <a:solidFill>
+                  <a:schemeClr val="bg2">
+                    <a:lumMod val="75000"/>
+                  </a:schemeClr>
+                </a:solidFill>
+              </a:rPr>
+              <a:t>Validity Interval</a:t>
+            </a:r>
+          </a:p>
+        </p:txBody>
+      </p:sp>
+      <p:sp>
+        <p:nvSpPr>
+          <p:cNvPr id="45" name="Left Brace 44"/>
+          <p:cNvSpPr/>
+          <p:nvPr/>
+        </p:nvSpPr>
+        <p:spPr>
+          <a:xfrm rot="5400000">
+            <a:off x="8605411" y="-805374"/>
+            <a:ext cx="241708" cy="5620514"/>
+          </a:xfrm>
+          <a:prstGeom prst="leftBrace">
+            <a:avLst>
+              <a:gd name="adj1" fmla="val 306501"/>
+              <a:gd name="adj2" fmla="val 50000"/>
+            </a:avLst>
+          </a:prstGeom>
+          <a:ln w="28575">
+            <a:solidFill>
+              <a:schemeClr val="bg2">
+                <a:lumMod val="75000"/>
+              </a:schemeClr>
+            </a:solidFill>
+            <a:tailEnd type="triangle"/>
+          </a:ln>
+        </p:spPr>
+        <p:style>
+          <a:lnRef idx="1">
+            <a:schemeClr val="accent1"/>
+          </a:lnRef>
+          <a:fillRef idx="0">
+            <a:schemeClr val="accent1"/>
+          </a:fillRef>
+          <a:effectRef idx="0">
+            <a:schemeClr val="accent1"/>
+          </a:effectRef>
+          <a:fontRef idx="minor">
+            <a:schemeClr val="tx1"/>
+          </a:fontRef>
+        </p:style>
+        <p:txBody>
+          <a:bodyPr rtlCol="0" anchor="ctr"/>
+          <a:lstStyle/>
+          <a:p>
+            <a:pPr algn="ctr"/>
+            <a:endParaRPr lang="en-US">
+              <a:solidFill>
+                <a:schemeClr val="bg2"/>
+              </a:solidFill>
+            </a:endParaRPr>
+          </a:p>
+        </p:txBody>
+      </p:sp>
+      <p:sp>
+        <p:nvSpPr>
+          <p:cNvPr id="46" name="TextBox 45"/>
+          <p:cNvSpPr txBox="1"/>
+          <p:nvPr/>
+        </p:nvSpPr>
+        <p:spPr>
+          <a:xfrm>
+            <a:off x="7905110" y="1497696"/>
+            <a:ext cx="1642309" cy="369332"/>
+          </a:xfrm>
+          <a:prstGeom prst="rect">
+            <a:avLst/>
+          </a:prstGeom>
+          <a:noFill/>
+        </p:spPr>
+        <p:txBody>
+          <a:bodyPr wrap="none" rtlCol="0">
+            <a:spAutoFit/>
+          </a:bodyPr>
+          <a:lstStyle/>
+          <a:p>
+            <a:r>
+              <a:rPr lang="en-US" dirty="0">
+                <a:solidFill>
+                  <a:schemeClr val="bg2">
+                    <a:lumMod val="75000"/>
+                  </a:schemeClr>
+                </a:solidFill>
+              </a:rPr>
+              <a:t>Validity Interval</a:t>
+            </a:r>
+          </a:p>
+        </p:txBody>
+      </p:sp>
+      <p:sp>
+        <p:nvSpPr>
+          <p:cNvPr id="49" name="Rectangle 48"/>
+          <p:cNvSpPr/>
+          <p:nvPr/>
+        </p:nvSpPr>
+        <p:spPr>
+          <a:xfrm>
+            <a:off x="10837862" y="5956779"/>
+            <a:ext cx="1229360" cy="457200"/>
+          </a:xfrm>
+          <a:prstGeom prst="rect">
+            <a:avLst/>
+          </a:prstGeom>
+          <a:solidFill>
+            <a:srgbClr val="FF0000"/>
+          </a:solidFill>
+          <a:ln w="28575">
+            <a:solidFill>
+              <a:schemeClr val="tx1"/>
+            </a:solidFill>
+          </a:ln>
+        </p:spPr>
+        <p:style>
+          <a:lnRef idx="2">
+            <a:schemeClr val="accent1">
+              <a:shade val="50000"/>
+            </a:schemeClr>
+          </a:lnRef>
+          <a:fillRef idx="1">
+            <a:schemeClr val="accent1"/>
+          </a:fillRef>
+          <a:effectRef idx="0">
+            <a:schemeClr val="accent1"/>
+          </a:effectRef>
+          <a:fontRef idx="minor">
+            <a:schemeClr val="lt1"/>
+          </a:fontRef>
+        </p:style>
+        <p:txBody>
+          <a:bodyPr rtlCol="0" anchor="ctr"/>
+          <a:lstStyle/>
+          <a:p>
+            <a:pPr algn="ctr"/>
+            <a:r>
+              <a:rPr lang="en-US" dirty="0">
+                <a:solidFill>
+                  <a:schemeClr val="tx1"/>
+                </a:solidFill>
+              </a:rPr>
+              <a:t>Failure</a:t>
+            </a:r>
+          </a:p>
+        </p:txBody>
+      </p:sp>
+      <p:cxnSp>
+        <p:nvCxnSpPr>
+          <p:cNvPr id="51" name="Straight Arrow Connector 50"/>
+          <p:cNvCxnSpPr/>
+          <p:nvPr/>
+        </p:nvCxnSpPr>
+        <p:spPr>
+          <a:xfrm>
+            <a:off x="11909742" y="5148807"/>
+            <a:ext cx="0" cy="807972"/>
+          </a:xfrm>
+          <a:prstGeom prst="straightConnector1">
+            <a:avLst/>
+          </a:prstGeom>
+          <a:ln>
+            <a:solidFill>
+              <a:schemeClr val="tx1"/>
+            </a:solidFill>
+            <a:tailEnd type="triangle"/>
+          </a:ln>
+        </p:spPr>
+        <p:style>
+          <a:lnRef idx="1">
+            <a:schemeClr val="accent1"/>
+          </a:lnRef>
+          <a:fillRef idx="0">
+            <a:schemeClr val="accent1"/>
+          </a:fillRef>
+          <a:effectRef idx="0">
+            <a:schemeClr val="accent1"/>
+          </a:effectRef>
+          <a:fontRef idx="minor">
+            <a:schemeClr val="tx1"/>
+          </a:fontRef>
+        </p:style>
+      </p:cxnSp>
+      <p:sp>
+        <p:nvSpPr>
+          <p:cNvPr id="54" name="Left Brace 53"/>
+          <p:cNvSpPr/>
+          <p:nvPr/>
+        </p:nvSpPr>
+        <p:spPr>
+          <a:xfrm rot="5400000">
+            <a:off x="3532799" y="2655415"/>
+            <a:ext cx="241708" cy="3987229"/>
+          </a:xfrm>
+          <a:prstGeom prst="leftBrace">
+            <a:avLst>
+              <a:gd name="adj1" fmla="val 306501"/>
+              <a:gd name="adj2" fmla="val 50000"/>
+            </a:avLst>
+          </a:prstGeom>
+          <a:ln w="28575">
+            <a:solidFill>
+              <a:schemeClr val="bg2">
+                <a:lumMod val="75000"/>
+              </a:schemeClr>
+            </a:solidFill>
+            <a:tailEnd type="triangle"/>
+          </a:ln>
+        </p:spPr>
+        <p:style>
+          <a:lnRef idx="1">
+            <a:schemeClr val="accent1"/>
+          </a:lnRef>
+          <a:fillRef idx="0">
+            <a:schemeClr val="accent1"/>
+          </a:fillRef>
+          <a:effectRef idx="0">
+            <a:schemeClr val="accent1"/>
+          </a:effectRef>
+          <a:fontRef idx="minor">
+            <a:schemeClr val="tx1"/>
+          </a:fontRef>
+        </p:style>
+        <p:txBody>
+          <a:bodyPr rtlCol="0" anchor="ctr"/>
+          <a:lstStyle/>
+          <a:p>
+            <a:pPr algn="ctr"/>
+            <a:endParaRPr lang="en-US">
+              <a:solidFill>
+                <a:schemeClr val="bg2"/>
+              </a:solidFill>
+            </a:endParaRPr>
+          </a:p>
+        </p:txBody>
+      </p:sp>
+      <p:sp>
+        <p:nvSpPr>
+          <p:cNvPr id="55" name="TextBox 54"/>
+          <p:cNvSpPr txBox="1"/>
+          <p:nvPr/>
+        </p:nvSpPr>
+        <p:spPr>
+          <a:xfrm>
+            <a:off x="2832498" y="4149251"/>
+            <a:ext cx="1642309" cy="369332"/>
+          </a:xfrm>
+          <a:prstGeom prst="rect">
+            <a:avLst/>
+          </a:prstGeom>
+          <a:noFill/>
+        </p:spPr>
+        <p:txBody>
+          <a:bodyPr wrap="none" rtlCol="0">
+            <a:spAutoFit/>
+          </a:bodyPr>
+          <a:lstStyle/>
+          <a:p>
+            <a:r>
+              <a:rPr lang="en-US" dirty="0">
+                <a:solidFill>
+                  <a:schemeClr val="bg2">
+                    <a:lumMod val="75000"/>
+                  </a:schemeClr>
+                </a:solidFill>
+              </a:rPr>
+              <a:t>Validity Interval</a:t>
+            </a:r>
+          </a:p>
+        </p:txBody>
+      </p:sp>
+      <p:sp>
+        <p:nvSpPr>
+          <p:cNvPr id="56" name="Left Brace 55"/>
+          <p:cNvSpPr/>
+          <p:nvPr/>
+        </p:nvSpPr>
+        <p:spPr>
+          <a:xfrm rot="5400000">
+            <a:off x="9118740" y="2168017"/>
+            <a:ext cx="241708" cy="5051055"/>
+          </a:xfrm>
+          <a:prstGeom prst="leftBrace">
+            <a:avLst>
+              <a:gd name="adj1" fmla="val 306501"/>
+              <a:gd name="adj2" fmla="val 50000"/>
+            </a:avLst>
+          </a:prstGeom>
+          <a:ln w="28575">
+            <a:solidFill>
+              <a:schemeClr val="bg2">
+                <a:lumMod val="75000"/>
+              </a:schemeClr>
+            </a:solidFill>
+            <a:tailEnd type="triangle"/>
+          </a:ln>
+        </p:spPr>
+        <p:style>
+          <a:lnRef idx="1">
+            <a:schemeClr val="accent1"/>
+          </a:lnRef>
+          <a:fillRef idx="0">
+            <a:schemeClr val="accent1"/>
+          </a:fillRef>
+          <a:effectRef idx="0">
+            <a:schemeClr val="accent1"/>
+          </a:effectRef>
+          <a:fontRef idx="minor">
+            <a:schemeClr val="tx1"/>
+          </a:fontRef>
+        </p:style>
+        <p:txBody>
+          <a:bodyPr rtlCol="0" anchor="ctr"/>
+          <a:lstStyle/>
+          <a:p>
+            <a:pPr algn="ctr"/>
+            <a:endParaRPr lang="en-US">
+              <a:solidFill>
+                <a:schemeClr val="bg2"/>
+              </a:solidFill>
+            </a:endParaRPr>
+          </a:p>
+        </p:txBody>
+      </p:sp>
+      <p:sp>
+        <p:nvSpPr>
+          <p:cNvPr id="57" name="TextBox 56"/>
+          <p:cNvSpPr txBox="1"/>
+          <p:nvPr/>
+        </p:nvSpPr>
+        <p:spPr>
+          <a:xfrm>
+            <a:off x="8418439" y="4191532"/>
+            <a:ext cx="1642309" cy="369332"/>
+          </a:xfrm>
+          <a:prstGeom prst="rect">
+            <a:avLst/>
+          </a:prstGeom>
+          <a:noFill/>
+        </p:spPr>
+        <p:txBody>
+          <a:bodyPr wrap="none" rtlCol="0">
+            <a:spAutoFit/>
+          </a:bodyPr>
+          <a:lstStyle/>
+          <a:p>
+            <a:r>
+              <a:rPr lang="en-US" dirty="0">
+                <a:solidFill>
+                  <a:schemeClr val="bg2">
+                    <a:lumMod val="75000"/>
+                  </a:schemeClr>
+                </a:solidFill>
+              </a:rPr>
+              <a:t>Validity Interval</a:t>
+            </a:r>
+          </a:p>
+        </p:txBody>
+      </p:sp>
+    </p:spTree>
+    <p:extLst>
+      <p:ext uri="{BB962C8B-B14F-4D97-AF65-F5344CB8AC3E}">
+        <p14:creationId xmlns:p14="http://schemas.microsoft.com/office/powerpoint/2010/main" val="99672592"/>
+      </p:ext>
+    </p:extLst>
+  </p:cSld>
+  <p:clrMapOvr>
+    <a:masterClrMapping/>
+  </p:clrMapOvr>
+</p:sld>
+</file>
+
+<file path=ppt/slides/slide17.xml><?xml version="1.0" encoding="utf-8"?>
+<p:sld xmlns:a="http://schemas.openxmlformats.org/drawingml/2006/main" xmlns:r="http://schemas.openxmlformats.org/officeDocument/2006/relationships" xmlns:p="http://schemas.openxmlformats.org/presentationml/2006/main">
+  <p:cSld>
+    <p:spTree>
+      <p:nvGrpSpPr>
+        <p:cNvPr id="1" name=""/>
+        <p:cNvGrpSpPr/>
+        <p:nvPr/>
+      </p:nvGrpSpPr>
+      <p:grpSpPr>
+        <a:xfrm>
+          <a:off x="0" y="0"/>
+          <a:ext cx="0" cy="0"/>
+          <a:chOff x="0" y="0"/>
+          <a:chExt cx="0" cy="0"/>
+        </a:xfrm>
+      </p:grpSpPr>
+      <p:sp>
+        <p:nvSpPr>
+          <p:cNvPr id="11" name="Rectangle 10"/>
+          <p:cNvSpPr/>
+          <p:nvPr/>
+        </p:nvSpPr>
+        <p:spPr>
+          <a:xfrm>
+            <a:off x="428593" y="258064"/>
+            <a:ext cx="11697208" cy="1127825"/>
+          </a:xfrm>
+          <a:prstGeom prst="rect">
+            <a:avLst/>
+          </a:prstGeom>
+          <a:solidFill>
+            <a:schemeClr val="bg1"/>
+          </a:solidFill>
+          <a:ln w="19050">
+            <a:solidFill>
+              <a:schemeClr val="bg1"/>
+            </a:solidFill>
+          </a:ln>
+        </p:spPr>
+        <p:style>
+          <a:lnRef idx="2">
+            <a:schemeClr val="accent1">
+              <a:shade val="50000"/>
+            </a:schemeClr>
+          </a:lnRef>
+          <a:fillRef idx="1">
+            <a:schemeClr val="accent1"/>
+          </a:fillRef>
+          <a:effectRef idx="0">
+            <a:schemeClr val="accent1"/>
+          </a:effectRef>
+          <a:fontRef idx="minor">
+            <a:schemeClr val="lt1"/>
+          </a:fontRef>
+        </p:style>
+        <p:txBody>
+          <a:bodyPr rtlCol="0" anchor="ctr"/>
+          <a:lstStyle/>
+          <a:p>
+            <a:pPr algn="ctr"/>
+            <a:r>
+              <a:rPr lang="en-US" sz="3200" dirty="0">
+                <a:solidFill>
+                  <a:schemeClr val="tx1"/>
+                </a:solidFill>
+                <a:latin typeface="+mj-lt"/>
+              </a:rPr>
+              <a:t>exist(before(</a:t>
+            </a:r>
+            <a:r>
+              <a:rPr lang="en-US" sz="3200" dirty="0" err="1">
+                <a:solidFill>
+                  <a:schemeClr val="tx1"/>
+                </a:solidFill>
+                <a:latin typeface="+mj-lt"/>
+              </a:rPr>
+              <a:t>anEventThat</a:t>
+            </a:r>
+            <a:r>
+              <a:rPr lang="en-US" sz="3200" dirty="0">
+                <a:solidFill>
+                  <a:schemeClr val="tx1"/>
+                </a:solidFill>
+                <a:latin typeface="+mj-lt"/>
+              </a:rPr>
+              <a:t>(       )), exactly(2)).</a:t>
+            </a:r>
+            <a:r>
+              <a:rPr lang="en-US" sz="3200" dirty="0" err="1">
+                <a:solidFill>
+                  <a:schemeClr val="tx1"/>
+                </a:solidFill>
+                <a:latin typeface="+mj-lt"/>
+              </a:rPr>
+              <a:t>eventsWhereEach</a:t>
+            </a:r>
+            <a:r>
+              <a:rPr lang="en-US" sz="3200" dirty="0">
+                <a:solidFill>
+                  <a:schemeClr val="tx1"/>
+                </a:solidFill>
+                <a:latin typeface="+mj-lt"/>
+              </a:rPr>
+              <a:t>(       )</a:t>
+            </a:r>
+          </a:p>
+        </p:txBody>
+      </p:sp>
+      <p:sp>
+        <p:nvSpPr>
+          <p:cNvPr id="18" name="Oval 17"/>
+          <p:cNvSpPr/>
+          <p:nvPr/>
+        </p:nvSpPr>
+        <p:spPr>
+          <a:xfrm>
+            <a:off x="11051671" y="593376"/>
+            <a:ext cx="457200" cy="457200"/>
+          </a:xfrm>
+          <a:prstGeom prst="ellipse">
+            <a:avLst/>
+          </a:prstGeom>
+          <a:solidFill>
+            <a:srgbClr val="00B0F0"/>
+          </a:solidFill>
+          <a:ln w="28575">
+            <a:solidFill>
+              <a:schemeClr val="tx1"/>
+            </a:solidFill>
+          </a:ln>
+        </p:spPr>
+        <p:style>
+          <a:lnRef idx="2">
+            <a:schemeClr val="accent1">
+              <a:shade val="50000"/>
+            </a:schemeClr>
+          </a:lnRef>
+          <a:fillRef idx="1">
+            <a:schemeClr val="accent1"/>
+          </a:fillRef>
+          <a:effectRef idx="0">
+            <a:schemeClr val="accent1"/>
+          </a:effectRef>
+          <a:fontRef idx="minor">
+            <a:schemeClr val="lt1"/>
+          </a:fontRef>
+        </p:style>
+        <p:txBody>
+          <a:bodyPr rtlCol="0" anchor="ctr"/>
+          <a:lstStyle/>
+          <a:p>
+            <a:pPr algn="ctr"/>
+            <a:endParaRPr lang="en-US"/>
+          </a:p>
+        </p:txBody>
+      </p:sp>
+      <p:cxnSp>
+        <p:nvCxnSpPr>
+          <p:cNvPr id="21" name="Straight Arrow Connector 20"/>
+          <p:cNvCxnSpPr/>
+          <p:nvPr/>
+        </p:nvCxnSpPr>
+        <p:spPr>
+          <a:xfrm>
+            <a:off x="428593" y="2454971"/>
+            <a:ext cx="11697208" cy="0"/>
+          </a:xfrm>
+          <a:prstGeom prst="straightConnector1">
+            <a:avLst/>
+          </a:prstGeom>
+          <a:solidFill>
+            <a:srgbClr val="FFFF00"/>
+          </a:solidFill>
+          <a:ln w="28575">
+            <a:solidFill>
+              <a:schemeClr val="tx1"/>
+            </a:solidFill>
+          </a:ln>
+        </p:spPr>
+        <p:style>
+          <a:lnRef idx="2">
+            <a:schemeClr val="accent1">
+              <a:shade val="50000"/>
+            </a:schemeClr>
+          </a:lnRef>
+          <a:fillRef idx="1">
+            <a:schemeClr val="accent1"/>
+          </a:fillRef>
+          <a:effectRef idx="0">
+            <a:schemeClr val="accent1"/>
+          </a:effectRef>
+          <a:fontRef idx="minor">
+            <a:schemeClr val="lt1"/>
+          </a:fontRef>
+        </p:style>
+      </p:cxnSp>
+      <p:sp>
+        <p:nvSpPr>
+          <p:cNvPr id="22" name="Oval 21"/>
+          <p:cNvSpPr/>
+          <p:nvPr/>
+        </p:nvSpPr>
+        <p:spPr>
+          <a:xfrm>
+            <a:off x="752697" y="2226372"/>
+            <a:ext cx="457200" cy="457200"/>
+          </a:xfrm>
+          <a:prstGeom prst="ellipse">
+            <a:avLst/>
+          </a:prstGeom>
+          <a:solidFill>
+            <a:srgbClr val="00B0F0"/>
+          </a:solidFill>
+          <a:ln w="28575">
+            <a:solidFill>
+              <a:schemeClr val="tx1"/>
+            </a:solidFill>
+          </a:ln>
+        </p:spPr>
+        <p:style>
+          <a:lnRef idx="2">
+            <a:schemeClr val="accent1">
+              <a:shade val="50000"/>
+            </a:schemeClr>
+          </a:lnRef>
+          <a:fillRef idx="1">
+            <a:schemeClr val="accent1"/>
+          </a:fillRef>
+          <a:effectRef idx="0">
+            <a:schemeClr val="accent1"/>
+          </a:effectRef>
+          <a:fontRef idx="minor">
+            <a:schemeClr val="lt1"/>
+          </a:fontRef>
+        </p:style>
+        <p:txBody>
+          <a:bodyPr rtlCol="0" anchor="ctr"/>
+          <a:lstStyle/>
+          <a:p>
+            <a:pPr algn="ctr"/>
+            <a:endParaRPr lang="en-US"/>
+          </a:p>
+        </p:txBody>
+      </p:sp>
+      <p:sp>
+        <p:nvSpPr>
+          <p:cNvPr id="23" name="Oval 22"/>
+          <p:cNvSpPr/>
+          <p:nvPr/>
+        </p:nvSpPr>
+        <p:spPr>
+          <a:xfrm>
+            <a:off x="2043525" y="2237544"/>
+            <a:ext cx="457200" cy="457200"/>
+          </a:xfrm>
+          <a:prstGeom prst="ellipse">
+            <a:avLst/>
+          </a:prstGeom>
+          <a:solidFill>
+            <a:srgbClr val="00B0F0"/>
+          </a:solidFill>
+          <a:ln w="28575">
+            <a:solidFill>
+              <a:schemeClr val="tx1"/>
+            </a:solidFill>
+          </a:ln>
+        </p:spPr>
+        <p:style>
+          <a:lnRef idx="2">
+            <a:schemeClr val="accent1">
+              <a:shade val="50000"/>
+            </a:schemeClr>
+          </a:lnRef>
+          <a:fillRef idx="1">
+            <a:schemeClr val="accent1"/>
+          </a:fillRef>
+          <a:effectRef idx="0">
+            <a:schemeClr val="accent1"/>
+          </a:effectRef>
+          <a:fontRef idx="minor">
+            <a:schemeClr val="lt1"/>
+          </a:fontRef>
+        </p:style>
+        <p:txBody>
+          <a:bodyPr rtlCol="0" anchor="ctr"/>
+          <a:lstStyle/>
+          <a:p>
+            <a:pPr algn="ctr"/>
+            <a:endParaRPr lang="en-US"/>
+          </a:p>
+        </p:txBody>
+      </p:sp>
+      <p:sp>
+        <p:nvSpPr>
+          <p:cNvPr id="24" name="Oval 23"/>
+          <p:cNvSpPr/>
+          <p:nvPr/>
+        </p:nvSpPr>
+        <p:spPr>
+          <a:xfrm>
+            <a:off x="3334353" y="2237544"/>
+            <a:ext cx="457200" cy="457200"/>
+          </a:xfrm>
+          <a:prstGeom prst="ellipse">
+            <a:avLst/>
+          </a:prstGeom>
+          <a:solidFill>
+            <a:srgbClr val="FFFF00"/>
+          </a:solidFill>
+          <a:ln w="28575">
+            <a:solidFill>
+              <a:schemeClr val="tx1"/>
+            </a:solidFill>
+          </a:ln>
+        </p:spPr>
+        <p:style>
+          <a:lnRef idx="2">
+            <a:schemeClr val="accent1">
+              <a:shade val="50000"/>
+            </a:schemeClr>
+          </a:lnRef>
+          <a:fillRef idx="1">
+            <a:schemeClr val="accent1"/>
+          </a:fillRef>
+          <a:effectRef idx="0">
+            <a:schemeClr val="accent1"/>
+          </a:effectRef>
+          <a:fontRef idx="minor">
+            <a:schemeClr val="lt1"/>
+          </a:fontRef>
+        </p:style>
+        <p:txBody>
+          <a:bodyPr rtlCol="0" anchor="ctr"/>
+          <a:lstStyle/>
+          <a:p>
+            <a:pPr algn="ctr"/>
+            <a:endParaRPr lang="en-US"/>
+          </a:p>
+        </p:txBody>
+      </p:sp>
+      <p:sp>
+        <p:nvSpPr>
+          <p:cNvPr id="25" name="Oval 24"/>
+          <p:cNvSpPr/>
+          <p:nvPr/>
+        </p:nvSpPr>
+        <p:spPr>
+          <a:xfrm>
+            <a:off x="4625181" y="2237544"/>
+            <a:ext cx="457200" cy="457200"/>
+          </a:xfrm>
+          <a:prstGeom prst="ellipse">
+            <a:avLst/>
+          </a:prstGeom>
+          <a:solidFill>
+            <a:schemeClr val="accent2"/>
+          </a:solidFill>
+          <a:ln w="28575">
+            <a:solidFill>
+              <a:schemeClr val="tx1"/>
+            </a:solidFill>
+          </a:ln>
+        </p:spPr>
+        <p:style>
+          <a:lnRef idx="2">
+            <a:schemeClr val="accent1">
+              <a:shade val="50000"/>
+            </a:schemeClr>
+          </a:lnRef>
+          <a:fillRef idx="1">
+            <a:schemeClr val="accent1"/>
+          </a:fillRef>
+          <a:effectRef idx="0">
+            <a:schemeClr val="accent1"/>
+          </a:effectRef>
+          <a:fontRef idx="minor">
+            <a:schemeClr val="lt1"/>
+          </a:fontRef>
+        </p:style>
+        <p:txBody>
+          <a:bodyPr rtlCol="0" anchor="ctr"/>
+          <a:lstStyle/>
+          <a:p>
+            <a:pPr algn="ctr"/>
+            <a:endParaRPr lang="en-US"/>
+          </a:p>
+        </p:txBody>
+      </p:sp>
+      <p:sp>
+        <p:nvSpPr>
+          <p:cNvPr id="26" name="Oval 25"/>
+          <p:cNvSpPr/>
+          <p:nvPr/>
+        </p:nvSpPr>
+        <p:spPr>
+          <a:xfrm>
+            <a:off x="5916009" y="2237544"/>
+            <a:ext cx="457200" cy="457200"/>
+          </a:xfrm>
+          <a:prstGeom prst="ellipse">
+            <a:avLst/>
+          </a:prstGeom>
+          <a:solidFill>
+            <a:srgbClr val="FFFF00"/>
+          </a:solidFill>
+          <a:ln w="28575">
+            <a:solidFill>
+              <a:schemeClr val="tx1"/>
+            </a:solidFill>
+          </a:ln>
+        </p:spPr>
+        <p:style>
+          <a:lnRef idx="2">
+            <a:schemeClr val="accent1">
+              <a:shade val="50000"/>
+            </a:schemeClr>
+          </a:lnRef>
+          <a:fillRef idx="1">
+            <a:schemeClr val="accent1"/>
+          </a:fillRef>
+          <a:effectRef idx="0">
+            <a:schemeClr val="accent1"/>
+          </a:effectRef>
+          <a:fontRef idx="minor">
+            <a:schemeClr val="lt1"/>
+          </a:fontRef>
+        </p:style>
+        <p:txBody>
+          <a:bodyPr rtlCol="0" anchor="ctr"/>
+          <a:lstStyle/>
+          <a:p>
+            <a:pPr algn="ctr"/>
+            <a:endParaRPr lang="en-US"/>
+          </a:p>
+        </p:txBody>
+      </p:sp>
+      <p:sp>
+        <p:nvSpPr>
+          <p:cNvPr id="27" name="Oval 26"/>
+          <p:cNvSpPr/>
+          <p:nvPr/>
+        </p:nvSpPr>
+        <p:spPr>
+          <a:xfrm>
+            <a:off x="7206837" y="2237544"/>
+            <a:ext cx="457200" cy="457200"/>
+          </a:xfrm>
+          <a:prstGeom prst="ellipse">
+            <a:avLst/>
+          </a:prstGeom>
+          <a:solidFill>
+            <a:srgbClr val="00B0F0"/>
+          </a:solidFill>
+          <a:ln w="28575">
+            <a:solidFill>
+              <a:schemeClr val="tx1"/>
+            </a:solidFill>
+          </a:ln>
+        </p:spPr>
+        <p:style>
+          <a:lnRef idx="2">
+            <a:schemeClr val="accent1">
+              <a:shade val="50000"/>
+            </a:schemeClr>
+          </a:lnRef>
+          <a:fillRef idx="1">
+            <a:schemeClr val="accent1"/>
+          </a:fillRef>
+          <a:effectRef idx="0">
+            <a:schemeClr val="accent1"/>
+          </a:effectRef>
+          <a:fontRef idx="minor">
+            <a:schemeClr val="lt1"/>
+          </a:fontRef>
+        </p:style>
+        <p:txBody>
+          <a:bodyPr rtlCol="0" anchor="ctr"/>
+          <a:lstStyle/>
+          <a:p>
+            <a:pPr algn="ctr"/>
+            <a:endParaRPr lang="en-US"/>
+          </a:p>
+        </p:txBody>
+      </p:sp>
+      <p:sp>
+        <p:nvSpPr>
+          <p:cNvPr id="28" name="Oval 27"/>
+          <p:cNvSpPr/>
+          <p:nvPr/>
+        </p:nvSpPr>
+        <p:spPr>
+          <a:xfrm>
+            <a:off x="8497665" y="2237544"/>
+            <a:ext cx="457200" cy="457200"/>
+          </a:xfrm>
+          <a:prstGeom prst="ellipse">
+            <a:avLst/>
+          </a:prstGeom>
+          <a:solidFill>
+            <a:srgbClr val="FFFF00"/>
+          </a:solidFill>
+          <a:ln w="28575">
+            <a:solidFill>
+              <a:schemeClr val="tx1"/>
+            </a:solidFill>
+          </a:ln>
+        </p:spPr>
+        <p:style>
+          <a:lnRef idx="2">
+            <a:schemeClr val="accent1">
+              <a:shade val="50000"/>
+            </a:schemeClr>
+          </a:lnRef>
+          <a:fillRef idx="1">
+            <a:schemeClr val="accent1"/>
+          </a:fillRef>
+          <a:effectRef idx="0">
+            <a:schemeClr val="accent1"/>
+          </a:effectRef>
+          <a:fontRef idx="minor">
+            <a:schemeClr val="lt1"/>
+          </a:fontRef>
+        </p:style>
+        <p:txBody>
+          <a:bodyPr rtlCol="0" anchor="ctr"/>
+          <a:lstStyle/>
+          <a:p>
+            <a:pPr algn="ctr"/>
+            <a:endParaRPr lang="en-US"/>
+          </a:p>
+        </p:txBody>
+      </p:sp>
+      <p:sp>
+        <p:nvSpPr>
+          <p:cNvPr id="29" name="Oval 28"/>
+          <p:cNvSpPr/>
+          <p:nvPr/>
+        </p:nvSpPr>
+        <p:spPr>
+          <a:xfrm>
+            <a:off x="9788493" y="2237544"/>
+            <a:ext cx="457200" cy="457200"/>
+          </a:xfrm>
+          <a:prstGeom prst="ellipse">
+            <a:avLst/>
+          </a:prstGeom>
+          <a:solidFill>
+            <a:schemeClr val="accent2"/>
+          </a:solidFill>
+          <a:ln w="28575">
+            <a:solidFill>
+              <a:schemeClr val="tx1"/>
+            </a:solidFill>
+          </a:ln>
+        </p:spPr>
+        <p:style>
+          <a:lnRef idx="2">
+            <a:schemeClr val="accent1">
+              <a:shade val="50000"/>
+            </a:schemeClr>
+          </a:lnRef>
+          <a:fillRef idx="1">
+            <a:schemeClr val="accent1"/>
+          </a:fillRef>
+          <a:effectRef idx="0">
+            <a:schemeClr val="accent1"/>
+          </a:effectRef>
+          <a:fontRef idx="minor">
+            <a:schemeClr val="lt1"/>
+          </a:fontRef>
+        </p:style>
+        <p:txBody>
+          <a:bodyPr rtlCol="0" anchor="ctr"/>
+          <a:lstStyle/>
+          <a:p>
+            <a:pPr algn="ctr"/>
+            <a:endParaRPr lang="en-US"/>
+          </a:p>
+        </p:txBody>
+      </p:sp>
+      <p:sp>
+        <p:nvSpPr>
+          <p:cNvPr id="30" name="Oval 29"/>
+          <p:cNvSpPr/>
+          <p:nvPr/>
+        </p:nvSpPr>
+        <p:spPr>
+          <a:xfrm>
+            <a:off x="11079321" y="2237544"/>
+            <a:ext cx="457200" cy="457200"/>
+          </a:xfrm>
+          <a:prstGeom prst="ellipse">
+            <a:avLst/>
+          </a:prstGeom>
+          <a:solidFill>
+            <a:srgbClr val="FFFF00"/>
+          </a:solidFill>
+          <a:ln w="28575">
+            <a:solidFill>
+              <a:schemeClr val="tx1"/>
+            </a:solidFill>
+          </a:ln>
+        </p:spPr>
+        <p:style>
+          <a:lnRef idx="2">
+            <a:schemeClr val="accent1">
+              <a:shade val="50000"/>
+            </a:schemeClr>
+          </a:lnRef>
+          <a:fillRef idx="1">
+            <a:schemeClr val="accent1"/>
+          </a:fillRef>
+          <a:effectRef idx="0">
+            <a:schemeClr val="accent1"/>
+          </a:effectRef>
+          <a:fontRef idx="minor">
+            <a:schemeClr val="lt1"/>
+          </a:fontRef>
+        </p:style>
+        <p:txBody>
+          <a:bodyPr rtlCol="0" anchor="ctr"/>
+          <a:lstStyle/>
+          <a:p>
+            <a:pPr algn="ctr"/>
+            <a:endParaRPr lang="en-US"/>
+          </a:p>
+        </p:txBody>
+      </p:sp>
+      <p:cxnSp>
+        <p:nvCxnSpPr>
+          <p:cNvPr id="31" name="Straight Arrow Connector 30"/>
+          <p:cNvCxnSpPr/>
+          <p:nvPr/>
+        </p:nvCxnSpPr>
+        <p:spPr>
+          <a:xfrm>
+            <a:off x="428593" y="5148808"/>
+            <a:ext cx="11697208" cy="0"/>
+          </a:xfrm>
+          <a:prstGeom prst="straightConnector1">
+            <a:avLst/>
+          </a:prstGeom>
+          <a:ln w="28575">
+            <a:solidFill>
+              <a:schemeClr val="tx1"/>
+            </a:solidFill>
+            <a:tailEnd type="triangle"/>
+          </a:ln>
+        </p:spPr>
+        <p:style>
+          <a:lnRef idx="1">
+            <a:schemeClr val="accent1"/>
+          </a:lnRef>
+          <a:fillRef idx="0">
+            <a:schemeClr val="accent1"/>
+          </a:fillRef>
+          <a:effectRef idx="0">
+            <a:schemeClr val="accent1"/>
+          </a:effectRef>
+          <a:fontRef idx="minor">
+            <a:schemeClr val="tx1"/>
+          </a:fontRef>
+        </p:style>
+      </p:cxnSp>
+      <p:sp>
+        <p:nvSpPr>
+          <p:cNvPr id="36" name="Oval 35"/>
+          <p:cNvSpPr/>
+          <p:nvPr/>
+        </p:nvSpPr>
+        <p:spPr>
+          <a:xfrm>
+            <a:off x="752697" y="4913098"/>
+            <a:ext cx="457200" cy="457200"/>
+          </a:xfrm>
+          <a:prstGeom prst="ellipse">
+            <a:avLst/>
+          </a:prstGeom>
+          <a:solidFill>
+            <a:srgbClr val="00B0F0"/>
+          </a:solidFill>
+          <a:ln w="28575">
+            <a:solidFill>
+              <a:schemeClr val="tx1"/>
+            </a:solidFill>
+          </a:ln>
+        </p:spPr>
+        <p:style>
+          <a:lnRef idx="2">
+            <a:schemeClr val="accent1">
+              <a:shade val="50000"/>
+            </a:schemeClr>
+          </a:lnRef>
+          <a:fillRef idx="1">
+            <a:schemeClr val="accent1"/>
+          </a:fillRef>
+          <a:effectRef idx="0">
+            <a:schemeClr val="accent1"/>
+          </a:effectRef>
+          <a:fontRef idx="minor">
+            <a:schemeClr val="lt1"/>
+          </a:fontRef>
+        </p:style>
+        <p:txBody>
+          <a:bodyPr rtlCol="0" anchor="ctr"/>
+          <a:lstStyle/>
+          <a:p>
+            <a:pPr algn="ctr"/>
+            <a:endParaRPr lang="en-US"/>
+          </a:p>
+        </p:txBody>
+      </p:sp>
+      <p:sp>
+        <p:nvSpPr>
+          <p:cNvPr id="37" name="Oval 36"/>
+          <p:cNvSpPr/>
+          <p:nvPr/>
+        </p:nvSpPr>
+        <p:spPr>
+          <a:xfrm>
+            <a:off x="2043525" y="4924270"/>
+            <a:ext cx="457200" cy="457200"/>
+          </a:xfrm>
+          <a:prstGeom prst="ellipse">
+            <a:avLst/>
+          </a:prstGeom>
+          <a:solidFill>
+            <a:srgbClr val="FFFF00"/>
+          </a:solidFill>
+          <a:ln w="28575">
+            <a:solidFill>
+              <a:schemeClr val="tx1"/>
+            </a:solidFill>
+          </a:ln>
+        </p:spPr>
+        <p:style>
+          <a:lnRef idx="2">
+            <a:schemeClr val="accent1">
+              <a:shade val="50000"/>
+            </a:schemeClr>
+          </a:lnRef>
+          <a:fillRef idx="1">
+            <a:schemeClr val="accent1"/>
+          </a:fillRef>
+          <a:effectRef idx="0">
+            <a:schemeClr val="accent1"/>
+          </a:effectRef>
+          <a:fontRef idx="minor">
+            <a:schemeClr val="lt1"/>
+          </a:fontRef>
+        </p:style>
+        <p:txBody>
+          <a:bodyPr rtlCol="0" anchor="ctr"/>
+          <a:lstStyle/>
+          <a:p>
+            <a:pPr algn="ctr"/>
+            <a:endParaRPr lang="en-US"/>
+          </a:p>
+        </p:txBody>
+      </p:sp>
+      <p:sp>
+        <p:nvSpPr>
+          <p:cNvPr id="38" name="Oval 37"/>
+          <p:cNvSpPr/>
+          <p:nvPr/>
+        </p:nvSpPr>
+        <p:spPr>
+          <a:xfrm>
+            <a:off x="3334353" y="4924270"/>
+            <a:ext cx="457200" cy="457200"/>
+          </a:xfrm>
+          <a:prstGeom prst="ellipse">
+            <a:avLst/>
+          </a:prstGeom>
+          <a:solidFill>
+            <a:srgbClr val="FFFF00"/>
+          </a:solidFill>
+          <a:ln w="28575">
+            <a:solidFill>
+              <a:schemeClr val="tx1"/>
+            </a:solidFill>
+          </a:ln>
+        </p:spPr>
+        <p:style>
+          <a:lnRef idx="2">
+            <a:schemeClr val="accent1">
+              <a:shade val="50000"/>
+            </a:schemeClr>
+          </a:lnRef>
+          <a:fillRef idx="1">
+            <a:schemeClr val="accent1"/>
+          </a:fillRef>
+          <a:effectRef idx="0">
+            <a:schemeClr val="accent1"/>
+          </a:effectRef>
+          <a:fontRef idx="minor">
+            <a:schemeClr val="lt1"/>
+          </a:fontRef>
+        </p:style>
+        <p:txBody>
+          <a:bodyPr rtlCol="0" anchor="ctr"/>
+          <a:lstStyle/>
+          <a:p>
+            <a:pPr algn="ctr"/>
+            <a:endParaRPr lang="en-US"/>
+          </a:p>
+        </p:txBody>
+      </p:sp>
+      <p:sp>
+        <p:nvSpPr>
+          <p:cNvPr id="39" name="Oval 38"/>
+          <p:cNvSpPr/>
+          <p:nvPr/>
+        </p:nvSpPr>
+        <p:spPr>
+          <a:xfrm>
+            <a:off x="4625181" y="4924270"/>
+            <a:ext cx="457200" cy="457200"/>
+          </a:xfrm>
+          <a:prstGeom prst="ellipse">
+            <a:avLst/>
+          </a:prstGeom>
+          <a:solidFill>
+            <a:schemeClr val="accent2"/>
+          </a:solidFill>
+          <a:ln w="28575">
+            <a:solidFill>
+              <a:schemeClr val="tx1"/>
+            </a:solidFill>
+          </a:ln>
+        </p:spPr>
+        <p:style>
+          <a:lnRef idx="2">
+            <a:schemeClr val="accent1">
+              <a:shade val="50000"/>
+            </a:schemeClr>
+          </a:lnRef>
+          <a:fillRef idx="1">
+            <a:schemeClr val="accent1"/>
+          </a:fillRef>
+          <a:effectRef idx="0">
+            <a:schemeClr val="accent1"/>
+          </a:effectRef>
+          <a:fontRef idx="minor">
+            <a:schemeClr val="lt1"/>
+          </a:fontRef>
+        </p:style>
+        <p:txBody>
+          <a:bodyPr rtlCol="0" anchor="ctr"/>
+          <a:lstStyle/>
+          <a:p>
+            <a:pPr algn="ctr"/>
+            <a:endParaRPr lang="en-US"/>
+          </a:p>
+        </p:txBody>
+      </p:sp>
+      <p:sp>
+        <p:nvSpPr>
+          <p:cNvPr id="40" name="Oval 39"/>
+          <p:cNvSpPr/>
+          <p:nvPr/>
+        </p:nvSpPr>
+        <p:spPr>
+          <a:xfrm>
+            <a:off x="5916009" y="4924270"/>
+            <a:ext cx="457200" cy="457200"/>
+          </a:xfrm>
+          <a:prstGeom prst="ellipse">
+            <a:avLst/>
+          </a:prstGeom>
+          <a:solidFill>
+            <a:srgbClr val="FFFF00"/>
+          </a:solidFill>
+          <a:ln w="28575">
+            <a:solidFill>
+              <a:schemeClr val="tx1"/>
+            </a:solidFill>
+          </a:ln>
+        </p:spPr>
+        <p:style>
+          <a:lnRef idx="2">
+            <a:schemeClr val="accent1">
+              <a:shade val="50000"/>
+            </a:schemeClr>
+          </a:lnRef>
+          <a:fillRef idx="1">
+            <a:schemeClr val="accent1"/>
+          </a:fillRef>
+          <a:effectRef idx="0">
+            <a:schemeClr val="accent1"/>
+          </a:effectRef>
+          <a:fontRef idx="minor">
+            <a:schemeClr val="lt1"/>
+          </a:fontRef>
+        </p:style>
+        <p:txBody>
+          <a:bodyPr rtlCol="0" anchor="ctr"/>
+          <a:lstStyle/>
+          <a:p>
+            <a:pPr algn="ctr"/>
+            <a:endParaRPr lang="en-US"/>
+          </a:p>
+        </p:txBody>
+      </p:sp>
+      <p:sp>
+        <p:nvSpPr>
+          <p:cNvPr id="41" name="Oval 40"/>
+          <p:cNvSpPr/>
+          <p:nvPr/>
+        </p:nvSpPr>
+        <p:spPr>
+          <a:xfrm>
+            <a:off x="7206837" y="4924270"/>
+            <a:ext cx="457200" cy="457200"/>
+          </a:xfrm>
+          <a:prstGeom prst="ellipse">
+            <a:avLst/>
+          </a:prstGeom>
+          <a:solidFill>
+            <a:srgbClr val="00B0F0"/>
+          </a:solidFill>
+          <a:ln w="28575">
+            <a:solidFill>
+              <a:schemeClr val="tx1"/>
+            </a:solidFill>
+          </a:ln>
+        </p:spPr>
+        <p:style>
+          <a:lnRef idx="2">
+            <a:schemeClr val="accent1">
+              <a:shade val="50000"/>
+            </a:schemeClr>
+          </a:lnRef>
+          <a:fillRef idx="1">
+            <a:schemeClr val="accent1"/>
+          </a:fillRef>
+          <a:effectRef idx="0">
+            <a:schemeClr val="accent1"/>
+          </a:effectRef>
+          <a:fontRef idx="minor">
+            <a:schemeClr val="lt1"/>
+          </a:fontRef>
+        </p:style>
+        <p:txBody>
+          <a:bodyPr rtlCol="0" anchor="ctr"/>
+          <a:lstStyle/>
+          <a:p>
+            <a:pPr algn="ctr"/>
+            <a:endParaRPr lang="en-US"/>
+          </a:p>
+        </p:txBody>
+      </p:sp>
+      <p:sp>
+        <p:nvSpPr>
+          <p:cNvPr id="42" name="Oval 41"/>
+          <p:cNvSpPr/>
+          <p:nvPr/>
+        </p:nvSpPr>
+        <p:spPr>
+          <a:xfrm>
+            <a:off x="8497665" y="4924270"/>
+            <a:ext cx="457200" cy="457200"/>
+          </a:xfrm>
+          <a:prstGeom prst="ellipse">
+            <a:avLst/>
+          </a:prstGeom>
+          <a:solidFill>
+            <a:schemeClr val="accent2"/>
+          </a:solidFill>
+          <a:ln w="28575">
+            <a:solidFill>
+              <a:schemeClr val="tx1"/>
+            </a:solidFill>
+          </a:ln>
+        </p:spPr>
+        <p:style>
+          <a:lnRef idx="2">
+            <a:schemeClr val="accent1">
+              <a:shade val="50000"/>
+            </a:schemeClr>
+          </a:lnRef>
+          <a:fillRef idx="1">
+            <a:schemeClr val="accent1"/>
+          </a:fillRef>
+          <a:effectRef idx="0">
+            <a:schemeClr val="accent1"/>
+          </a:effectRef>
+          <a:fontRef idx="minor">
+            <a:schemeClr val="lt1"/>
+          </a:fontRef>
+        </p:style>
+        <p:txBody>
+          <a:bodyPr rtlCol="0" anchor="ctr"/>
+          <a:lstStyle/>
+          <a:p>
+            <a:pPr algn="ctr"/>
+            <a:endParaRPr lang="en-US"/>
+          </a:p>
+        </p:txBody>
+      </p:sp>
+      <p:sp>
+        <p:nvSpPr>
+          <p:cNvPr id="43" name="Oval 42"/>
+          <p:cNvSpPr/>
+          <p:nvPr/>
+        </p:nvSpPr>
+        <p:spPr>
+          <a:xfrm>
+            <a:off x="9788493" y="4924270"/>
+            <a:ext cx="457200" cy="457200"/>
+          </a:xfrm>
+          <a:prstGeom prst="ellipse">
+            <a:avLst/>
+          </a:prstGeom>
+          <a:solidFill>
+            <a:srgbClr val="FFFF00"/>
+          </a:solidFill>
+          <a:ln w="28575">
+            <a:solidFill>
+              <a:schemeClr val="tx1"/>
+            </a:solidFill>
+          </a:ln>
+        </p:spPr>
+        <p:style>
+          <a:lnRef idx="2">
+            <a:schemeClr val="accent1">
+              <a:shade val="50000"/>
+            </a:schemeClr>
+          </a:lnRef>
+          <a:fillRef idx="1">
+            <a:schemeClr val="accent1"/>
+          </a:fillRef>
+          <a:effectRef idx="0">
+            <a:schemeClr val="accent1"/>
+          </a:effectRef>
+          <a:fontRef idx="minor">
+            <a:schemeClr val="lt1"/>
+          </a:fontRef>
+        </p:style>
+        <p:txBody>
+          <a:bodyPr rtlCol="0" anchor="ctr"/>
+          <a:lstStyle/>
+          <a:p>
+            <a:pPr algn="ctr"/>
+            <a:endParaRPr lang="en-US"/>
+          </a:p>
+        </p:txBody>
+      </p:sp>
+      <p:sp>
+        <p:nvSpPr>
+          <p:cNvPr id="50" name="Oval 49"/>
+          <p:cNvSpPr/>
+          <p:nvPr/>
+        </p:nvSpPr>
+        <p:spPr>
+          <a:xfrm>
+            <a:off x="11079321" y="4924270"/>
+            <a:ext cx="457200" cy="457200"/>
+          </a:xfrm>
+          <a:prstGeom prst="ellipse">
+            <a:avLst/>
+          </a:prstGeom>
+          <a:solidFill>
+            <a:srgbClr val="FFFF00"/>
+          </a:solidFill>
+          <a:ln w="28575">
+            <a:solidFill>
+              <a:schemeClr val="tx1"/>
+            </a:solidFill>
+          </a:ln>
+        </p:spPr>
+        <p:style>
+          <a:lnRef idx="2">
+            <a:schemeClr val="accent1">
+              <a:shade val="50000"/>
+            </a:schemeClr>
+          </a:lnRef>
+          <a:fillRef idx="1">
+            <a:schemeClr val="accent1"/>
+          </a:fillRef>
+          <a:effectRef idx="0">
+            <a:schemeClr val="accent1"/>
+          </a:effectRef>
+          <a:fontRef idx="minor">
+            <a:schemeClr val="lt1"/>
+          </a:fontRef>
+        </p:style>
+        <p:txBody>
+          <a:bodyPr rtlCol="0" anchor="ctr"/>
+          <a:lstStyle/>
+          <a:p>
+            <a:pPr algn="ctr"/>
+            <a:endParaRPr lang="en-US"/>
+          </a:p>
+        </p:txBody>
+      </p:sp>
+      <p:sp>
+        <p:nvSpPr>
+          <p:cNvPr id="44" name="Oval 43"/>
+          <p:cNvSpPr/>
+          <p:nvPr/>
+        </p:nvSpPr>
+        <p:spPr>
+          <a:xfrm>
+            <a:off x="5133468" y="593376"/>
+            <a:ext cx="457200" cy="457200"/>
+          </a:xfrm>
+          <a:prstGeom prst="ellipse">
+            <a:avLst/>
+          </a:prstGeom>
+          <a:solidFill>
+            <a:schemeClr val="accent2"/>
+          </a:solidFill>
+          <a:ln w="28575">
+            <a:solidFill>
+              <a:schemeClr val="tx1"/>
+            </a:solidFill>
+          </a:ln>
+        </p:spPr>
+        <p:style>
+          <a:lnRef idx="2">
+            <a:schemeClr val="accent1">
+              <a:shade val="50000"/>
+            </a:schemeClr>
+          </a:lnRef>
+          <a:fillRef idx="1">
+            <a:schemeClr val="accent1"/>
+          </a:fillRef>
+          <a:effectRef idx="0">
+            <a:schemeClr val="accent1"/>
+          </a:effectRef>
+          <a:fontRef idx="minor">
+            <a:schemeClr val="lt1"/>
+          </a:fontRef>
+        </p:style>
+        <p:txBody>
+          <a:bodyPr rtlCol="0" anchor="ctr"/>
+          <a:lstStyle/>
+          <a:p>
+            <a:pPr algn="ctr"/>
+            <a:endParaRPr lang="en-US"/>
+          </a:p>
+        </p:txBody>
+      </p:sp>
+      <p:sp>
+        <p:nvSpPr>
+          <p:cNvPr id="2" name="Left Brace 1"/>
+          <p:cNvSpPr/>
+          <p:nvPr/>
+        </p:nvSpPr>
+        <p:spPr>
+          <a:xfrm rot="5400000">
+            <a:off x="2238806" y="342195"/>
+            <a:ext cx="241708" cy="3347720"/>
+          </a:xfrm>
+          <a:prstGeom prst="leftBrace">
+            <a:avLst>
+              <a:gd name="adj1" fmla="val 306501"/>
+              <a:gd name="adj2" fmla="val 50000"/>
+            </a:avLst>
+          </a:prstGeom>
+          <a:ln w="28575">
+            <a:solidFill>
+              <a:schemeClr val="bg2">
+                <a:lumMod val="75000"/>
+              </a:schemeClr>
+            </a:solidFill>
+            <a:tailEnd type="triangle"/>
+          </a:ln>
+        </p:spPr>
+        <p:style>
+          <a:lnRef idx="1">
+            <a:schemeClr val="accent1"/>
+          </a:lnRef>
+          <a:fillRef idx="0">
+            <a:schemeClr val="accent1"/>
+          </a:fillRef>
+          <a:effectRef idx="0">
+            <a:schemeClr val="accent1"/>
+          </a:effectRef>
+          <a:fontRef idx="minor">
+            <a:schemeClr val="tx1"/>
+          </a:fontRef>
+        </p:style>
+        <p:txBody>
+          <a:bodyPr rtlCol="0" anchor="ctr"/>
+          <a:lstStyle/>
+          <a:p>
+            <a:pPr algn="ctr"/>
+            <a:endParaRPr lang="en-US">
+              <a:solidFill>
+                <a:schemeClr val="bg2"/>
+              </a:solidFill>
+            </a:endParaRPr>
+          </a:p>
+        </p:txBody>
+      </p:sp>
+      <p:sp>
+        <p:nvSpPr>
+          <p:cNvPr id="3" name="TextBox 2"/>
+          <p:cNvSpPr txBox="1"/>
+          <p:nvPr/>
+        </p:nvSpPr>
+        <p:spPr>
+          <a:xfrm>
+            <a:off x="1538505" y="1519285"/>
+            <a:ext cx="1642309" cy="369332"/>
+          </a:xfrm>
+          <a:prstGeom prst="rect">
+            <a:avLst/>
+          </a:prstGeom>
+          <a:noFill/>
+        </p:spPr>
+        <p:txBody>
+          <a:bodyPr wrap="none" rtlCol="0">
+            <a:spAutoFit/>
+          </a:bodyPr>
+          <a:lstStyle/>
+          <a:p>
+            <a:r>
+              <a:rPr lang="en-US" dirty="0">
+                <a:solidFill>
+                  <a:schemeClr val="bg2">
+                    <a:lumMod val="75000"/>
+                  </a:schemeClr>
+                </a:solidFill>
+              </a:rPr>
+              <a:t>Validity Interval</a:t>
+            </a:r>
+          </a:p>
+        </p:txBody>
+      </p:sp>
+      <p:sp>
+        <p:nvSpPr>
+          <p:cNvPr id="45" name="Left Brace 44"/>
+          <p:cNvSpPr/>
+          <p:nvPr/>
+        </p:nvSpPr>
+        <p:spPr>
+          <a:xfrm rot="5400000">
+            <a:off x="7531070" y="268967"/>
+            <a:ext cx="241708" cy="3471832"/>
+          </a:xfrm>
+          <a:prstGeom prst="leftBrace">
+            <a:avLst>
+              <a:gd name="adj1" fmla="val 306501"/>
+              <a:gd name="adj2" fmla="val 50000"/>
+            </a:avLst>
+          </a:prstGeom>
+          <a:ln w="28575">
+            <a:solidFill>
+              <a:schemeClr val="bg2">
+                <a:lumMod val="75000"/>
+              </a:schemeClr>
+            </a:solidFill>
+            <a:tailEnd type="triangle"/>
+          </a:ln>
+        </p:spPr>
+        <p:style>
+          <a:lnRef idx="1">
+            <a:schemeClr val="accent1"/>
+          </a:lnRef>
+          <a:fillRef idx="0">
+            <a:schemeClr val="accent1"/>
+          </a:fillRef>
+          <a:effectRef idx="0">
+            <a:schemeClr val="accent1"/>
+          </a:effectRef>
+          <a:fontRef idx="minor">
+            <a:schemeClr val="tx1"/>
+          </a:fontRef>
+        </p:style>
+        <p:txBody>
+          <a:bodyPr rtlCol="0" anchor="ctr"/>
+          <a:lstStyle/>
+          <a:p>
+            <a:pPr algn="ctr"/>
+            <a:endParaRPr lang="en-US">
+              <a:solidFill>
+                <a:schemeClr val="bg2"/>
+              </a:solidFill>
+            </a:endParaRPr>
+          </a:p>
+        </p:txBody>
+      </p:sp>
+      <p:sp>
+        <p:nvSpPr>
+          <p:cNvPr id="46" name="TextBox 45"/>
+          <p:cNvSpPr txBox="1"/>
+          <p:nvPr/>
+        </p:nvSpPr>
+        <p:spPr>
+          <a:xfrm>
+            <a:off x="6830769" y="1458794"/>
+            <a:ext cx="1642309" cy="369332"/>
+          </a:xfrm>
+          <a:prstGeom prst="rect">
+            <a:avLst/>
+          </a:prstGeom>
+          <a:noFill/>
+        </p:spPr>
+        <p:txBody>
+          <a:bodyPr wrap="none" rtlCol="0">
+            <a:spAutoFit/>
+          </a:bodyPr>
+          <a:lstStyle/>
+          <a:p>
+            <a:r>
+              <a:rPr lang="en-US" dirty="0">
+                <a:solidFill>
+                  <a:schemeClr val="bg2">
+                    <a:lumMod val="75000"/>
+                  </a:schemeClr>
+                </a:solidFill>
+              </a:rPr>
+              <a:t>Validity Interval</a:t>
+            </a:r>
+          </a:p>
+        </p:txBody>
+      </p:sp>
+      <p:sp>
+        <p:nvSpPr>
+          <p:cNvPr id="49" name="Rectangle 48"/>
+          <p:cNvSpPr/>
+          <p:nvPr/>
+        </p:nvSpPr>
+        <p:spPr>
+          <a:xfrm>
+            <a:off x="10837862" y="5956779"/>
+            <a:ext cx="1229360" cy="457200"/>
+          </a:xfrm>
+          <a:prstGeom prst="rect">
+            <a:avLst/>
+          </a:prstGeom>
+          <a:solidFill>
+            <a:srgbClr val="FF0000"/>
+          </a:solidFill>
+          <a:ln w="28575">
+            <a:solidFill>
+              <a:schemeClr val="tx1"/>
+            </a:solidFill>
+          </a:ln>
+        </p:spPr>
+        <p:style>
+          <a:lnRef idx="2">
+            <a:schemeClr val="accent1">
+              <a:shade val="50000"/>
+            </a:schemeClr>
+          </a:lnRef>
+          <a:fillRef idx="1">
+            <a:schemeClr val="accent1"/>
+          </a:fillRef>
+          <a:effectRef idx="0">
+            <a:schemeClr val="accent1"/>
+          </a:effectRef>
+          <a:fontRef idx="minor">
+            <a:schemeClr val="lt1"/>
+          </a:fontRef>
+        </p:style>
+        <p:txBody>
+          <a:bodyPr rtlCol="0" anchor="ctr"/>
+          <a:lstStyle/>
+          <a:p>
+            <a:pPr algn="ctr"/>
+            <a:r>
+              <a:rPr lang="en-US" dirty="0">
+                <a:solidFill>
+                  <a:schemeClr val="tx1"/>
+                </a:solidFill>
+              </a:rPr>
+              <a:t>Failure</a:t>
+            </a:r>
+          </a:p>
+        </p:txBody>
+      </p:sp>
+      <p:cxnSp>
+        <p:nvCxnSpPr>
+          <p:cNvPr id="51" name="Straight Arrow Connector 50"/>
+          <p:cNvCxnSpPr/>
+          <p:nvPr/>
+        </p:nvCxnSpPr>
+        <p:spPr>
+          <a:xfrm>
+            <a:off x="11909742" y="5148807"/>
+            <a:ext cx="0" cy="807972"/>
+          </a:xfrm>
+          <a:prstGeom prst="straightConnector1">
+            <a:avLst/>
+          </a:prstGeom>
+          <a:ln>
+            <a:solidFill>
+              <a:schemeClr val="tx1"/>
+            </a:solidFill>
+            <a:tailEnd type="triangle"/>
+          </a:ln>
+        </p:spPr>
+        <p:style>
+          <a:lnRef idx="1">
+            <a:schemeClr val="accent1"/>
+          </a:lnRef>
+          <a:fillRef idx="0">
+            <a:schemeClr val="accent1"/>
+          </a:fillRef>
+          <a:effectRef idx="0">
+            <a:schemeClr val="accent1"/>
+          </a:effectRef>
+          <a:fontRef idx="minor">
+            <a:schemeClr val="tx1"/>
+          </a:fontRef>
+        </p:style>
+      </p:cxnSp>
+      <p:sp>
+        <p:nvSpPr>
+          <p:cNvPr id="54" name="Left Brace 53"/>
+          <p:cNvSpPr/>
+          <p:nvPr/>
+        </p:nvSpPr>
+        <p:spPr>
+          <a:xfrm rot="5400000">
+            <a:off x="2408497" y="2763145"/>
+            <a:ext cx="241708" cy="3771769"/>
+          </a:xfrm>
+          <a:prstGeom prst="leftBrace">
+            <a:avLst>
+              <a:gd name="adj1" fmla="val 306501"/>
+              <a:gd name="adj2" fmla="val 50000"/>
+            </a:avLst>
+          </a:prstGeom>
+          <a:ln w="28575">
+            <a:solidFill>
+              <a:schemeClr val="bg2">
+                <a:lumMod val="75000"/>
+              </a:schemeClr>
+            </a:solidFill>
+            <a:tailEnd type="triangle"/>
+          </a:ln>
+        </p:spPr>
+        <p:style>
+          <a:lnRef idx="1">
+            <a:schemeClr val="accent1"/>
+          </a:lnRef>
+          <a:fillRef idx="0">
+            <a:schemeClr val="accent1"/>
+          </a:fillRef>
+          <a:effectRef idx="0">
+            <a:schemeClr val="accent1"/>
+          </a:effectRef>
+          <a:fontRef idx="minor">
+            <a:schemeClr val="tx1"/>
+          </a:fontRef>
+        </p:style>
+        <p:txBody>
+          <a:bodyPr rtlCol="0" anchor="ctr"/>
+          <a:lstStyle/>
+          <a:p>
+            <a:pPr algn="ctr"/>
+            <a:endParaRPr lang="en-US">
+              <a:solidFill>
+                <a:schemeClr val="bg2"/>
+              </a:solidFill>
+            </a:endParaRPr>
+          </a:p>
+        </p:txBody>
+      </p:sp>
+      <p:sp>
+        <p:nvSpPr>
+          <p:cNvPr id="55" name="TextBox 54"/>
+          <p:cNvSpPr txBox="1"/>
+          <p:nvPr/>
+        </p:nvSpPr>
+        <p:spPr>
+          <a:xfrm>
+            <a:off x="1708196" y="4146518"/>
+            <a:ext cx="1642309" cy="369332"/>
+          </a:xfrm>
+          <a:prstGeom prst="rect">
+            <a:avLst/>
+          </a:prstGeom>
+          <a:noFill/>
+        </p:spPr>
+        <p:txBody>
+          <a:bodyPr wrap="none" rtlCol="0">
+            <a:spAutoFit/>
+          </a:bodyPr>
+          <a:lstStyle/>
+          <a:p>
+            <a:r>
+              <a:rPr lang="en-US" dirty="0">
+                <a:solidFill>
+                  <a:schemeClr val="bg2">
+                    <a:lumMod val="75000"/>
+                  </a:schemeClr>
+                </a:solidFill>
+              </a:rPr>
+              <a:t>Validity Interval</a:t>
+            </a:r>
+          </a:p>
+        </p:txBody>
+      </p:sp>
+      <p:sp>
+        <p:nvSpPr>
+          <p:cNvPr id="56" name="Left Brace 55"/>
+          <p:cNvSpPr/>
+          <p:nvPr/>
+        </p:nvSpPr>
+        <p:spPr>
+          <a:xfrm rot="5400000">
+            <a:off x="6732913" y="3347345"/>
+            <a:ext cx="241708" cy="2692400"/>
+          </a:xfrm>
+          <a:prstGeom prst="leftBrace">
+            <a:avLst>
+              <a:gd name="adj1" fmla="val 306501"/>
+              <a:gd name="adj2" fmla="val 50000"/>
+            </a:avLst>
+          </a:prstGeom>
+          <a:ln w="28575">
+            <a:solidFill>
+              <a:schemeClr val="bg2">
+                <a:lumMod val="75000"/>
+              </a:schemeClr>
+            </a:solidFill>
+            <a:tailEnd type="triangle"/>
+          </a:ln>
+        </p:spPr>
+        <p:style>
+          <a:lnRef idx="1">
+            <a:schemeClr val="accent1"/>
+          </a:lnRef>
+          <a:fillRef idx="0">
+            <a:schemeClr val="accent1"/>
+          </a:fillRef>
+          <a:effectRef idx="0">
+            <a:schemeClr val="accent1"/>
+          </a:effectRef>
+          <a:fontRef idx="minor">
+            <a:schemeClr val="tx1"/>
+          </a:fontRef>
+        </p:style>
+        <p:txBody>
+          <a:bodyPr rtlCol="0" anchor="ctr"/>
+          <a:lstStyle/>
+          <a:p>
+            <a:pPr algn="ctr"/>
+            <a:endParaRPr lang="en-US">
+              <a:solidFill>
+                <a:schemeClr val="bg2"/>
+              </a:solidFill>
+            </a:endParaRPr>
+          </a:p>
+        </p:txBody>
+      </p:sp>
+      <p:sp>
+        <p:nvSpPr>
+          <p:cNvPr id="57" name="TextBox 56"/>
+          <p:cNvSpPr txBox="1"/>
+          <p:nvPr/>
+        </p:nvSpPr>
+        <p:spPr>
+          <a:xfrm>
+            <a:off x="6032612" y="4166536"/>
+            <a:ext cx="1642309" cy="369332"/>
+          </a:xfrm>
+          <a:prstGeom prst="rect">
+            <a:avLst/>
+          </a:prstGeom>
+          <a:noFill/>
+        </p:spPr>
+        <p:txBody>
+          <a:bodyPr wrap="none" rtlCol="0">
+            <a:spAutoFit/>
+          </a:bodyPr>
+          <a:lstStyle/>
+          <a:p>
+            <a:r>
+              <a:rPr lang="en-US" dirty="0">
+                <a:solidFill>
+                  <a:schemeClr val="bg2">
+                    <a:lumMod val="75000"/>
+                  </a:schemeClr>
+                </a:solidFill>
+              </a:rPr>
+              <a:t>Validity Interval</a:t>
+            </a:r>
+          </a:p>
+        </p:txBody>
+      </p:sp>
+      <p:sp>
+        <p:nvSpPr>
+          <p:cNvPr id="47" name="Rectangle 46"/>
+          <p:cNvSpPr/>
+          <p:nvPr/>
+        </p:nvSpPr>
+        <p:spPr>
+          <a:xfrm>
+            <a:off x="5788934" y="3089199"/>
+            <a:ext cx="1229360" cy="457200"/>
+          </a:xfrm>
+          <a:prstGeom prst="rect">
+            <a:avLst/>
+          </a:prstGeom>
+          <a:solidFill>
+            <a:srgbClr val="00B050"/>
+          </a:solidFill>
+          <a:ln w="28575">
+            <a:solidFill>
+              <a:schemeClr val="tx1"/>
+            </a:solidFill>
+          </a:ln>
+        </p:spPr>
+        <p:style>
+          <a:lnRef idx="2">
+            <a:schemeClr val="accent1">
+              <a:shade val="50000"/>
+            </a:schemeClr>
+          </a:lnRef>
+          <a:fillRef idx="1">
+            <a:schemeClr val="accent1"/>
+          </a:fillRef>
+          <a:effectRef idx="0">
+            <a:schemeClr val="accent1"/>
+          </a:effectRef>
+          <a:fontRef idx="minor">
+            <a:schemeClr val="lt1"/>
+          </a:fontRef>
+        </p:style>
+        <p:txBody>
+          <a:bodyPr rtlCol="0" anchor="ctr"/>
+          <a:lstStyle/>
+          <a:p>
+            <a:pPr algn="ctr"/>
+            <a:r>
+              <a:rPr lang="en-US" dirty="0">
+                <a:solidFill>
+                  <a:schemeClr val="tx1"/>
+                </a:solidFill>
+              </a:rPr>
+              <a:t>Success</a:t>
+            </a:r>
+          </a:p>
+        </p:txBody>
+      </p:sp>
+      <p:cxnSp>
+        <p:nvCxnSpPr>
+          <p:cNvPr id="48" name="Elbow Connector 47"/>
+          <p:cNvCxnSpPr>
+            <a:endCxn id="47" idx="1"/>
+          </p:cNvCxnSpPr>
+          <p:nvPr/>
+        </p:nvCxnSpPr>
+        <p:spPr>
+          <a:xfrm rot="16200000" flipH="1">
+            <a:off x="5156732" y="2685596"/>
+            <a:ext cx="850643" cy="413765"/>
+          </a:xfrm>
+          <a:prstGeom prst="bentConnector2">
+            <a:avLst/>
+          </a:prstGeom>
+          <a:ln>
+            <a:solidFill>
+              <a:schemeClr val="tx1"/>
+            </a:solidFill>
+            <a:tailEnd type="triangle"/>
+          </a:ln>
+        </p:spPr>
+        <p:style>
+          <a:lnRef idx="1">
+            <a:schemeClr val="accent1"/>
+          </a:lnRef>
+          <a:fillRef idx="0">
+            <a:schemeClr val="accent1"/>
+          </a:fillRef>
+          <a:effectRef idx="0">
+            <a:schemeClr val="accent1"/>
+          </a:effectRef>
+          <a:fontRef idx="minor">
+            <a:schemeClr val="tx1"/>
+          </a:fontRef>
+        </p:style>
+      </p:cxnSp>
+    </p:spTree>
+    <p:extLst>
+      <p:ext uri="{BB962C8B-B14F-4D97-AF65-F5344CB8AC3E}">
+        <p14:creationId xmlns:p14="http://schemas.microsoft.com/office/powerpoint/2010/main" val="3569708299"/>
+      </p:ext>
+    </p:extLst>
+  </p:cSld>
+  <p:clrMapOvr>
+    <a:masterClrMapping/>
+  </p:clrMapOvr>
+</p:sld>
+</file>
+
+<file path=ppt/slides/slide18.xml><?xml version="1.0" encoding="utf-8"?>
+<p:sld xmlns:a="http://schemas.openxmlformats.org/drawingml/2006/main" xmlns:r="http://schemas.openxmlformats.org/officeDocument/2006/relationships" xmlns:p="http://schemas.openxmlformats.org/presentationml/2006/main">
+  <p:cSld>
+    <p:spTree>
+      <p:nvGrpSpPr>
+        <p:cNvPr id="1" name=""/>
+        <p:cNvGrpSpPr/>
+        <p:nvPr/>
+      </p:nvGrpSpPr>
+      <p:grpSpPr>
+        <a:xfrm>
+          <a:off x="0" y="0"/>
+          <a:ext cx="0" cy="0"/>
+          <a:chOff x="0" y="0"/>
+          <a:chExt cx="0" cy="0"/>
+        </a:xfrm>
+      </p:grpSpPr>
+      <p:sp>
+        <p:nvSpPr>
+          <p:cNvPr id="11" name="Rectangle 10"/>
+          <p:cNvSpPr/>
+          <p:nvPr/>
+        </p:nvSpPr>
+        <p:spPr>
+          <a:xfrm>
+            <a:off x="428593" y="258064"/>
+            <a:ext cx="11697208" cy="1127825"/>
+          </a:xfrm>
+          <a:prstGeom prst="rect">
+            <a:avLst/>
+          </a:prstGeom>
+          <a:solidFill>
+            <a:schemeClr val="bg1"/>
+          </a:solidFill>
+          <a:ln w="19050">
+            <a:solidFill>
+              <a:schemeClr val="bg1"/>
+            </a:solidFill>
+          </a:ln>
+        </p:spPr>
+        <p:style>
+          <a:lnRef idx="2">
+            <a:schemeClr val="accent1">
+              <a:shade val="50000"/>
+            </a:schemeClr>
+          </a:lnRef>
+          <a:fillRef idx="1">
+            <a:schemeClr val="accent1"/>
+          </a:fillRef>
+          <a:effectRef idx="0">
+            <a:schemeClr val="accent1"/>
+          </a:effectRef>
+          <a:fontRef idx="minor">
+            <a:schemeClr val="lt1"/>
+          </a:fontRef>
+        </p:style>
+        <p:txBody>
+          <a:bodyPr rtlCol="0" anchor="ctr"/>
+          <a:lstStyle/>
+          <a:p>
+            <a:pPr algn="ctr"/>
+            <a:r>
+              <a:rPr lang="en-US" sz="3200" dirty="0">
+                <a:solidFill>
+                  <a:schemeClr val="tx1"/>
+                </a:solidFill>
+                <a:latin typeface="+mj-lt"/>
+              </a:rPr>
+              <a:t>exist(between(</a:t>
+            </a:r>
+            <a:r>
+              <a:rPr lang="en-US" sz="3200" dirty="0" err="1">
+                <a:solidFill>
+                  <a:schemeClr val="tx1"/>
+                </a:solidFill>
+                <a:latin typeface="+mj-lt"/>
+              </a:rPr>
+              <a:t>anEventThat</a:t>
+            </a:r>
+            <a:r>
+              <a:rPr lang="en-US" sz="3200" dirty="0">
+                <a:solidFill>
+                  <a:schemeClr val="tx1"/>
+                </a:solidFill>
+                <a:latin typeface="+mj-lt"/>
+              </a:rPr>
+              <a:t>(       ), </a:t>
+            </a:r>
+            <a:r>
+              <a:rPr lang="en-US" sz="3200" dirty="0" err="1">
+                <a:solidFill>
+                  <a:schemeClr val="tx1"/>
+                </a:solidFill>
+                <a:latin typeface="+mj-lt"/>
+              </a:rPr>
+              <a:t>anEventThat</a:t>
+            </a:r>
+            <a:r>
+              <a:rPr lang="en-US" sz="3200" dirty="0">
+                <a:solidFill>
+                  <a:schemeClr val="tx1"/>
+                </a:solidFill>
+              </a:rPr>
+              <a:t>(       )</a:t>
+            </a:r>
+            <a:r>
+              <a:rPr lang="en-US" sz="3200" dirty="0">
+                <a:solidFill>
+                  <a:schemeClr val="tx1"/>
+                </a:solidFill>
+                <a:latin typeface="+mj-lt"/>
+              </a:rPr>
+              <a:t>), exactly(2)).</a:t>
+            </a:r>
+            <a:r>
+              <a:rPr lang="en-US" sz="3200" dirty="0" err="1">
+                <a:solidFill>
+                  <a:schemeClr val="tx1"/>
+                </a:solidFill>
+                <a:latin typeface="+mj-lt"/>
+              </a:rPr>
+              <a:t>eventsWhereEach</a:t>
+            </a:r>
+            <a:r>
+              <a:rPr lang="en-US" sz="3200" dirty="0">
+                <a:solidFill>
+                  <a:schemeClr val="tx1"/>
+                </a:solidFill>
+                <a:latin typeface="+mj-lt"/>
+              </a:rPr>
+              <a:t>(       )</a:t>
+            </a:r>
+          </a:p>
+        </p:txBody>
+      </p:sp>
+      <p:sp>
+        <p:nvSpPr>
+          <p:cNvPr id="18" name="Oval 17"/>
+          <p:cNvSpPr/>
+          <p:nvPr/>
+        </p:nvSpPr>
+        <p:spPr>
+          <a:xfrm>
+            <a:off x="8401603" y="870250"/>
+            <a:ext cx="457200" cy="457200"/>
+          </a:xfrm>
+          <a:prstGeom prst="ellipse">
+            <a:avLst/>
+          </a:prstGeom>
+          <a:solidFill>
+            <a:srgbClr val="00B0F0"/>
+          </a:solidFill>
+          <a:ln w="28575">
+            <a:solidFill>
+              <a:schemeClr val="tx1"/>
+            </a:solidFill>
+          </a:ln>
+        </p:spPr>
+        <p:style>
+          <a:lnRef idx="2">
+            <a:schemeClr val="accent1">
+              <a:shade val="50000"/>
+            </a:schemeClr>
+          </a:lnRef>
+          <a:fillRef idx="1">
+            <a:schemeClr val="accent1"/>
+          </a:fillRef>
+          <a:effectRef idx="0">
+            <a:schemeClr val="accent1"/>
+          </a:effectRef>
+          <a:fontRef idx="minor">
+            <a:schemeClr val="lt1"/>
+          </a:fontRef>
+        </p:style>
+        <p:txBody>
+          <a:bodyPr rtlCol="0" anchor="ctr"/>
+          <a:lstStyle/>
+          <a:p>
+            <a:pPr algn="ctr"/>
+            <a:endParaRPr lang="en-US"/>
+          </a:p>
+        </p:txBody>
+      </p:sp>
+      <p:cxnSp>
+        <p:nvCxnSpPr>
+          <p:cNvPr id="21" name="Straight Arrow Connector 20"/>
+          <p:cNvCxnSpPr/>
+          <p:nvPr/>
+        </p:nvCxnSpPr>
+        <p:spPr>
+          <a:xfrm>
+            <a:off x="428593" y="2454971"/>
+            <a:ext cx="11697208" cy="0"/>
+          </a:xfrm>
+          <a:prstGeom prst="straightConnector1">
+            <a:avLst/>
+          </a:prstGeom>
+          <a:solidFill>
+            <a:srgbClr val="FFFF00"/>
+          </a:solidFill>
+          <a:ln w="28575">
+            <a:solidFill>
+              <a:schemeClr val="tx1"/>
+            </a:solidFill>
+          </a:ln>
+        </p:spPr>
+        <p:style>
+          <a:lnRef idx="2">
+            <a:schemeClr val="accent1">
+              <a:shade val="50000"/>
+            </a:schemeClr>
+          </a:lnRef>
+          <a:fillRef idx="1">
+            <a:schemeClr val="accent1"/>
+          </a:fillRef>
+          <a:effectRef idx="0">
+            <a:schemeClr val="accent1"/>
+          </a:effectRef>
+          <a:fontRef idx="minor">
+            <a:schemeClr val="lt1"/>
+          </a:fontRef>
+        </p:style>
+      </p:cxnSp>
+      <p:sp>
+        <p:nvSpPr>
+          <p:cNvPr id="22" name="Oval 21"/>
+          <p:cNvSpPr/>
+          <p:nvPr/>
+        </p:nvSpPr>
+        <p:spPr>
+          <a:xfrm>
+            <a:off x="752697" y="2226372"/>
+            <a:ext cx="457200" cy="457200"/>
+          </a:xfrm>
+          <a:prstGeom prst="ellipse">
+            <a:avLst/>
+          </a:prstGeom>
+          <a:solidFill>
+            <a:schemeClr val="accent2"/>
+          </a:solidFill>
+          <a:ln w="28575">
+            <a:solidFill>
+              <a:schemeClr val="tx1"/>
+            </a:solidFill>
+          </a:ln>
+        </p:spPr>
+        <p:style>
+          <a:lnRef idx="2">
+            <a:schemeClr val="accent1">
+              <a:shade val="50000"/>
+            </a:schemeClr>
+          </a:lnRef>
+          <a:fillRef idx="1">
+            <a:schemeClr val="accent1"/>
+          </a:fillRef>
+          <a:effectRef idx="0">
+            <a:schemeClr val="accent1"/>
+          </a:effectRef>
+          <a:fontRef idx="minor">
+            <a:schemeClr val="lt1"/>
+          </a:fontRef>
+        </p:style>
+        <p:txBody>
+          <a:bodyPr rtlCol="0" anchor="ctr"/>
+          <a:lstStyle/>
+          <a:p>
+            <a:pPr algn="ctr"/>
+            <a:endParaRPr lang="en-US"/>
+          </a:p>
+        </p:txBody>
+      </p:sp>
+      <p:sp>
+        <p:nvSpPr>
+          <p:cNvPr id="23" name="Oval 22"/>
+          <p:cNvSpPr/>
+          <p:nvPr/>
+        </p:nvSpPr>
+        <p:spPr>
+          <a:xfrm>
+            <a:off x="2043525" y="2237544"/>
+            <a:ext cx="457200" cy="457200"/>
+          </a:xfrm>
+          <a:prstGeom prst="ellipse">
+            <a:avLst/>
+          </a:prstGeom>
+          <a:solidFill>
+            <a:srgbClr val="FFFF00"/>
+          </a:solidFill>
+          <a:ln w="28575">
+            <a:solidFill>
+              <a:schemeClr val="tx1"/>
+            </a:solidFill>
+          </a:ln>
+        </p:spPr>
+        <p:style>
+          <a:lnRef idx="2">
+            <a:schemeClr val="accent1">
+              <a:shade val="50000"/>
+            </a:schemeClr>
+          </a:lnRef>
+          <a:fillRef idx="1">
+            <a:schemeClr val="accent1"/>
+          </a:fillRef>
+          <a:effectRef idx="0">
+            <a:schemeClr val="accent1"/>
+          </a:effectRef>
+          <a:fontRef idx="minor">
+            <a:schemeClr val="lt1"/>
+          </a:fontRef>
+        </p:style>
+        <p:txBody>
+          <a:bodyPr rtlCol="0" anchor="ctr"/>
+          <a:lstStyle/>
+          <a:p>
+            <a:pPr algn="ctr"/>
+            <a:endParaRPr lang="en-US"/>
+          </a:p>
+        </p:txBody>
+      </p:sp>
+      <p:sp>
+        <p:nvSpPr>
+          <p:cNvPr id="24" name="Oval 23"/>
+          <p:cNvSpPr/>
+          <p:nvPr/>
+        </p:nvSpPr>
+        <p:spPr>
+          <a:xfrm>
+            <a:off x="3334353" y="2237544"/>
+            <a:ext cx="457200" cy="457200"/>
+          </a:xfrm>
+          <a:prstGeom prst="ellipse">
+            <a:avLst/>
+          </a:prstGeom>
+          <a:solidFill>
+            <a:srgbClr val="F32BB5"/>
+          </a:solidFill>
+          <a:ln w="28575">
+            <a:solidFill>
+              <a:schemeClr val="tx1"/>
+            </a:solidFill>
+          </a:ln>
+        </p:spPr>
+        <p:style>
+          <a:lnRef idx="2">
+            <a:schemeClr val="accent1">
+              <a:shade val="50000"/>
+            </a:schemeClr>
+          </a:lnRef>
+          <a:fillRef idx="1">
+            <a:schemeClr val="accent1"/>
+          </a:fillRef>
+          <a:effectRef idx="0">
+            <a:schemeClr val="accent1"/>
+          </a:effectRef>
+          <a:fontRef idx="minor">
+            <a:schemeClr val="lt1"/>
+          </a:fontRef>
+        </p:style>
+        <p:txBody>
+          <a:bodyPr rtlCol="0" anchor="ctr"/>
+          <a:lstStyle/>
+          <a:p>
+            <a:pPr algn="ctr"/>
+            <a:endParaRPr lang="en-US"/>
+          </a:p>
+        </p:txBody>
+      </p:sp>
+      <p:sp>
+        <p:nvSpPr>
+          <p:cNvPr id="25" name="Oval 24"/>
+          <p:cNvSpPr/>
+          <p:nvPr/>
+        </p:nvSpPr>
+        <p:spPr>
+          <a:xfrm>
+            <a:off x="4625181" y="2237544"/>
+            <a:ext cx="457200" cy="457200"/>
+          </a:xfrm>
+          <a:prstGeom prst="ellipse">
+            <a:avLst/>
+          </a:prstGeom>
+          <a:solidFill>
+            <a:srgbClr val="FFFF00"/>
+          </a:solidFill>
+          <a:ln w="28575">
+            <a:solidFill>
+              <a:schemeClr val="tx1"/>
+            </a:solidFill>
+          </a:ln>
+        </p:spPr>
+        <p:style>
+          <a:lnRef idx="2">
+            <a:schemeClr val="accent1">
+              <a:shade val="50000"/>
+            </a:schemeClr>
+          </a:lnRef>
+          <a:fillRef idx="1">
+            <a:schemeClr val="accent1"/>
+          </a:fillRef>
+          <a:effectRef idx="0">
+            <a:schemeClr val="accent1"/>
+          </a:effectRef>
+          <a:fontRef idx="minor">
+            <a:schemeClr val="lt1"/>
+          </a:fontRef>
+        </p:style>
+        <p:txBody>
+          <a:bodyPr rtlCol="0" anchor="ctr"/>
+          <a:lstStyle/>
+          <a:p>
+            <a:pPr algn="ctr"/>
+            <a:endParaRPr lang="en-US"/>
+          </a:p>
+        </p:txBody>
+      </p:sp>
+      <p:sp>
+        <p:nvSpPr>
+          <p:cNvPr id="26" name="Oval 25"/>
+          <p:cNvSpPr/>
+          <p:nvPr/>
+        </p:nvSpPr>
+        <p:spPr>
+          <a:xfrm>
+            <a:off x="5916009" y="2237544"/>
+            <a:ext cx="457200" cy="457200"/>
+          </a:xfrm>
+          <a:prstGeom prst="ellipse">
+            <a:avLst/>
+          </a:prstGeom>
+          <a:solidFill>
+            <a:schemeClr val="accent2"/>
+          </a:solidFill>
+          <a:ln w="28575">
+            <a:solidFill>
+              <a:schemeClr val="tx1"/>
+            </a:solidFill>
+          </a:ln>
+        </p:spPr>
+        <p:style>
+          <a:lnRef idx="2">
+            <a:schemeClr val="accent1">
+              <a:shade val="50000"/>
+            </a:schemeClr>
+          </a:lnRef>
+          <a:fillRef idx="1">
+            <a:schemeClr val="accent1"/>
+          </a:fillRef>
+          <a:effectRef idx="0">
+            <a:schemeClr val="accent1"/>
+          </a:effectRef>
+          <a:fontRef idx="minor">
+            <a:schemeClr val="lt1"/>
+          </a:fontRef>
+        </p:style>
+        <p:txBody>
+          <a:bodyPr rtlCol="0" anchor="ctr"/>
+          <a:lstStyle/>
+          <a:p>
+            <a:pPr algn="ctr"/>
+            <a:endParaRPr lang="en-US"/>
+          </a:p>
+        </p:txBody>
+      </p:sp>
+      <p:sp>
+        <p:nvSpPr>
+          <p:cNvPr id="27" name="Oval 26"/>
+          <p:cNvSpPr/>
+          <p:nvPr/>
+        </p:nvSpPr>
+        <p:spPr>
+          <a:xfrm>
+            <a:off x="7206837" y="2237544"/>
+            <a:ext cx="457200" cy="457200"/>
+          </a:xfrm>
+          <a:prstGeom prst="ellipse">
+            <a:avLst/>
+          </a:prstGeom>
+          <a:solidFill>
+            <a:srgbClr val="00B0F0"/>
+          </a:solidFill>
+          <a:ln w="28575">
+            <a:solidFill>
+              <a:schemeClr val="tx1"/>
+            </a:solidFill>
+          </a:ln>
+        </p:spPr>
+        <p:style>
+          <a:lnRef idx="2">
+            <a:schemeClr val="accent1">
+              <a:shade val="50000"/>
+            </a:schemeClr>
+          </a:lnRef>
+          <a:fillRef idx="1">
+            <a:schemeClr val="accent1"/>
+          </a:fillRef>
+          <a:effectRef idx="0">
+            <a:schemeClr val="accent1"/>
+          </a:effectRef>
+          <a:fontRef idx="minor">
+            <a:schemeClr val="lt1"/>
+          </a:fontRef>
+        </p:style>
+        <p:txBody>
+          <a:bodyPr rtlCol="0" anchor="ctr"/>
+          <a:lstStyle/>
+          <a:p>
+            <a:pPr algn="ctr"/>
+            <a:endParaRPr lang="en-US"/>
+          </a:p>
+        </p:txBody>
+      </p:sp>
+      <p:sp>
+        <p:nvSpPr>
+          <p:cNvPr id="28" name="Oval 27"/>
+          <p:cNvSpPr/>
+          <p:nvPr/>
+        </p:nvSpPr>
+        <p:spPr>
+          <a:xfrm>
+            <a:off x="8497665" y="2237544"/>
+            <a:ext cx="457200" cy="457200"/>
+          </a:xfrm>
+          <a:prstGeom prst="ellipse">
+            <a:avLst/>
+          </a:prstGeom>
+          <a:solidFill>
+            <a:srgbClr val="00B0F0"/>
+          </a:solidFill>
+          <a:ln w="28575">
+            <a:solidFill>
+              <a:schemeClr val="tx1"/>
+            </a:solidFill>
+          </a:ln>
+        </p:spPr>
+        <p:style>
+          <a:lnRef idx="2">
+            <a:schemeClr val="accent1">
+              <a:shade val="50000"/>
+            </a:schemeClr>
+          </a:lnRef>
+          <a:fillRef idx="1">
+            <a:schemeClr val="accent1"/>
+          </a:fillRef>
+          <a:effectRef idx="0">
+            <a:schemeClr val="accent1"/>
+          </a:effectRef>
+          <a:fontRef idx="minor">
+            <a:schemeClr val="lt1"/>
+          </a:fontRef>
+        </p:style>
+        <p:txBody>
+          <a:bodyPr rtlCol="0" anchor="ctr"/>
+          <a:lstStyle/>
+          <a:p>
+            <a:pPr algn="ctr"/>
+            <a:endParaRPr lang="en-US"/>
+          </a:p>
+        </p:txBody>
+      </p:sp>
+      <p:sp>
+        <p:nvSpPr>
+          <p:cNvPr id="29" name="Oval 28"/>
+          <p:cNvSpPr/>
+          <p:nvPr/>
+        </p:nvSpPr>
+        <p:spPr>
+          <a:xfrm>
+            <a:off x="9788493" y="2237544"/>
+            <a:ext cx="457200" cy="457200"/>
+          </a:xfrm>
+          <a:prstGeom prst="ellipse">
+            <a:avLst/>
+          </a:prstGeom>
+          <a:solidFill>
+            <a:srgbClr val="F32BB5"/>
+          </a:solidFill>
+          <a:ln w="28575">
+            <a:solidFill>
+              <a:schemeClr val="tx1"/>
+            </a:solidFill>
+          </a:ln>
+        </p:spPr>
+        <p:style>
+          <a:lnRef idx="2">
+            <a:schemeClr val="accent1">
+              <a:shade val="50000"/>
+            </a:schemeClr>
+          </a:lnRef>
+          <a:fillRef idx="1">
+            <a:schemeClr val="accent1"/>
+          </a:fillRef>
+          <a:effectRef idx="0">
+            <a:schemeClr val="accent1"/>
+          </a:effectRef>
+          <a:fontRef idx="minor">
+            <a:schemeClr val="lt1"/>
+          </a:fontRef>
+        </p:style>
+        <p:txBody>
+          <a:bodyPr rtlCol="0" anchor="ctr"/>
+          <a:lstStyle/>
+          <a:p>
+            <a:pPr algn="ctr"/>
+            <a:endParaRPr lang="en-US"/>
+          </a:p>
+        </p:txBody>
+      </p:sp>
+      <p:sp>
+        <p:nvSpPr>
+          <p:cNvPr id="30" name="Oval 29"/>
+          <p:cNvSpPr/>
+          <p:nvPr/>
+        </p:nvSpPr>
+        <p:spPr>
+          <a:xfrm>
+            <a:off x="11079321" y="2237544"/>
+            <a:ext cx="457200" cy="457200"/>
+          </a:xfrm>
+          <a:prstGeom prst="ellipse">
+            <a:avLst/>
+          </a:prstGeom>
+          <a:solidFill>
+            <a:srgbClr val="FFFF00"/>
+          </a:solidFill>
+          <a:ln w="28575">
+            <a:solidFill>
+              <a:schemeClr val="tx1"/>
+            </a:solidFill>
+          </a:ln>
+        </p:spPr>
+        <p:style>
+          <a:lnRef idx="2">
+            <a:schemeClr val="accent1">
+              <a:shade val="50000"/>
+            </a:schemeClr>
+          </a:lnRef>
+          <a:fillRef idx="1">
+            <a:schemeClr val="accent1"/>
+          </a:fillRef>
+          <a:effectRef idx="0">
+            <a:schemeClr val="accent1"/>
+          </a:effectRef>
+          <a:fontRef idx="minor">
+            <a:schemeClr val="lt1"/>
+          </a:fontRef>
+        </p:style>
+        <p:txBody>
+          <a:bodyPr rtlCol="0" anchor="ctr"/>
+          <a:lstStyle/>
+          <a:p>
+            <a:pPr algn="ctr"/>
+            <a:endParaRPr lang="en-US"/>
+          </a:p>
+        </p:txBody>
+      </p:sp>
+      <p:cxnSp>
+        <p:nvCxnSpPr>
+          <p:cNvPr id="31" name="Straight Arrow Connector 30"/>
+          <p:cNvCxnSpPr/>
+          <p:nvPr/>
+        </p:nvCxnSpPr>
+        <p:spPr>
+          <a:xfrm>
+            <a:off x="428593" y="5148808"/>
+            <a:ext cx="11697208" cy="0"/>
+          </a:xfrm>
+          <a:prstGeom prst="straightConnector1">
+            <a:avLst/>
+          </a:prstGeom>
+          <a:ln w="28575">
+            <a:solidFill>
+              <a:schemeClr val="tx1"/>
+            </a:solidFill>
+            <a:tailEnd type="triangle"/>
+          </a:ln>
+        </p:spPr>
+        <p:style>
+          <a:lnRef idx="1">
+            <a:schemeClr val="accent1"/>
+          </a:lnRef>
+          <a:fillRef idx="0">
+            <a:schemeClr val="accent1"/>
+          </a:fillRef>
+          <a:effectRef idx="0">
+            <a:schemeClr val="accent1"/>
+          </a:effectRef>
+          <a:fontRef idx="minor">
+            <a:schemeClr val="tx1"/>
+          </a:fontRef>
+        </p:style>
+      </p:cxnSp>
+      <p:sp>
+        <p:nvSpPr>
+          <p:cNvPr id="36" name="Oval 35"/>
+          <p:cNvSpPr/>
+          <p:nvPr/>
+        </p:nvSpPr>
+        <p:spPr>
+          <a:xfrm>
+            <a:off x="752697" y="4913098"/>
+            <a:ext cx="457200" cy="457200"/>
+          </a:xfrm>
+          <a:prstGeom prst="ellipse">
+            <a:avLst/>
+          </a:prstGeom>
+          <a:solidFill>
+            <a:schemeClr val="accent2"/>
+          </a:solidFill>
+          <a:ln w="28575">
+            <a:solidFill>
+              <a:schemeClr val="tx1"/>
+            </a:solidFill>
+          </a:ln>
+        </p:spPr>
+        <p:style>
+          <a:lnRef idx="2">
+            <a:schemeClr val="accent1">
+              <a:shade val="50000"/>
+            </a:schemeClr>
+          </a:lnRef>
+          <a:fillRef idx="1">
+            <a:schemeClr val="accent1"/>
+          </a:fillRef>
+          <a:effectRef idx="0">
+            <a:schemeClr val="accent1"/>
+          </a:effectRef>
+          <a:fontRef idx="minor">
+            <a:schemeClr val="lt1"/>
+          </a:fontRef>
+        </p:style>
+        <p:txBody>
+          <a:bodyPr rtlCol="0" anchor="ctr"/>
+          <a:lstStyle/>
+          <a:p>
+            <a:pPr algn="ctr"/>
+            <a:endParaRPr lang="en-US"/>
+          </a:p>
+        </p:txBody>
+      </p:sp>
+      <p:sp>
+        <p:nvSpPr>
+          <p:cNvPr id="37" name="Oval 36"/>
+          <p:cNvSpPr/>
+          <p:nvPr/>
+        </p:nvSpPr>
+        <p:spPr>
+          <a:xfrm>
+            <a:off x="2043525" y="4924270"/>
+            <a:ext cx="457200" cy="457200"/>
+          </a:xfrm>
+          <a:prstGeom prst="ellipse">
+            <a:avLst/>
+          </a:prstGeom>
+          <a:solidFill>
+            <a:srgbClr val="00B0F0"/>
+          </a:solidFill>
+          <a:ln w="28575">
+            <a:solidFill>
+              <a:schemeClr val="tx1"/>
+            </a:solidFill>
+          </a:ln>
+        </p:spPr>
+        <p:style>
+          <a:lnRef idx="2">
+            <a:schemeClr val="accent1">
+              <a:shade val="50000"/>
+            </a:schemeClr>
+          </a:lnRef>
+          <a:fillRef idx="1">
+            <a:schemeClr val="accent1"/>
+          </a:fillRef>
+          <a:effectRef idx="0">
+            <a:schemeClr val="accent1"/>
+          </a:effectRef>
+          <a:fontRef idx="minor">
+            <a:schemeClr val="lt1"/>
+          </a:fontRef>
+        </p:style>
+        <p:txBody>
+          <a:bodyPr rtlCol="0" anchor="ctr"/>
+          <a:lstStyle/>
+          <a:p>
+            <a:pPr algn="ctr"/>
+            <a:endParaRPr lang="en-US"/>
+          </a:p>
+        </p:txBody>
+      </p:sp>
+      <p:sp>
+        <p:nvSpPr>
+          <p:cNvPr id="38" name="Oval 37"/>
+          <p:cNvSpPr/>
+          <p:nvPr/>
+        </p:nvSpPr>
+        <p:spPr>
+          <a:xfrm>
+            <a:off x="3334353" y="4924270"/>
+            <a:ext cx="457200" cy="457200"/>
+          </a:xfrm>
+          <a:prstGeom prst="ellipse">
+            <a:avLst/>
+          </a:prstGeom>
+          <a:solidFill>
+            <a:srgbClr val="FFFF00"/>
+          </a:solidFill>
+          <a:ln w="28575">
+            <a:solidFill>
+              <a:schemeClr val="tx1"/>
+            </a:solidFill>
+          </a:ln>
+        </p:spPr>
+        <p:style>
+          <a:lnRef idx="2">
+            <a:schemeClr val="accent1">
+              <a:shade val="50000"/>
+            </a:schemeClr>
+          </a:lnRef>
+          <a:fillRef idx="1">
+            <a:schemeClr val="accent1"/>
+          </a:fillRef>
+          <a:effectRef idx="0">
+            <a:schemeClr val="accent1"/>
+          </a:effectRef>
+          <a:fontRef idx="minor">
+            <a:schemeClr val="lt1"/>
+          </a:fontRef>
+        </p:style>
+        <p:txBody>
+          <a:bodyPr rtlCol="0" anchor="ctr"/>
+          <a:lstStyle/>
+          <a:p>
+            <a:pPr algn="ctr"/>
+            <a:endParaRPr lang="en-US"/>
+          </a:p>
+        </p:txBody>
+      </p:sp>
+      <p:sp>
+        <p:nvSpPr>
+          <p:cNvPr id="39" name="Oval 38"/>
+          <p:cNvSpPr/>
+          <p:nvPr/>
+        </p:nvSpPr>
+        <p:spPr>
+          <a:xfrm>
+            <a:off x="4625181" y="4924270"/>
+            <a:ext cx="457200" cy="457200"/>
+          </a:xfrm>
+          <a:prstGeom prst="ellipse">
+            <a:avLst/>
+          </a:prstGeom>
+          <a:solidFill>
+            <a:srgbClr val="F32BB5"/>
+          </a:solidFill>
+          <a:ln w="28575">
+            <a:solidFill>
+              <a:schemeClr val="tx1"/>
+            </a:solidFill>
+          </a:ln>
+        </p:spPr>
+        <p:style>
+          <a:lnRef idx="2">
+            <a:schemeClr val="accent1">
+              <a:shade val="50000"/>
+            </a:schemeClr>
+          </a:lnRef>
+          <a:fillRef idx="1">
+            <a:schemeClr val="accent1"/>
+          </a:fillRef>
+          <a:effectRef idx="0">
+            <a:schemeClr val="accent1"/>
+          </a:effectRef>
+          <a:fontRef idx="minor">
+            <a:schemeClr val="lt1"/>
+          </a:fontRef>
+        </p:style>
+        <p:txBody>
+          <a:bodyPr rtlCol="0" anchor="ctr"/>
+          <a:lstStyle/>
+          <a:p>
+            <a:pPr algn="ctr"/>
+            <a:endParaRPr lang="en-US"/>
+          </a:p>
+        </p:txBody>
+      </p:sp>
+      <p:sp>
+        <p:nvSpPr>
+          <p:cNvPr id="40" name="Oval 39"/>
+          <p:cNvSpPr/>
+          <p:nvPr/>
+        </p:nvSpPr>
+        <p:spPr>
+          <a:xfrm>
+            <a:off x="5916009" y="4924270"/>
+            <a:ext cx="457200" cy="457200"/>
+          </a:xfrm>
+          <a:prstGeom prst="ellipse">
+            <a:avLst/>
+          </a:prstGeom>
+          <a:solidFill>
+            <a:srgbClr val="FFFF00"/>
+          </a:solidFill>
+          <a:ln w="28575">
+            <a:solidFill>
+              <a:schemeClr val="tx1"/>
+            </a:solidFill>
+          </a:ln>
+        </p:spPr>
+        <p:style>
+          <a:lnRef idx="2">
+            <a:schemeClr val="accent1">
+              <a:shade val="50000"/>
+            </a:schemeClr>
+          </a:lnRef>
+          <a:fillRef idx="1">
+            <a:schemeClr val="accent1"/>
+          </a:fillRef>
+          <a:effectRef idx="0">
+            <a:schemeClr val="accent1"/>
+          </a:effectRef>
+          <a:fontRef idx="minor">
+            <a:schemeClr val="lt1"/>
+          </a:fontRef>
+        </p:style>
+        <p:txBody>
+          <a:bodyPr rtlCol="0" anchor="ctr"/>
+          <a:lstStyle/>
+          <a:p>
+            <a:pPr algn="ctr"/>
+            <a:endParaRPr lang="en-US"/>
+          </a:p>
+        </p:txBody>
+      </p:sp>
+      <p:sp>
+        <p:nvSpPr>
+          <p:cNvPr id="41" name="Oval 40"/>
+          <p:cNvSpPr/>
+          <p:nvPr/>
+        </p:nvSpPr>
+        <p:spPr>
+          <a:xfrm>
+            <a:off x="7206837" y="4924270"/>
+            <a:ext cx="457200" cy="457200"/>
+          </a:xfrm>
+          <a:prstGeom prst="ellipse">
+            <a:avLst/>
+          </a:prstGeom>
+          <a:solidFill>
+            <a:srgbClr val="FFFF00"/>
+          </a:solidFill>
+          <a:ln w="28575">
+            <a:solidFill>
+              <a:schemeClr val="tx1"/>
+            </a:solidFill>
+          </a:ln>
+        </p:spPr>
+        <p:style>
+          <a:lnRef idx="2">
+            <a:schemeClr val="accent1">
+              <a:shade val="50000"/>
+            </a:schemeClr>
+          </a:lnRef>
+          <a:fillRef idx="1">
+            <a:schemeClr val="accent1"/>
+          </a:fillRef>
+          <a:effectRef idx="0">
+            <a:schemeClr val="accent1"/>
+          </a:effectRef>
+          <a:fontRef idx="minor">
+            <a:schemeClr val="lt1"/>
+          </a:fontRef>
+        </p:style>
+        <p:txBody>
+          <a:bodyPr rtlCol="0" anchor="ctr"/>
+          <a:lstStyle/>
+          <a:p>
+            <a:pPr algn="ctr"/>
+            <a:endParaRPr lang="en-US"/>
+          </a:p>
+        </p:txBody>
+      </p:sp>
+      <p:sp>
+        <p:nvSpPr>
+          <p:cNvPr id="42" name="Oval 41"/>
+          <p:cNvSpPr/>
+          <p:nvPr/>
+        </p:nvSpPr>
+        <p:spPr>
+          <a:xfrm>
+            <a:off x="8497665" y="4924270"/>
+            <a:ext cx="457200" cy="457200"/>
+          </a:xfrm>
+          <a:prstGeom prst="ellipse">
+            <a:avLst/>
+          </a:prstGeom>
+          <a:solidFill>
+            <a:schemeClr val="accent2"/>
+          </a:solidFill>
+          <a:ln w="28575">
+            <a:solidFill>
+              <a:schemeClr val="tx1"/>
+            </a:solidFill>
+          </a:ln>
+        </p:spPr>
+        <p:style>
+          <a:lnRef idx="2">
+            <a:schemeClr val="accent1">
+              <a:shade val="50000"/>
+            </a:schemeClr>
+          </a:lnRef>
+          <a:fillRef idx="1">
+            <a:schemeClr val="accent1"/>
+          </a:fillRef>
+          <a:effectRef idx="0">
+            <a:schemeClr val="accent1"/>
+          </a:effectRef>
+          <a:fontRef idx="minor">
+            <a:schemeClr val="lt1"/>
+          </a:fontRef>
+        </p:style>
+        <p:txBody>
+          <a:bodyPr rtlCol="0" anchor="ctr"/>
+          <a:lstStyle/>
+          <a:p>
+            <a:pPr algn="ctr"/>
+            <a:endParaRPr lang="en-US"/>
+          </a:p>
+        </p:txBody>
+      </p:sp>
+      <p:sp>
+        <p:nvSpPr>
+          <p:cNvPr id="43" name="Oval 42"/>
+          <p:cNvSpPr/>
+          <p:nvPr/>
+        </p:nvSpPr>
+        <p:spPr>
+          <a:xfrm>
+            <a:off x="9788493" y="4924270"/>
+            <a:ext cx="457200" cy="457200"/>
+          </a:xfrm>
+          <a:prstGeom prst="ellipse">
+            <a:avLst/>
+          </a:prstGeom>
+          <a:solidFill>
+            <a:srgbClr val="00B0F0"/>
+          </a:solidFill>
+          <a:ln w="28575">
+            <a:solidFill>
+              <a:schemeClr val="tx1"/>
+            </a:solidFill>
+          </a:ln>
+        </p:spPr>
+        <p:style>
+          <a:lnRef idx="2">
+            <a:schemeClr val="accent1">
+              <a:shade val="50000"/>
+            </a:schemeClr>
+          </a:lnRef>
+          <a:fillRef idx="1">
+            <a:schemeClr val="accent1"/>
+          </a:fillRef>
+          <a:effectRef idx="0">
+            <a:schemeClr val="accent1"/>
+          </a:effectRef>
+          <a:fontRef idx="minor">
+            <a:schemeClr val="lt1"/>
+          </a:fontRef>
+        </p:style>
+        <p:txBody>
+          <a:bodyPr rtlCol="0" anchor="ctr"/>
+          <a:lstStyle/>
+          <a:p>
+            <a:pPr algn="ctr"/>
+            <a:endParaRPr lang="en-US"/>
+          </a:p>
+        </p:txBody>
+      </p:sp>
+      <p:sp>
+        <p:nvSpPr>
+          <p:cNvPr id="50" name="Oval 49"/>
+          <p:cNvSpPr/>
+          <p:nvPr/>
+        </p:nvSpPr>
+        <p:spPr>
+          <a:xfrm>
+            <a:off x="11079321" y="4924270"/>
+            <a:ext cx="457200" cy="457200"/>
+          </a:xfrm>
+          <a:prstGeom prst="ellipse">
+            <a:avLst/>
+          </a:prstGeom>
+          <a:solidFill>
+            <a:srgbClr val="F32BB5"/>
+          </a:solidFill>
+          <a:ln w="28575">
+            <a:solidFill>
+              <a:schemeClr val="tx1"/>
+            </a:solidFill>
+          </a:ln>
+        </p:spPr>
+        <p:style>
+          <a:lnRef idx="2">
+            <a:schemeClr val="accent1">
+              <a:shade val="50000"/>
+            </a:schemeClr>
+          </a:lnRef>
+          <a:fillRef idx="1">
+            <a:schemeClr val="accent1"/>
+          </a:fillRef>
+          <a:effectRef idx="0">
+            <a:schemeClr val="accent1"/>
+          </a:effectRef>
+          <a:fontRef idx="minor">
+            <a:schemeClr val="lt1"/>
+          </a:fontRef>
+        </p:style>
+        <p:txBody>
+          <a:bodyPr rtlCol="0" anchor="ctr"/>
+          <a:lstStyle/>
+          <a:p>
+            <a:pPr algn="ctr"/>
+            <a:endParaRPr lang="en-US"/>
+          </a:p>
+        </p:txBody>
+      </p:sp>
+      <p:sp>
+        <p:nvSpPr>
+          <p:cNvPr id="44" name="Oval 43"/>
+          <p:cNvSpPr/>
+          <p:nvPr/>
+        </p:nvSpPr>
+        <p:spPr>
+          <a:xfrm>
+            <a:off x="6602169" y="364776"/>
+            <a:ext cx="457200" cy="457200"/>
+          </a:xfrm>
+          <a:prstGeom prst="ellipse">
+            <a:avLst/>
+          </a:prstGeom>
+          <a:solidFill>
+            <a:schemeClr val="accent2"/>
+          </a:solidFill>
+          <a:ln w="28575">
+            <a:solidFill>
+              <a:schemeClr val="tx1"/>
+            </a:solidFill>
+          </a:ln>
+        </p:spPr>
+        <p:style>
+          <a:lnRef idx="2">
+            <a:schemeClr val="accent1">
+              <a:shade val="50000"/>
+            </a:schemeClr>
+          </a:lnRef>
+          <a:fillRef idx="1">
+            <a:schemeClr val="accent1"/>
+          </a:fillRef>
+          <a:effectRef idx="0">
+            <a:schemeClr val="accent1"/>
+          </a:effectRef>
+          <a:fontRef idx="minor">
+            <a:schemeClr val="lt1"/>
+          </a:fontRef>
+        </p:style>
+        <p:txBody>
+          <a:bodyPr rtlCol="0" anchor="ctr"/>
+          <a:lstStyle/>
+          <a:p>
+            <a:pPr algn="ctr"/>
+            <a:endParaRPr lang="en-US"/>
+          </a:p>
+        </p:txBody>
+      </p:sp>
+      <p:sp>
+        <p:nvSpPr>
+          <p:cNvPr id="2" name="Left Brace 1"/>
+          <p:cNvSpPr/>
+          <p:nvPr/>
+        </p:nvSpPr>
+        <p:spPr>
+          <a:xfrm rot="5400000">
+            <a:off x="2143979" y="1245588"/>
+            <a:ext cx="241708" cy="1540933"/>
+          </a:xfrm>
+          <a:prstGeom prst="leftBrace">
+            <a:avLst>
+              <a:gd name="adj1" fmla="val 306501"/>
+              <a:gd name="adj2" fmla="val 50000"/>
+            </a:avLst>
+          </a:prstGeom>
+          <a:ln w="28575">
+            <a:solidFill>
+              <a:schemeClr val="bg2">
+                <a:lumMod val="75000"/>
+              </a:schemeClr>
+            </a:solidFill>
+            <a:tailEnd type="triangle"/>
+          </a:ln>
+        </p:spPr>
+        <p:style>
+          <a:lnRef idx="1">
+            <a:schemeClr val="accent1"/>
+          </a:lnRef>
+          <a:fillRef idx="0">
+            <a:schemeClr val="accent1"/>
+          </a:fillRef>
+          <a:effectRef idx="0">
+            <a:schemeClr val="accent1"/>
+          </a:effectRef>
+          <a:fontRef idx="minor">
+            <a:schemeClr val="tx1"/>
+          </a:fontRef>
+        </p:style>
+        <p:txBody>
+          <a:bodyPr rtlCol="0" anchor="ctr"/>
+          <a:lstStyle/>
+          <a:p>
+            <a:pPr algn="ctr"/>
+            <a:endParaRPr lang="en-US">
+              <a:solidFill>
+                <a:schemeClr val="bg2"/>
+              </a:solidFill>
+            </a:endParaRPr>
+          </a:p>
+        </p:txBody>
+      </p:sp>
+      <p:sp>
+        <p:nvSpPr>
+          <p:cNvPr id="3" name="TextBox 2"/>
+          <p:cNvSpPr txBox="1"/>
+          <p:nvPr/>
+        </p:nvSpPr>
+        <p:spPr>
+          <a:xfrm>
+            <a:off x="1450970" y="1524515"/>
+            <a:ext cx="1642309" cy="369332"/>
+          </a:xfrm>
+          <a:prstGeom prst="rect">
+            <a:avLst/>
+          </a:prstGeom>
+          <a:noFill/>
+        </p:spPr>
+        <p:txBody>
+          <a:bodyPr wrap="none" rtlCol="0">
+            <a:spAutoFit/>
+          </a:bodyPr>
+          <a:lstStyle/>
+          <a:p>
+            <a:r>
+              <a:rPr lang="en-US" dirty="0">
+                <a:solidFill>
+                  <a:schemeClr val="bg2">
+                    <a:lumMod val="75000"/>
+                  </a:schemeClr>
+                </a:solidFill>
+              </a:rPr>
+              <a:t>Validity Interval</a:t>
+            </a:r>
+          </a:p>
+        </p:txBody>
+      </p:sp>
+      <p:sp>
+        <p:nvSpPr>
+          <p:cNvPr id="45" name="Left Brace 44"/>
+          <p:cNvSpPr/>
+          <p:nvPr/>
+        </p:nvSpPr>
+        <p:spPr>
+          <a:xfrm rot="5400000">
+            <a:off x="7906816" y="644713"/>
+            <a:ext cx="241708" cy="2720340"/>
+          </a:xfrm>
+          <a:prstGeom prst="leftBrace">
+            <a:avLst>
+              <a:gd name="adj1" fmla="val 306501"/>
+              <a:gd name="adj2" fmla="val 50000"/>
+            </a:avLst>
+          </a:prstGeom>
+          <a:ln w="28575">
+            <a:solidFill>
+              <a:schemeClr val="bg2">
+                <a:lumMod val="75000"/>
+              </a:schemeClr>
+            </a:solidFill>
+            <a:tailEnd type="triangle"/>
+          </a:ln>
+        </p:spPr>
+        <p:style>
+          <a:lnRef idx="1">
+            <a:schemeClr val="accent1"/>
+          </a:lnRef>
+          <a:fillRef idx="0">
+            <a:schemeClr val="accent1"/>
+          </a:fillRef>
+          <a:effectRef idx="0">
+            <a:schemeClr val="accent1"/>
+          </a:effectRef>
+          <a:fontRef idx="minor">
+            <a:schemeClr val="tx1"/>
+          </a:fontRef>
+        </p:style>
+        <p:txBody>
+          <a:bodyPr rtlCol="0" anchor="ctr"/>
+          <a:lstStyle/>
+          <a:p>
+            <a:pPr algn="ctr"/>
+            <a:endParaRPr lang="en-US">
+              <a:solidFill>
+                <a:schemeClr val="bg2"/>
+              </a:solidFill>
+            </a:endParaRPr>
+          </a:p>
+        </p:txBody>
+      </p:sp>
+      <p:sp>
+        <p:nvSpPr>
+          <p:cNvPr id="46" name="TextBox 45"/>
+          <p:cNvSpPr txBox="1"/>
+          <p:nvPr/>
+        </p:nvSpPr>
+        <p:spPr>
+          <a:xfrm>
+            <a:off x="7216494" y="1496286"/>
+            <a:ext cx="1642309" cy="369332"/>
+          </a:xfrm>
+          <a:prstGeom prst="rect">
+            <a:avLst/>
+          </a:prstGeom>
+          <a:noFill/>
+        </p:spPr>
+        <p:txBody>
+          <a:bodyPr wrap="none" rtlCol="0">
+            <a:spAutoFit/>
+          </a:bodyPr>
+          <a:lstStyle/>
+          <a:p>
+            <a:r>
+              <a:rPr lang="en-US" dirty="0">
+                <a:solidFill>
+                  <a:schemeClr val="bg2">
+                    <a:lumMod val="75000"/>
+                  </a:schemeClr>
+                </a:solidFill>
+              </a:rPr>
+              <a:t>Validity Interval</a:t>
+            </a:r>
+          </a:p>
+        </p:txBody>
+      </p:sp>
+      <p:sp>
+        <p:nvSpPr>
+          <p:cNvPr id="49" name="Rectangle 48"/>
+          <p:cNvSpPr/>
+          <p:nvPr/>
+        </p:nvSpPr>
+        <p:spPr>
+          <a:xfrm>
+            <a:off x="10837862" y="5956779"/>
+            <a:ext cx="1229360" cy="457200"/>
+          </a:xfrm>
+          <a:prstGeom prst="rect">
+            <a:avLst/>
+          </a:prstGeom>
+          <a:solidFill>
+            <a:srgbClr val="FF0000"/>
+          </a:solidFill>
+          <a:ln w="28575">
+            <a:solidFill>
+              <a:schemeClr val="tx1"/>
+            </a:solidFill>
+          </a:ln>
+        </p:spPr>
+        <p:style>
+          <a:lnRef idx="2">
+            <a:schemeClr val="accent1">
+              <a:shade val="50000"/>
+            </a:schemeClr>
+          </a:lnRef>
+          <a:fillRef idx="1">
+            <a:schemeClr val="accent1"/>
+          </a:fillRef>
+          <a:effectRef idx="0">
+            <a:schemeClr val="accent1"/>
+          </a:effectRef>
+          <a:fontRef idx="minor">
+            <a:schemeClr val="lt1"/>
+          </a:fontRef>
+        </p:style>
+        <p:txBody>
+          <a:bodyPr rtlCol="0" anchor="ctr"/>
+          <a:lstStyle/>
+          <a:p>
+            <a:pPr algn="ctr"/>
+            <a:r>
+              <a:rPr lang="en-US" dirty="0">
+                <a:solidFill>
+                  <a:schemeClr val="tx1"/>
+                </a:solidFill>
+              </a:rPr>
+              <a:t>Failure</a:t>
+            </a:r>
+          </a:p>
+        </p:txBody>
+      </p:sp>
+      <p:cxnSp>
+        <p:nvCxnSpPr>
+          <p:cNvPr id="51" name="Straight Arrow Connector 50"/>
+          <p:cNvCxnSpPr/>
+          <p:nvPr/>
+        </p:nvCxnSpPr>
+        <p:spPr>
+          <a:xfrm>
+            <a:off x="11909742" y="5148807"/>
+            <a:ext cx="0" cy="807972"/>
+          </a:xfrm>
+          <a:prstGeom prst="straightConnector1">
+            <a:avLst/>
+          </a:prstGeom>
+          <a:ln>
+            <a:solidFill>
+              <a:schemeClr val="tx1"/>
+            </a:solidFill>
+            <a:tailEnd type="triangle"/>
+          </a:ln>
+        </p:spPr>
+        <p:style>
+          <a:lnRef idx="1">
+            <a:schemeClr val="accent1"/>
+          </a:lnRef>
+          <a:fillRef idx="0">
+            <a:schemeClr val="accent1"/>
+          </a:fillRef>
+          <a:effectRef idx="0">
+            <a:schemeClr val="accent1"/>
+          </a:effectRef>
+          <a:fontRef idx="minor">
+            <a:schemeClr val="tx1"/>
+          </a:fontRef>
+        </p:style>
+      </p:cxnSp>
+      <p:sp>
+        <p:nvSpPr>
+          <p:cNvPr id="54" name="Left Brace 53"/>
+          <p:cNvSpPr/>
+          <p:nvPr/>
+        </p:nvSpPr>
+        <p:spPr>
+          <a:xfrm rot="5400000">
+            <a:off x="2747229" y="3275312"/>
+            <a:ext cx="241708" cy="2747435"/>
+          </a:xfrm>
+          <a:prstGeom prst="leftBrace">
+            <a:avLst>
+              <a:gd name="adj1" fmla="val 306501"/>
+              <a:gd name="adj2" fmla="val 50000"/>
+            </a:avLst>
+          </a:prstGeom>
+          <a:ln w="28575">
+            <a:solidFill>
+              <a:schemeClr val="bg2">
+                <a:lumMod val="75000"/>
+              </a:schemeClr>
+            </a:solidFill>
+            <a:tailEnd type="triangle"/>
+          </a:ln>
+        </p:spPr>
+        <p:style>
+          <a:lnRef idx="1">
+            <a:schemeClr val="accent1"/>
+          </a:lnRef>
+          <a:fillRef idx="0">
+            <a:schemeClr val="accent1"/>
+          </a:fillRef>
+          <a:effectRef idx="0">
+            <a:schemeClr val="accent1"/>
+          </a:effectRef>
+          <a:fontRef idx="minor">
+            <a:schemeClr val="tx1"/>
+          </a:fontRef>
+        </p:style>
+        <p:txBody>
+          <a:bodyPr rtlCol="0" anchor="ctr"/>
+          <a:lstStyle/>
+          <a:p>
+            <a:pPr algn="ctr"/>
+            <a:endParaRPr lang="en-US">
+              <a:solidFill>
+                <a:schemeClr val="bg2"/>
+              </a:solidFill>
+            </a:endParaRPr>
+          </a:p>
+        </p:txBody>
+      </p:sp>
+      <p:sp>
+        <p:nvSpPr>
+          <p:cNvPr id="55" name="TextBox 54"/>
+          <p:cNvSpPr txBox="1"/>
+          <p:nvPr/>
+        </p:nvSpPr>
+        <p:spPr>
+          <a:xfrm>
+            <a:off x="2043525" y="4122020"/>
+            <a:ext cx="1642309" cy="369332"/>
+          </a:xfrm>
+          <a:prstGeom prst="rect">
+            <a:avLst/>
+          </a:prstGeom>
+          <a:noFill/>
+        </p:spPr>
+        <p:txBody>
+          <a:bodyPr wrap="none" rtlCol="0">
+            <a:spAutoFit/>
+          </a:bodyPr>
+          <a:lstStyle/>
+          <a:p>
+            <a:r>
+              <a:rPr lang="en-US" dirty="0">
+                <a:solidFill>
+                  <a:schemeClr val="bg2">
+                    <a:lumMod val="75000"/>
+                  </a:schemeClr>
+                </a:solidFill>
+              </a:rPr>
+              <a:t>Validity Interval</a:t>
+            </a:r>
+          </a:p>
+        </p:txBody>
+      </p:sp>
+      <p:sp>
+        <p:nvSpPr>
+          <p:cNvPr id="56" name="Left Brace 55"/>
+          <p:cNvSpPr/>
+          <p:nvPr/>
+        </p:nvSpPr>
+        <p:spPr>
+          <a:xfrm rot="5400000">
+            <a:off x="9846530" y="3916728"/>
+            <a:ext cx="241708" cy="1553633"/>
+          </a:xfrm>
+          <a:prstGeom prst="leftBrace">
+            <a:avLst>
+              <a:gd name="adj1" fmla="val 306501"/>
+              <a:gd name="adj2" fmla="val 50000"/>
+            </a:avLst>
+          </a:prstGeom>
+          <a:ln w="28575">
+            <a:solidFill>
+              <a:schemeClr val="bg2">
+                <a:lumMod val="75000"/>
+              </a:schemeClr>
+            </a:solidFill>
+            <a:tailEnd type="triangle"/>
+          </a:ln>
+        </p:spPr>
+        <p:style>
+          <a:lnRef idx="1">
+            <a:schemeClr val="accent1"/>
+          </a:lnRef>
+          <a:fillRef idx="0">
+            <a:schemeClr val="accent1"/>
+          </a:fillRef>
+          <a:effectRef idx="0">
+            <a:schemeClr val="accent1"/>
+          </a:effectRef>
+          <a:fontRef idx="minor">
+            <a:schemeClr val="tx1"/>
+          </a:fontRef>
+        </p:style>
+        <p:txBody>
+          <a:bodyPr rtlCol="0" anchor="ctr"/>
+          <a:lstStyle/>
+          <a:p>
+            <a:pPr algn="ctr"/>
+            <a:endParaRPr lang="en-US">
+              <a:solidFill>
+                <a:schemeClr val="bg2"/>
+              </a:solidFill>
+            </a:endParaRPr>
+          </a:p>
+        </p:txBody>
+      </p:sp>
+      <p:sp>
+        <p:nvSpPr>
+          <p:cNvPr id="57" name="TextBox 56"/>
+          <p:cNvSpPr txBox="1"/>
+          <p:nvPr/>
+        </p:nvSpPr>
+        <p:spPr>
+          <a:xfrm>
+            <a:off x="9146229" y="4166535"/>
+            <a:ext cx="1642309" cy="369332"/>
+          </a:xfrm>
+          <a:prstGeom prst="rect">
+            <a:avLst/>
+          </a:prstGeom>
+          <a:noFill/>
+        </p:spPr>
+        <p:txBody>
+          <a:bodyPr wrap="none" rtlCol="0">
+            <a:spAutoFit/>
+          </a:bodyPr>
+          <a:lstStyle/>
+          <a:p>
+            <a:r>
+              <a:rPr lang="en-US" dirty="0">
+                <a:solidFill>
+                  <a:schemeClr val="bg2">
+                    <a:lumMod val="75000"/>
+                  </a:schemeClr>
+                </a:solidFill>
+              </a:rPr>
+              <a:t>Validity Interval</a:t>
+            </a:r>
+          </a:p>
+        </p:txBody>
+      </p:sp>
+      <p:sp>
+        <p:nvSpPr>
+          <p:cNvPr id="47" name="Rectangle 46"/>
+          <p:cNvSpPr/>
+          <p:nvPr/>
+        </p:nvSpPr>
+        <p:spPr>
+          <a:xfrm>
+            <a:off x="10958883" y="3089199"/>
+            <a:ext cx="1229360" cy="457200"/>
+          </a:xfrm>
+          <a:prstGeom prst="rect">
+            <a:avLst/>
+          </a:prstGeom>
+          <a:solidFill>
+            <a:srgbClr val="00B050"/>
+          </a:solidFill>
+          <a:ln w="28575">
+            <a:solidFill>
+              <a:schemeClr val="tx1"/>
+            </a:solidFill>
+          </a:ln>
+        </p:spPr>
+        <p:style>
+          <a:lnRef idx="2">
+            <a:schemeClr val="accent1">
+              <a:shade val="50000"/>
+            </a:schemeClr>
+          </a:lnRef>
+          <a:fillRef idx="1">
+            <a:schemeClr val="accent1"/>
+          </a:fillRef>
+          <a:effectRef idx="0">
+            <a:schemeClr val="accent1"/>
+          </a:effectRef>
+          <a:fontRef idx="minor">
+            <a:schemeClr val="lt1"/>
+          </a:fontRef>
+        </p:style>
+        <p:txBody>
+          <a:bodyPr rtlCol="0" anchor="ctr"/>
+          <a:lstStyle/>
+          <a:p>
+            <a:pPr algn="ctr"/>
+            <a:r>
+              <a:rPr lang="en-US" dirty="0">
+                <a:solidFill>
+                  <a:schemeClr val="tx1"/>
+                </a:solidFill>
+              </a:rPr>
+              <a:t>Success</a:t>
+            </a:r>
+          </a:p>
+        </p:txBody>
+      </p:sp>
+      <p:cxnSp>
+        <p:nvCxnSpPr>
+          <p:cNvPr id="48" name="Elbow Connector 47"/>
+          <p:cNvCxnSpPr>
+            <a:endCxn id="47" idx="1"/>
+          </p:cNvCxnSpPr>
+          <p:nvPr/>
+        </p:nvCxnSpPr>
+        <p:spPr>
+          <a:xfrm rot="16200000" flipH="1">
+            <a:off x="10326681" y="2685596"/>
+            <a:ext cx="850643" cy="413765"/>
+          </a:xfrm>
+          <a:prstGeom prst="bentConnector2">
+            <a:avLst/>
+          </a:prstGeom>
+          <a:ln>
+            <a:solidFill>
+              <a:schemeClr val="tx1"/>
+            </a:solidFill>
+            <a:tailEnd type="triangle"/>
+          </a:ln>
+        </p:spPr>
+        <p:style>
+          <a:lnRef idx="1">
+            <a:schemeClr val="accent1"/>
+          </a:lnRef>
+          <a:fillRef idx="0">
+            <a:schemeClr val="accent1"/>
+          </a:fillRef>
+          <a:effectRef idx="0">
+            <a:schemeClr val="accent1"/>
+          </a:effectRef>
+          <a:fontRef idx="minor">
+            <a:schemeClr val="tx1"/>
+          </a:fontRef>
+        </p:style>
+      </p:cxnSp>
+      <p:sp>
+        <p:nvSpPr>
+          <p:cNvPr id="52" name="Oval 51"/>
+          <p:cNvSpPr/>
+          <p:nvPr/>
+        </p:nvSpPr>
+        <p:spPr>
+          <a:xfrm>
+            <a:off x="9726369" y="368102"/>
+            <a:ext cx="457200" cy="457200"/>
+          </a:xfrm>
+          <a:prstGeom prst="ellipse">
+            <a:avLst/>
+          </a:prstGeom>
+          <a:solidFill>
+            <a:srgbClr val="F32BB5"/>
+          </a:solidFill>
+          <a:ln w="28575">
+            <a:solidFill>
+              <a:schemeClr val="tx1"/>
+            </a:solidFill>
+          </a:ln>
+        </p:spPr>
+        <p:style>
+          <a:lnRef idx="2">
+            <a:schemeClr val="accent1">
+              <a:shade val="50000"/>
+            </a:schemeClr>
+          </a:lnRef>
+          <a:fillRef idx="1">
+            <a:schemeClr val="accent1"/>
+          </a:fillRef>
+          <a:effectRef idx="0">
+            <a:schemeClr val="accent1"/>
+          </a:effectRef>
+          <a:fontRef idx="minor">
+            <a:schemeClr val="lt1"/>
+          </a:fontRef>
+        </p:style>
+        <p:txBody>
+          <a:bodyPr rtlCol="0" anchor="ctr"/>
+          <a:lstStyle/>
+          <a:p>
+            <a:pPr algn="ctr"/>
+            <a:endParaRPr lang="en-US"/>
+          </a:p>
+        </p:txBody>
+      </p:sp>
+    </p:spTree>
+    <p:extLst>
+      <p:ext uri="{BB962C8B-B14F-4D97-AF65-F5344CB8AC3E}">
+        <p14:creationId xmlns:p14="http://schemas.microsoft.com/office/powerpoint/2010/main" val="1259081475"/>
+      </p:ext>
+    </p:extLst>
+  </p:cSld>
+  <p:clrMapOvr>
+    <a:masterClrMapping/>
+  </p:clrMapOvr>
 </p:sld>
 </file>
 
@@ -12189,13 +17268,6 @@
   <p:clrMapOvr>
     <a:masterClrMapping/>
   </p:clrMapOvr>
-  <p:timing>
-    <p:tnLst>
-      <p:par>
-        <p:cTn id="1" dur="indefinite" restart="never" nodeType="tmRoot"/>
-      </p:par>
-    </p:tnLst>
-  </p:timing>
 </p:sld>
 </file>
 
@@ -14078,13 +19150,13 @@
       </p:cxnSp>
       <p:sp>
         <p:nvSpPr>
-          <p:cNvPr id="91" name="Rectangle 90"/>
-          <p:cNvSpPr/>
-          <p:nvPr/>
-        </p:nvSpPr>
-        <p:spPr>
-          <a:xfrm>
-            <a:off x="10869582" y="6768846"/>
+          <p:cNvPr id="42" name="Rectangle 41"/>
+          <p:cNvSpPr/>
+          <p:nvPr/>
+        </p:nvSpPr>
+        <p:spPr>
+          <a:xfrm>
+            <a:off x="10869580" y="6592241"/>
             <a:ext cx="1229360" cy="457200"/>
           </a:xfrm>
           <a:prstGeom prst="rect">
@@ -14133,16 +19205,18 @@
       </p:sp>
       <p:cxnSp>
         <p:nvCxnSpPr>
-          <p:cNvPr id="92" name="Straight Arrow Connector 91"/>
-          <p:cNvCxnSpPr/>
+          <p:cNvPr id="43" name="Elbow Connector 42"/>
+          <p:cNvCxnSpPr>
+            <a:endCxn id="42" idx="1"/>
+          </p:cNvCxnSpPr>
           <p:nvPr/>
         </p:nvCxnSpPr>
         <p:spPr>
-          <a:xfrm>
-            <a:off x="11941462" y="5960874"/>
-            <a:ext cx="0" cy="807972"/>
-          </a:xfrm>
-          <a:prstGeom prst="straightConnector1">
+          <a:xfrm rot="16200000" flipH="1">
+            <a:off x="10237378" y="6188638"/>
+            <a:ext cx="850643" cy="413765"/>
+          </a:xfrm>
+          <a:prstGeom prst="bentConnector2">
             <a:avLst/>
           </a:prstGeom>
           <a:ln>
@@ -19005,13 +24079,6 @@
   <p:clrMapOvr>
     <a:masterClrMapping/>
   </p:clrMapOvr>
-  <p:timing>
-    <p:tnLst>
-      <p:par>
-        <p:cTn id="1" dur="indefinite" restart="never" nodeType="tmRoot"/>
-      </p:par>
-    </p:tnLst>
-  </p:timing>
 </p:sld>
 </file>
 
@@ -19099,21 +24166,13 @@
                   <a:schemeClr val="tx1"/>
                 </a:solidFill>
               </a:rPr>
-              <a:t>(       </a:t>
+              <a:t>(       )</a:t>
             </a:r>
+          </a:p>
+          <a:p>
+            <a:pPr algn="ctr"/>
             <a:r>
-              <a:rPr lang="en-US" sz="3200" dirty="0" smtClean="0">
-                <a:solidFill>
-                  <a:schemeClr val="tx1"/>
-                </a:solidFill>
-              </a:rPr>
-              <a:t>)</a:t>
-            </a:r>
-          </a:p>
-          <a:p>
-            <a:pPr algn="ctr"/>
-            <a:r>
-              <a:rPr lang="en-US" sz="3200" dirty="0" smtClean="0">
+              <a:rPr lang="en-US" sz="3200" dirty="0">
                 <a:solidFill>
                   <a:schemeClr val="tx1"/>
                 </a:solidFill>
@@ -19122,7 +24181,7 @@
               <a:t>.</a:t>
             </a:r>
             <a:r>
-              <a:rPr lang="en-US" sz="3200" dirty="0" err="1" smtClean="0">
+              <a:rPr lang="en-US" sz="3200" dirty="0" err="1">
                 <a:solidFill>
                   <a:schemeClr val="tx1"/>
                 </a:solidFill>
@@ -19131,7 +24190,7 @@
               <a:t>mustHappenBetween</a:t>
             </a:r>
             <a:r>
-              <a:rPr lang="en-US" sz="3200" dirty="0" smtClean="0">
+              <a:rPr lang="en-US" sz="3200" dirty="0">
                 <a:solidFill>
                   <a:schemeClr val="tx1"/>
                 </a:solidFill>
@@ -19140,7 +24199,7 @@
               <a:t>(</a:t>
             </a:r>
             <a:r>
-              <a:rPr lang="en-US" sz="3200" dirty="0" err="1" smtClean="0">
+              <a:rPr lang="en-US" sz="3200" dirty="0" err="1">
                 <a:solidFill>
                   <a:schemeClr val="tx1"/>
                 </a:solidFill>
@@ -19154,15 +24213,7 @@
                   <a:schemeClr val="tx1"/>
                 </a:solidFill>
               </a:rPr>
-              <a:t>(       </a:t>
-            </a:r>
-            <a:r>
-              <a:rPr lang="en-US" sz="3200" dirty="0" smtClean="0">
-                <a:solidFill>
-                  <a:schemeClr val="tx1"/>
-                </a:solidFill>
-              </a:rPr>
-              <a:t>), </a:t>
+              <a:t>(       ), </a:t>
             </a:r>
             <a:r>
               <a:rPr lang="en-US" sz="3200" dirty="0" err="1">
@@ -19181,7 +24232,7 @@
               <a:t>(       ))</a:t>
             </a:r>
             <a:r>
-              <a:rPr lang="en-US" sz="3200" dirty="0" smtClean="0">
+              <a:rPr lang="en-US" sz="3200" dirty="0">
                 <a:solidFill>
                   <a:schemeClr val="tx1"/>
                 </a:solidFill>
@@ -19189,12 +24240,6 @@
               </a:rPr>
               <a:t>)</a:t>
             </a:r>
-            <a:endParaRPr lang="en-US" sz="3200" dirty="0">
-              <a:solidFill>
-                <a:schemeClr val="tx1"/>
-              </a:solidFill>
-              <a:latin typeface="+mj-lt"/>
-            </a:endParaRPr>
           </a:p>
         </p:txBody>
       </p:sp>
@@ -20730,13 +25775,6 @@
   <p:clrMapOvr>
     <a:masterClrMapping/>
   </p:clrMapOvr>
-  <p:timing>
-    <p:tnLst>
-      <p:par>
-        <p:cTn id="1" dur="indefinite" restart="never" nodeType="tmRoot"/>
-      </p:par>
-    </p:tnLst>
-  </p:timing>
 </p:sld>
 </file>
 
@@ -20802,7 +25840,7 @@
           <a:p>
             <a:pPr algn="ctr"/>
             <a:r>
-              <a:rPr lang="en-US" sz="3200" dirty="0" err="1" smtClean="0">
+              <a:rPr lang="en-US" sz="3200" dirty="0" err="1">
                 <a:solidFill>
                   <a:schemeClr val="tx1"/>
                 </a:solidFill>
@@ -20811,7 +25849,7 @@
               <a:t>allEventsWhereEach</a:t>
             </a:r>
             <a:r>
-              <a:rPr lang="en-US" sz="3200" dirty="0" smtClean="0">
+              <a:rPr lang="en-US" sz="3200" dirty="0">
                 <a:solidFill>
                   <a:schemeClr val="tx1"/>
                 </a:solidFill>
@@ -20820,7 +25858,7 @@
               <a:t>(       ).</a:t>
             </a:r>
             <a:r>
-              <a:rPr lang="en-US" sz="3200" dirty="0" err="1" smtClean="0">
+              <a:rPr lang="en-US" sz="3200" dirty="0" err="1">
                 <a:solidFill>
                   <a:schemeClr val="tx1"/>
                 </a:solidFill>
@@ -20829,7 +25867,7 @@
               <a:t>matchInOrder</a:t>
             </a:r>
             <a:r>
-              <a:rPr lang="en-US" sz="3200" dirty="0" smtClean="0">
+              <a:rPr lang="en-US" sz="3200" dirty="0">
                 <a:solidFill>
                   <a:schemeClr val="tx1"/>
                 </a:solidFill>
@@ -20837,12 +25875,6 @@
               </a:rPr>
               <a:t>(       ,       ,      )</a:t>
             </a:r>
-            <a:endParaRPr lang="en-US" sz="3200" dirty="0">
-              <a:solidFill>
-                <a:schemeClr val="tx1"/>
-              </a:solidFill>
-              <a:latin typeface="+mj-lt"/>
-            </a:endParaRPr>
           </a:p>
         </p:txBody>
       </p:sp>
@@ -22335,18 +27367,13 @@
           <a:p>
             <a:pPr algn="ctr"/>
             <a:r>
-              <a:rPr lang="en-US" dirty="0" smtClean="0">
+              <a:rPr lang="en-US" dirty="0">
                 <a:solidFill>
                   <a:schemeClr val="tx1"/>
                 </a:solidFill>
               </a:rPr>
               <a:t>Failure</a:t>
             </a:r>
-            <a:endParaRPr lang="en-US" dirty="0">
-              <a:solidFill>
-                <a:schemeClr val="tx1"/>
-              </a:solidFill>
-            </a:endParaRPr>
           </a:p>
         </p:txBody>
       </p:sp>
@@ -22806,7 +27833,7 @@
               <a:t>allEventsWhereEach</a:t>
             </a:r>
             <a:r>
-              <a:rPr lang="en-US" sz="3200" dirty="0" smtClean="0">
+              <a:rPr lang="en-US" sz="3200" dirty="0">
                 <a:solidFill>
                   <a:schemeClr val="tx1"/>
                 </a:solidFill>
@@ -22815,7 +27842,7 @@
               <a:t>(       ).</a:t>
             </a:r>
             <a:r>
-              <a:rPr lang="en-US" sz="3200" dirty="0" err="1" smtClean="0">
+              <a:rPr lang="en-US" sz="3200" dirty="0" err="1">
                 <a:solidFill>
                   <a:schemeClr val="tx1"/>
                 </a:solidFill>
@@ -22824,7 +27851,7 @@
               <a:t>areOrdered</a:t>
             </a:r>
             <a:r>
-              <a:rPr lang="en-US" sz="3200" dirty="0" smtClean="0">
+              <a:rPr lang="en-US" sz="3200" dirty="0">
                 <a:solidFill>
                   <a:schemeClr val="tx1"/>
                 </a:solidFill>
@@ -22833,7 +27860,7 @@
               <a:t>(  </a:t>
             </a:r>
             <a:r>
-              <a:rPr lang="en-US" sz="3600" b="1" dirty="0" smtClean="0">
+              <a:rPr lang="en-US" sz="3600" b="1" dirty="0">
                 <a:solidFill>
                   <a:schemeClr val="tx1"/>
                 </a:solidFill>
@@ -22842,7 +27869,7 @@
               <a:t>≤ </a:t>
             </a:r>
             <a:r>
-              <a:rPr lang="en-US" sz="3200" dirty="0" smtClean="0">
+              <a:rPr lang="en-US" sz="3200" dirty="0">
                 <a:solidFill>
                   <a:schemeClr val="tx1"/>
                 </a:solidFill>
@@ -22850,12 +27877,6 @@
               </a:rPr>
               <a:t> )</a:t>
             </a:r>
-            <a:endParaRPr lang="en-US" sz="3200" dirty="0">
-              <a:solidFill>
-                <a:schemeClr val="tx1"/>
-              </a:solidFill>
-              <a:latin typeface="+mj-lt"/>
-            </a:endParaRPr>
           </a:p>
         </p:txBody>
       </p:sp>
@@ -23036,10 +28057,9 @@
           <a:p>
             <a:pPr algn="ctr"/>
             <a:r>
-              <a:rPr lang="en-US" dirty="0" smtClean="0"/>
+              <a:rPr lang="en-US" dirty="0"/>
               <a:t>1</a:t>
             </a:r>
-            <a:endParaRPr lang="en-US" dirty="0"/>
           </a:p>
         </p:txBody>
       </p:sp>
@@ -23184,10 +28204,9 @@
           <a:p>
             <a:pPr algn="ctr"/>
             <a:r>
-              <a:rPr lang="en-US" dirty="0" smtClean="0"/>
+              <a:rPr lang="en-US" dirty="0"/>
               <a:t>4</a:t>
             </a:r>
-            <a:endParaRPr lang="en-US" dirty="0"/>
           </a:p>
         </p:txBody>
       </p:sp>
@@ -23284,10 +28303,9 @@
           <a:p>
             <a:pPr algn="ctr"/>
             <a:r>
-              <a:rPr lang="en-US" dirty="0" smtClean="0"/>
+              <a:rPr lang="en-US" dirty="0"/>
               <a:t>8</a:t>
             </a:r>
-            <a:endParaRPr lang="en-US" dirty="0"/>
           </a:p>
         </p:txBody>
       </p:sp>
@@ -23336,10 +28354,9 @@
           <a:p>
             <a:pPr algn="ctr"/>
             <a:r>
-              <a:rPr lang="en-US" dirty="0" smtClean="0"/>
+              <a:rPr lang="en-US" dirty="0"/>
               <a:t>9</a:t>
             </a:r>
-            <a:endParaRPr lang="en-US" dirty="0"/>
           </a:p>
         </p:txBody>
       </p:sp>
@@ -23520,10 +28537,9 @@
           <a:p>
             <a:pPr algn="ctr"/>
             <a:r>
-              <a:rPr lang="en-US" dirty="0" smtClean="0"/>
+              <a:rPr lang="en-US" dirty="0"/>
               <a:t>6</a:t>
             </a:r>
-            <a:endParaRPr lang="en-US" dirty="0"/>
           </a:p>
         </p:txBody>
       </p:sp>
@@ -23620,10 +28636,9 @@
           <a:p>
             <a:pPr algn="ctr"/>
             <a:r>
-              <a:rPr lang="en-US" dirty="0" smtClean="0"/>
+              <a:rPr lang="en-US" dirty="0"/>
               <a:t>3</a:t>
             </a:r>
-            <a:endParaRPr lang="en-US" dirty="0"/>
           </a:p>
         </p:txBody>
       </p:sp>
@@ -24064,13 +29079,6 @@
   <p:clrMapOvr>
     <a:masterClrMapping/>
   </p:clrMapOvr>
-  <p:timing>
-    <p:tnLst>
-      <p:par>
-        <p:cTn id="1" dur="indefinite" restart="never" nodeType="tmRoot"/>
-      </p:par>
-    </p:tnLst>
-  </p:timing>
 </p:sld>
 </file>
 
@@ -24136,7 +29144,7 @@
           <a:p>
             <a:pPr algn="ctr"/>
             <a:r>
-              <a:rPr lang="en-US" sz="3200" dirty="0" err="1" smtClean="0">
+              <a:rPr lang="en-US" sz="3200" dirty="0" err="1">
                 <a:solidFill>
                   <a:schemeClr val="tx1"/>
                 </a:solidFill>
@@ -24151,23 +29159,8 @@
                 </a:solidFill>
                 <a:latin typeface="+mj-lt"/>
               </a:rPr>
-              <a:t>(       </a:t>
+              <a:t>(       )</a:t>
             </a:r>
-            <a:r>
-              <a:rPr lang="en-US" sz="3200" dirty="0" smtClean="0">
-                <a:solidFill>
-                  <a:schemeClr val="tx1"/>
-                </a:solidFill>
-                <a:latin typeface="+mj-lt"/>
-              </a:rPr>
-              <a:t>)</a:t>
-            </a:r>
-            <a:endParaRPr lang="en-US" sz="3200" dirty="0">
-              <a:solidFill>
-                <a:schemeClr val="tx1"/>
-              </a:solidFill>
-              <a:latin typeface="+mj-lt"/>
-            </a:endParaRPr>
           </a:p>
         </p:txBody>
       </p:sp>
@@ -25297,18 +30290,13 @@
           <a:p>
             <a:pPr algn="ctr"/>
             <a:r>
-              <a:rPr lang="en-US" dirty="0" smtClean="0">
+              <a:rPr lang="en-US" dirty="0">
                 <a:solidFill>
                   <a:schemeClr val="tx1"/>
                 </a:solidFill>
               </a:rPr>
               <a:t>Failure</a:t>
             </a:r>
-            <a:endParaRPr lang="en-US" dirty="0">
-              <a:solidFill>
-                <a:schemeClr val="tx1"/>
-              </a:solidFill>
-            </a:endParaRPr>
           </a:p>
         </p:txBody>
       </p:sp>
